--- a/zemi.pptx
+++ b/zemi.pptx
@@ -2,22 +2,28 @@
 <file path=ppt/presentation.xml><?xml version="1.0" encoding="utf-8"?>
 <p:presentation xmlns:a="http://schemas.openxmlformats.org/drawingml/2006/main" xmlns:r="http://schemas.openxmlformats.org/officeDocument/2006/relationships" xmlns:p="http://schemas.openxmlformats.org/presentationml/2006/main" saveSubsetFonts="1">
   <p:sldMasterIdLst>
-    <p:sldMasterId id="2147483777" r:id="rId1"/>
+    <p:sldMasterId id="2147483911" r:id="rId1"/>
   </p:sldMasterIdLst>
   <p:sldIdLst>
     <p:sldId id="256" r:id="rId2"/>
     <p:sldId id="257" r:id="rId3"/>
     <p:sldId id="258" r:id="rId4"/>
-    <p:sldId id="259" r:id="rId5"/>
+    <p:sldId id="262" r:id="rId5"/>
+    <p:sldId id="259" r:id="rId6"/>
+    <p:sldId id="260" r:id="rId7"/>
+    <p:sldId id="263" r:id="rId8"/>
+    <p:sldId id="264" r:id="rId9"/>
+    <p:sldId id="265" r:id="rId10"/>
+    <p:sldId id="261" r:id="rId11"/>
   </p:sldIdLst>
   <p:sldSz cx="12192000" cy="6858000"/>
   <p:notesSz cx="6858000" cy="9144000"/>
   <p:defaultTextStyle>
     <a:defPPr>
-      <a:defRPr lang="ja-JP"/>
+      <a:defRPr lang="en-US"/>
     </a:defPPr>
-    <a:lvl1pPr marL="0" algn="l" defTabSz="914400" rtl="0" eaLnBrk="1" latinLnBrk="0" hangingPunct="1">
-      <a:defRPr kumimoji="1" sz="1800" kern="1200">
+    <a:lvl1pPr marL="0" algn="l" defTabSz="457200" rtl="0" eaLnBrk="1" latinLnBrk="0" hangingPunct="1">
+      <a:defRPr sz="1800" kern="1200">
         <a:solidFill>
           <a:schemeClr val="tx1"/>
         </a:solidFill>
@@ -26,8 +32,8 @@
         <a:cs typeface="+mn-cs"/>
       </a:defRPr>
     </a:lvl1pPr>
-    <a:lvl2pPr marL="457200" algn="l" defTabSz="914400" rtl="0" eaLnBrk="1" latinLnBrk="0" hangingPunct="1">
-      <a:defRPr kumimoji="1" sz="1800" kern="1200">
+    <a:lvl2pPr marL="457200" algn="l" defTabSz="457200" rtl="0" eaLnBrk="1" latinLnBrk="0" hangingPunct="1">
+      <a:defRPr sz="1800" kern="1200">
         <a:solidFill>
           <a:schemeClr val="tx1"/>
         </a:solidFill>
@@ -36,8 +42,8 @@
         <a:cs typeface="+mn-cs"/>
       </a:defRPr>
     </a:lvl2pPr>
-    <a:lvl3pPr marL="914400" algn="l" defTabSz="914400" rtl="0" eaLnBrk="1" latinLnBrk="0" hangingPunct="1">
-      <a:defRPr kumimoji="1" sz="1800" kern="1200">
+    <a:lvl3pPr marL="914400" algn="l" defTabSz="457200" rtl="0" eaLnBrk="1" latinLnBrk="0" hangingPunct="1">
+      <a:defRPr sz="1800" kern="1200">
         <a:solidFill>
           <a:schemeClr val="tx1"/>
         </a:solidFill>
@@ -46,8 +52,8 @@
         <a:cs typeface="+mn-cs"/>
       </a:defRPr>
     </a:lvl3pPr>
-    <a:lvl4pPr marL="1371600" algn="l" defTabSz="914400" rtl="0" eaLnBrk="1" latinLnBrk="0" hangingPunct="1">
-      <a:defRPr kumimoji="1" sz="1800" kern="1200">
+    <a:lvl4pPr marL="1371600" algn="l" defTabSz="457200" rtl="0" eaLnBrk="1" latinLnBrk="0" hangingPunct="1">
+      <a:defRPr sz="1800" kern="1200">
         <a:solidFill>
           <a:schemeClr val="tx1"/>
         </a:solidFill>
@@ -56,8 +62,8 @@
         <a:cs typeface="+mn-cs"/>
       </a:defRPr>
     </a:lvl4pPr>
-    <a:lvl5pPr marL="1828800" algn="l" defTabSz="914400" rtl="0" eaLnBrk="1" latinLnBrk="0" hangingPunct="1">
-      <a:defRPr kumimoji="1" sz="1800" kern="1200">
+    <a:lvl5pPr marL="1828800" algn="l" defTabSz="457200" rtl="0" eaLnBrk="1" latinLnBrk="0" hangingPunct="1">
+      <a:defRPr sz="1800" kern="1200">
         <a:solidFill>
           <a:schemeClr val="tx1"/>
         </a:solidFill>
@@ -66,8 +72,8 @@
         <a:cs typeface="+mn-cs"/>
       </a:defRPr>
     </a:lvl5pPr>
-    <a:lvl6pPr marL="2286000" algn="l" defTabSz="914400" rtl="0" eaLnBrk="1" latinLnBrk="0" hangingPunct="1">
-      <a:defRPr kumimoji="1" sz="1800" kern="1200">
+    <a:lvl6pPr marL="2286000" algn="l" defTabSz="457200" rtl="0" eaLnBrk="1" latinLnBrk="0" hangingPunct="1">
+      <a:defRPr sz="1800" kern="1200">
         <a:solidFill>
           <a:schemeClr val="tx1"/>
         </a:solidFill>
@@ -76,8 +82,8 @@
         <a:cs typeface="+mn-cs"/>
       </a:defRPr>
     </a:lvl6pPr>
-    <a:lvl7pPr marL="2743200" algn="l" defTabSz="914400" rtl="0" eaLnBrk="1" latinLnBrk="0" hangingPunct="1">
-      <a:defRPr kumimoji="1" sz="1800" kern="1200">
+    <a:lvl7pPr marL="2743200" algn="l" defTabSz="457200" rtl="0" eaLnBrk="1" latinLnBrk="0" hangingPunct="1">
+      <a:defRPr sz="1800" kern="1200">
         <a:solidFill>
           <a:schemeClr val="tx1"/>
         </a:solidFill>
@@ -86,8 +92,8 @@
         <a:cs typeface="+mn-cs"/>
       </a:defRPr>
     </a:lvl7pPr>
-    <a:lvl8pPr marL="3200400" algn="l" defTabSz="914400" rtl="0" eaLnBrk="1" latinLnBrk="0" hangingPunct="1">
-      <a:defRPr kumimoji="1" sz="1800" kern="1200">
+    <a:lvl8pPr marL="3200400" algn="l" defTabSz="457200" rtl="0" eaLnBrk="1" latinLnBrk="0" hangingPunct="1">
+      <a:defRPr sz="1800" kern="1200">
         <a:solidFill>
           <a:schemeClr val="tx1"/>
         </a:solidFill>
@@ -96,8 +102,8 @@
         <a:cs typeface="+mn-cs"/>
       </a:defRPr>
     </a:lvl8pPr>
-    <a:lvl9pPr marL="3657600" algn="l" defTabSz="914400" rtl="0" eaLnBrk="1" latinLnBrk="0" hangingPunct="1">
-      <a:defRPr kumimoji="1" sz="1800" kern="1200">
+    <a:lvl9pPr marL="3657600" algn="l" defTabSz="457200" rtl="0" eaLnBrk="1" latinLnBrk="0" hangingPunct="1">
+      <a:defRPr sz="1800" kern="1200">
         <a:solidFill>
           <a:schemeClr val="tx1"/>
         </a:solidFill>
@@ -144,52 +150,73 @@
           <a:chExt cx="0" cy="0"/>
         </a:xfrm>
       </p:grpSpPr>
-      <p:sp>
-        <p:nvSpPr>
-          <p:cNvPr id="2" name="タイトル 1">
+      <p:pic>
+        <p:nvPicPr>
+          <p:cNvPr id="7" name="Picture 6" descr="Droplets-HD-Title-R1d.png"/>
+          <p:cNvPicPr>
+            <a:picLocks noChangeAspect="1"/>
+          </p:cNvPicPr>
+          <p:nvPr/>
+        </p:nvPicPr>
+        <p:blipFill>
+          <a:blip r:embed="rId2">
             <a:extLst>
-              <a:ext uri="{FF2B5EF4-FFF2-40B4-BE49-F238E27FC236}">
-                <a16:creationId xmlns:a16="http://schemas.microsoft.com/office/drawing/2014/main" id="{AE7EE846-7CBE-462D-B1F1-106E9C9D9D4B}"/>
+              <a:ext uri="{28A0092B-C50C-407E-A947-70E740481C1C}">
+                <a14:useLocalDpi xmlns:a14="http://schemas.microsoft.com/office/drawing/2010/main" val="0"/>
               </a:ext>
             </a:extLst>
-          </p:cNvPr>
-          <p:cNvSpPr>
-            <a:spLocks noGrp="1"/>
-          </p:cNvSpPr>
-          <p:nvPr>
-            <p:ph type="ctrTitle"/>
-          </p:nvPr>
-        </p:nvSpPr>
+          </a:blip>
+          <a:stretch>
+            <a:fillRect/>
+          </a:stretch>
+        </p:blipFill>
         <p:spPr>
           <a:xfrm>
-            <a:off x="1524000" y="1122363"/>
-            <a:ext cx="9144000" cy="2387600"/>
+            <a:off x="0" y="0"/>
+            <a:ext cx="12192000" cy="6858000"/>
+          </a:xfrm>
+          <a:prstGeom prst="rect">
+            <a:avLst/>
+          </a:prstGeom>
+        </p:spPr>
+      </p:pic>
+      <p:sp>
+        <p:nvSpPr>
+          <p:cNvPr id="2" name="Title 1"/>
+          <p:cNvSpPr>
+            <a:spLocks noGrp="1"/>
+          </p:cNvSpPr>
+          <p:nvPr>
+            <p:ph type="ctrTitle"/>
+          </p:nvPr>
+        </p:nvSpPr>
+        <p:spPr>
+          <a:xfrm>
+            <a:off x="1751012" y="1300785"/>
+            <a:ext cx="8689976" cy="2509213"/>
           </a:xfrm>
         </p:spPr>
         <p:txBody>
-          <a:bodyPr anchor="b"/>
+          <a:bodyPr anchor="b">
+            <a:normAutofit/>
+          </a:bodyPr>
           <a:lstStyle>
             <a:lvl1pPr algn="ctr">
-              <a:defRPr sz="6000"/>
+              <a:defRPr sz="4800"/>
             </a:lvl1pPr>
           </a:lstStyle>
           <a:p>
             <a:r>
-              <a:rPr kumimoji="1" lang="ja-JP" altLang="en-US"/>
+              <a:rPr lang="ja-JP" altLang="en-US"/>
               <a:t>マスター タイトルの書式設定</a:t>
             </a:r>
-          </a:p>
-        </p:txBody>
-      </p:sp>
-      <p:sp>
-        <p:nvSpPr>
-          <p:cNvPr id="3" name="字幕 2">
-            <a:extLst>
-              <a:ext uri="{FF2B5EF4-FFF2-40B4-BE49-F238E27FC236}">
-                <a16:creationId xmlns:a16="http://schemas.microsoft.com/office/drawing/2014/main" id="{BFE0DBAC-F471-43A9-BD2D-472B7F6BFA99}"/>
-              </a:ext>
-            </a:extLst>
-          </p:cNvPr>
+            <a:endParaRPr lang="en-US" dirty="0"/>
+          </a:p>
+        </p:txBody>
+      </p:sp>
+      <p:sp>
+        <p:nvSpPr>
+          <p:cNvPr id="3" name="Subtitle 2"/>
           <p:cNvSpPr>
             <a:spLocks noGrp="1"/>
           </p:cNvSpPr>
@@ -199,16 +226,24 @@
         </p:nvSpPr>
         <p:spPr>
           <a:xfrm>
-            <a:off x="1524000" y="3602038"/>
-            <a:ext cx="9144000" cy="1655762"/>
+            <a:off x="1751012" y="3886200"/>
+            <a:ext cx="8689976" cy="1371599"/>
           </a:xfrm>
         </p:spPr>
         <p:txBody>
-          <a:bodyPr/>
+          <a:bodyPr>
+            <a:normAutofit/>
+          </a:bodyPr>
           <a:lstStyle>
             <a:lvl1pPr marL="0" indent="0" algn="ctr">
               <a:buNone/>
-              <a:defRPr sz="2400"/>
+              <a:defRPr sz="2200">
+                <a:solidFill>
+                  <a:schemeClr val="bg1">
+                    <a:lumMod val="50000"/>
+                  </a:schemeClr>
+                </a:solidFill>
+              </a:defRPr>
             </a:lvl1pPr>
             <a:lvl2pPr marL="457200" indent="0" algn="ctr">
               <a:buNone/>
@@ -245,21 +280,16 @@
           </a:lstStyle>
           <a:p>
             <a:r>
-              <a:rPr kumimoji="1" lang="ja-JP" altLang="en-US"/>
+              <a:rPr lang="ja-JP" altLang="en-US"/>
               <a:t>マスター サブタイトルの書式設定</a:t>
             </a:r>
-          </a:p>
-        </p:txBody>
-      </p:sp>
-      <p:sp>
-        <p:nvSpPr>
-          <p:cNvPr id="4" name="日付プレースホルダー 3">
-            <a:extLst>
-              <a:ext uri="{FF2B5EF4-FFF2-40B4-BE49-F238E27FC236}">
-                <a16:creationId xmlns:a16="http://schemas.microsoft.com/office/drawing/2014/main" id="{BFCCA328-F3C8-4A40-BE51-C41B05BAF0AD}"/>
-              </a:ext>
-            </a:extLst>
-          </p:cNvPr>
+            <a:endParaRPr lang="en-US" dirty="0"/>
+          </a:p>
+        </p:txBody>
+      </p:sp>
+      <p:sp>
+        <p:nvSpPr>
+          <p:cNvPr id="4" name="Date Placeholder 3"/>
           <p:cNvSpPr>
             <a:spLocks noGrp="1"/>
           </p:cNvSpPr>
@@ -282,13 +312,7 @@
       </p:sp>
       <p:sp>
         <p:nvSpPr>
-          <p:cNvPr id="5" name="フッター プレースホルダー 4">
-            <a:extLst>
-              <a:ext uri="{FF2B5EF4-FFF2-40B4-BE49-F238E27FC236}">
-                <a16:creationId xmlns:a16="http://schemas.microsoft.com/office/drawing/2014/main" id="{C4503DD4-B559-4038-86F9-9D068E4334D1}"/>
-              </a:ext>
-            </a:extLst>
-          </p:cNvPr>
+          <p:cNvPr id="5" name="Footer Placeholder 4"/>
           <p:cNvSpPr>
             <a:spLocks noGrp="1"/>
           </p:cNvSpPr>
@@ -307,13 +331,7 @@
       </p:sp>
       <p:sp>
         <p:nvSpPr>
-          <p:cNvPr id="6" name="スライド番号プレースホルダー 5">
-            <a:extLst>
-              <a:ext uri="{FF2B5EF4-FFF2-40B4-BE49-F238E27FC236}">
-                <a16:creationId xmlns:a16="http://schemas.microsoft.com/office/drawing/2014/main" id="{7F5C86CF-6C0D-44CC-9BFD-4CE3F33E24E7}"/>
-              </a:ext>
-            </a:extLst>
-          </p:cNvPr>
+          <p:cNvPr id="6" name="Slide Number Placeholder 5"/>
           <p:cNvSpPr>
             <a:spLocks noGrp="1"/>
           </p:cNvSpPr>
@@ -337,7 +355,7 @@
     </p:spTree>
     <p:extLst>
       <p:ext uri="{BB962C8B-B14F-4D97-AF65-F5344CB8AC3E}">
-        <p14:creationId xmlns:p14="http://schemas.microsoft.com/office/powerpoint/2010/main" val="2764039351"/>
+        <p14:creationId xmlns:p14="http://schemas.microsoft.com/office/powerpoint/2010/main" val="3248825636"/>
       </p:ext>
     </p:extLst>
   </p:cSld>
@@ -348,6 +366,2713 @@
 </file>
 
 <file path=ppt/slideLayouts/slideLayout10.xml><?xml version="1.0" encoding="utf-8"?>
+<p:sldLayout xmlns:a="http://schemas.openxmlformats.org/drawingml/2006/main" xmlns:r="http://schemas.openxmlformats.org/officeDocument/2006/relationships" xmlns:p="http://schemas.openxmlformats.org/presentationml/2006/main" preserve="1">
+  <p:cSld name="パノラマ写真 (キャプション付き)">
+    <p:spTree>
+      <p:nvGrpSpPr>
+        <p:cNvPr id="1" name=""/>
+        <p:cNvGrpSpPr/>
+        <p:nvPr/>
+      </p:nvGrpSpPr>
+      <p:grpSpPr>
+        <a:xfrm>
+          <a:off x="0" y="0"/>
+          <a:ext cx="0" cy="0"/>
+          <a:chOff x="0" y="0"/>
+          <a:chExt cx="0" cy="0"/>
+        </a:xfrm>
+      </p:grpSpPr>
+      <p:pic>
+        <p:nvPicPr>
+          <p:cNvPr id="10" name="Picture 9" descr="Droplets-HD-Content-R1d.png"/>
+          <p:cNvPicPr>
+            <a:picLocks noChangeAspect="1"/>
+          </p:cNvPicPr>
+          <p:nvPr/>
+        </p:nvPicPr>
+        <p:blipFill>
+          <a:blip r:embed="rId2">
+            <a:extLst>
+              <a:ext uri="{28A0092B-C50C-407E-A947-70E740481C1C}">
+                <a14:useLocalDpi xmlns:a14="http://schemas.microsoft.com/office/drawing/2010/main" val="0"/>
+              </a:ext>
+            </a:extLst>
+          </a:blip>
+          <a:stretch>
+            <a:fillRect/>
+          </a:stretch>
+        </p:blipFill>
+        <p:spPr>
+          <a:xfrm>
+            <a:off x="0" y="0"/>
+            <a:ext cx="12192000" cy="6858000"/>
+          </a:xfrm>
+          <a:prstGeom prst="rect">
+            <a:avLst/>
+          </a:prstGeom>
+        </p:spPr>
+      </p:pic>
+      <p:sp>
+        <p:nvSpPr>
+          <p:cNvPr id="2" name="Title 1"/>
+          <p:cNvSpPr>
+            <a:spLocks noGrp="1"/>
+          </p:cNvSpPr>
+          <p:nvPr>
+            <p:ph type="title"/>
+          </p:nvPr>
+        </p:nvSpPr>
+        <p:spPr>
+          <a:xfrm>
+            <a:off x="913794" y="4289374"/>
+            <a:ext cx="10364432" cy="811610"/>
+          </a:xfrm>
+        </p:spPr>
+        <p:txBody>
+          <a:bodyPr anchor="b"/>
+          <a:lstStyle>
+            <a:lvl1pPr>
+              <a:defRPr sz="3200"/>
+            </a:lvl1pPr>
+          </a:lstStyle>
+          <a:p>
+            <a:r>
+              <a:rPr lang="ja-JP" altLang="en-US"/>
+              <a:t>マスター タイトルの書式設定</a:t>
+            </a:r>
+            <a:endParaRPr lang="en-US" dirty="0"/>
+          </a:p>
+        </p:txBody>
+      </p:sp>
+      <p:sp>
+        <p:nvSpPr>
+          <p:cNvPr id="3" name="Picture Placeholder 2"/>
+          <p:cNvSpPr>
+            <a:spLocks noGrp="1" noChangeAspect="1"/>
+          </p:cNvSpPr>
+          <p:nvPr>
+            <p:ph type="pic" idx="1"/>
+          </p:nvPr>
+        </p:nvSpPr>
+        <p:spPr>
+          <a:xfrm>
+            <a:off x="1184744" y="698261"/>
+            <a:ext cx="9822532" cy="3214136"/>
+          </a:xfrm>
+          <a:prstGeom prst="roundRect">
+            <a:avLst>
+              <a:gd name="adj" fmla="val 4944"/>
+            </a:avLst>
+          </a:prstGeom>
+          <a:noFill/>
+          <a:ln w="82550" cap="sq">
+            <a:solidFill>
+              <a:srgbClr val="EAEAEA"/>
+            </a:solidFill>
+            <a:miter lim="800000"/>
+          </a:ln>
+          <a:effectLst/>
+          <a:scene3d>
+            <a:camera prst="orthographicFront"/>
+            <a:lightRig rig="threePt" dir="t">
+              <a:rot lat="0" lon="0" rev="2700000"/>
+            </a:lightRig>
+          </a:scene3d>
+          <a:sp3d contourW="6350">
+            <a:bevelT h="38100"/>
+            <a:contourClr>
+              <a:srgbClr val="C0C0C0"/>
+            </a:contourClr>
+          </a:sp3d>
+        </p:spPr>
+        <p:txBody>
+          <a:bodyPr anchor="t"/>
+          <a:lstStyle>
+            <a:lvl1pPr marL="0" indent="0" algn="ctr">
+              <a:buNone/>
+              <a:defRPr sz="3200"/>
+            </a:lvl1pPr>
+            <a:lvl2pPr marL="457200" indent="0">
+              <a:buNone/>
+              <a:defRPr sz="2800"/>
+            </a:lvl2pPr>
+            <a:lvl3pPr marL="914400" indent="0">
+              <a:buNone/>
+              <a:defRPr sz="2400"/>
+            </a:lvl3pPr>
+            <a:lvl4pPr marL="1371600" indent="0">
+              <a:buNone/>
+              <a:defRPr sz="2000"/>
+            </a:lvl4pPr>
+            <a:lvl5pPr marL="1828800" indent="0">
+              <a:buNone/>
+              <a:defRPr sz="2000"/>
+            </a:lvl5pPr>
+            <a:lvl6pPr marL="2286000" indent="0">
+              <a:buNone/>
+              <a:defRPr sz="2000"/>
+            </a:lvl6pPr>
+            <a:lvl7pPr marL="2743200" indent="0">
+              <a:buNone/>
+              <a:defRPr sz="2000"/>
+            </a:lvl7pPr>
+            <a:lvl8pPr marL="3200400" indent="0">
+              <a:buNone/>
+              <a:defRPr sz="2000"/>
+            </a:lvl8pPr>
+            <a:lvl9pPr marL="3657600" indent="0">
+              <a:buNone/>
+              <a:defRPr sz="2000"/>
+            </a:lvl9pPr>
+          </a:lstStyle>
+          <a:p>
+            <a:r>
+              <a:rPr lang="ja-JP" altLang="en-US"/>
+              <a:t>アイコンをクリックして図を追加</a:t>
+            </a:r>
+            <a:endParaRPr lang="en-US" dirty="0"/>
+          </a:p>
+        </p:txBody>
+      </p:sp>
+      <p:sp>
+        <p:nvSpPr>
+          <p:cNvPr id="4" name="Text Placeholder 3"/>
+          <p:cNvSpPr>
+            <a:spLocks noGrp="1"/>
+          </p:cNvSpPr>
+          <p:nvPr>
+            <p:ph type="body" sz="half" idx="2"/>
+          </p:nvPr>
+        </p:nvSpPr>
+        <p:spPr>
+          <a:xfrm>
+            <a:off x="913774" y="5108728"/>
+            <a:ext cx="10364452" cy="682472"/>
+          </a:xfrm>
+        </p:spPr>
+        <p:txBody>
+          <a:bodyPr/>
+          <a:lstStyle>
+            <a:lvl1pPr marL="0" indent="0" algn="ctr">
+              <a:buNone/>
+              <a:defRPr sz="1600"/>
+            </a:lvl1pPr>
+            <a:lvl2pPr marL="457200" indent="0">
+              <a:buNone/>
+              <a:defRPr sz="1400"/>
+            </a:lvl2pPr>
+            <a:lvl3pPr marL="914400" indent="0">
+              <a:buNone/>
+              <a:defRPr sz="1200"/>
+            </a:lvl3pPr>
+            <a:lvl4pPr marL="1371600" indent="0">
+              <a:buNone/>
+              <a:defRPr sz="1000"/>
+            </a:lvl4pPr>
+            <a:lvl5pPr marL="1828800" indent="0">
+              <a:buNone/>
+              <a:defRPr sz="1000"/>
+            </a:lvl5pPr>
+            <a:lvl6pPr marL="2286000" indent="0">
+              <a:buNone/>
+              <a:defRPr sz="1000"/>
+            </a:lvl6pPr>
+            <a:lvl7pPr marL="2743200" indent="0">
+              <a:buNone/>
+              <a:defRPr sz="1000"/>
+            </a:lvl7pPr>
+            <a:lvl8pPr marL="3200400" indent="0">
+              <a:buNone/>
+              <a:defRPr sz="1000"/>
+            </a:lvl8pPr>
+            <a:lvl9pPr marL="3657600" indent="0">
+              <a:buNone/>
+              <a:defRPr sz="1000"/>
+            </a:lvl9pPr>
+          </a:lstStyle>
+          <a:p>
+            <a:pPr lvl="0"/>
+            <a:r>
+              <a:rPr lang="ja-JP" altLang="en-US"/>
+              <a:t>マスター テキストの書式設定</a:t>
+            </a:r>
+          </a:p>
+        </p:txBody>
+      </p:sp>
+      <p:sp>
+        <p:nvSpPr>
+          <p:cNvPr id="5" name="Date Placeholder 4"/>
+          <p:cNvSpPr>
+            <a:spLocks noGrp="1"/>
+          </p:cNvSpPr>
+          <p:nvPr>
+            <p:ph type="dt" sz="half" idx="10"/>
+          </p:nvPr>
+        </p:nvSpPr>
+        <p:spPr/>
+        <p:txBody>
+          <a:bodyPr/>
+          <a:lstStyle/>
+          <a:p>
+            <a:fld id="{0E02A643-9BB0-4E02-80B2-2C0A5E5D738E}" type="datetimeFigureOut">
+              <a:rPr kumimoji="1" lang="ja-JP" altLang="en-US" smtClean="0"/>
+              <a:t>2020/10/8</a:t>
+            </a:fld>
+            <a:endParaRPr kumimoji="1" lang="ja-JP" altLang="en-US"/>
+          </a:p>
+        </p:txBody>
+      </p:sp>
+      <p:sp>
+        <p:nvSpPr>
+          <p:cNvPr id="6" name="Footer Placeholder 5"/>
+          <p:cNvSpPr>
+            <a:spLocks noGrp="1"/>
+          </p:cNvSpPr>
+          <p:nvPr>
+            <p:ph type="ftr" sz="quarter" idx="11"/>
+          </p:nvPr>
+        </p:nvSpPr>
+        <p:spPr/>
+        <p:txBody>
+          <a:bodyPr/>
+          <a:lstStyle/>
+          <a:p>
+            <a:endParaRPr kumimoji="1" lang="ja-JP" altLang="en-US"/>
+          </a:p>
+        </p:txBody>
+      </p:sp>
+      <p:sp>
+        <p:nvSpPr>
+          <p:cNvPr id="7" name="Slide Number Placeholder 6"/>
+          <p:cNvSpPr>
+            <a:spLocks noGrp="1"/>
+          </p:cNvSpPr>
+          <p:nvPr>
+            <p:ph type="sldNum" sz="quarter" idx="12"/>
+          </p:nvPr>
+        </p:nvSpPr>
+        <p:spPr/>
+        <p:txBody>
+          <a:bodyPr/>
+          <a:lstStyle/>
+          <a:p>
+            <a:fld id="{A99D720A-4AD5-4DCF-885F-DE5297996123}" type="slidenum">
+              <a:rPr kumimoji="1" lang="ja-JP" altLang="en-US" smtClean="0"/>
+              <a:t>‹#›</a:t>
+            </a:fld>
+            <a:endParaRPr kumimoji="1" lang="ja-JP" altLang="en-US"/>
+          </a:p>
+        </p:txBody>
+      </p:sp>
+    </p:spTree>
+    <p:extLst>
+      <p:ext uri="{BB962C8B-B14F-4D97-AF65-F5344CB8AC3E}">
+        <p14:creationId xmlns:p14="http://schemas.microsoft.com/office/powerpoint/2010/main" val="1147387421"/>
+      </p:ext>
+    </p:extLst>
+  </p:cSld>
+  <p:clrMapOvr>
+    <a:masterClrMapping/>
+  </p:clrMapOvr>
+</p:sldLayout>
+</file>
+
+<file path=ppt/slideLayouts/slideLayout11.xml><?xml version="1.0" encoding="utf-8"?>
+<p:sldLayout xmlns:a="http://schemas.openxmlformats.org/drawingml/2006/main" xmlns:r="http://schemas.openxmlformats.org/officeDocument/2006/relationships" xmlns:p="http://schemas.openxmlformats.org/presentationml/2006/main" preserve="1">
+  <p:cSld name="タイトルとキャプション">
+    <p:spTree>
+      <p:nvGrpSpPr>
+        <p:cNvPr id="1" name=""/>
+        <p:cNvGrpSpPr/>
+        <p:nvPr/>
+      </p:nvGrpSpPr>
+      <p:grpSpPr>
+        <a:xfrm>
+          <a:off x="0" y="0"/>
+          <a:ext cx="0" cy="0"/>
+          <a:chOff x="0" y="0"/>
+          <a:chExt cx="0" cy="0"/>
+        </a:xfrm>
+      </p:grpSpPr>
+      <p:pic>
+        <p:nvPicPr>
+          <p:cNvPr id="8" name="Picture 7" descr="Droplets-HD-Content-R1d.png"/>
+          <p:cNvPicPr>
+            <a:picLocks noChangeAspect="1"/>
+          </p:cNvPicPr>
+          <p:nvPr/>
+        </p:nvPicPr>
+        <p:blipFill>
+          <a:blip r:embed="rId2">
+            <a:extLst>
+              <a:ext uri="{28A0092B-C50C-407E-A947-70E740481C1C}">
+                <a14:useLocalDpi xmlns:a14="http://schemas.microsoft.com/office/drawing/2010/main" val="0"/>
+              </a:ext>
+            </a:extLst>
+          </a:blip>
+          <a:stretch>
+            <a:fillRect/>
+          </a:stretch>
+        </p:blipFill>
+        <p:spPr>
+          <a:xfrm>
+            <a:off x="0" y="0"/>
+            <a:ext cx="12192000" cy="6858000"/>
+          </a:xfrm>
+          <a:prstGeom prst="rect">
+            <a:avLst/>
+          </a:prstGeom>
+        </p:spPr>
+      </p:pic>
+      <p:sp>
+        <p:nvSpPr>
+          <p:cNvPr id="2" name="Title 1"/>
+          <p:cNvSpPr>
+            <a:spLocks noGrp="1"/>
+          </p:cNvSpPr>
+          <p:nvPr>
+            <p:ph type="title"/>
+          </p:nvPr>
+        </p:nvSpPr>
+        <p:spPr>
+          <a:xfrm>
+            <a:off x="913774" y="609599"/>
+            <a:ext cx="10364452" cy="3427245"/>
+          </a:xfrm>
+        </p:spPr>
+        <p:txBody>
+          <a:bodyPr anchor="ctr"/>
+          <a:lstStyle>
+            <a:lvl1pPr algn="ctr">
+              <a:defRPr sz="3200"/>
+            </a:lvl1pPr>
+          </a:lstStyle>
+          <a:p>
+            <a:r>
+              <a:rPr lang="ja-JP" altLang="en-US"/>
+              <a:t>マスター タイトルの書式設定</a:t>
+            </a:r>
+            <a:endParaRPr lang="en-US" dirty="0"/>
+          </a:p>
+        </p:txBody>
+      </p:sp>
+      <p:sp>
+        <p:nvSpPr>
+          <p:cNvPr id="4" name="Text Placeholder 3"/>
+          <p:cNvSpPr>
+            <a:spLocks noGrp="1"/>
+          </p:cNvSpPr>
+          <p:nvPr>
+            <p:ph type="body" sz="half" idx="2"/>
+          </p:nvPr>
+        </p:nvSpPr>
+        <p:spPr>
+          <a:xfrm>
+            <a:off x="913775" y="4204821"/>
+            <a:ext cx="10364452" cy="1586380"/>
+          </a:xfrm>
+        </p:spPr>
+        <p:txBody>
+          <a:bodyPr anchor="ctr"/>
+          <a:lstStyle>
+            <a:lvl1pPr marL="0" indent="0" algn="ctr">
+              <a:buNone/>
+              <a:defRPr sz="1600"/>
+            </a:lvl1pPr>
+            <a:lvl2pPr marL="457200" indent="0">
+              <a:buNone/>
+              <a:defRPr sz="1400"/>
+            </a:lvl2pPr>
+            <a:lvl3pPr marL="914400" indent="0">
+              <a:buNone/>
+              <a:defRPr sz="1200"/>
+            </a:lvl3pPr>
+            <a:lvl4pPr marL="1371600" indent="0">
+              <a:buNone/>
+              <a:defRPr sz="1000"/>
+            </a:lvl4pPr>
+            <a:lvl5pPr marL="1828800" indent="0">
+              <a:buNone/>
+              <a:defRPr sz="1000"/>
+            </a:lvl5pPr>
+            <a:lvl6pPr marL="2286000" indent="0">
+              <a:buNone/>
+              <a:defRPr sz="1000"/>
+            </a:lvl6pPr>
+            <a:lvl7pPr marL="2743200" indent="0">
+              <a:buNone/>
+              <a:defRPr sz="1000"/>
+            </a:lvl7pPr>
+            <a:lvl8pPr marL="3200400" indent="0">
+              <a:buNone/>
+              <a:defRPr sz="1000"/>
+            </a:lvl8pPr>
+            <a:lvl9pPr marL="3657600" indent="0">
+              <a:buNone/>
+              <a:defRPr sz="1000"/>
+            </a:lvl9pPr>
+          </a:lstStyle>
+          <a:p>
+            <a:pPr lvl="0"/>
+            <a:r>
+              <a:rPr lang="ja-JP" altLang="en-US"/>
+              <a:t>マスター テキストの書式設定</a:t>
+            </a:r>
+          </a:p>
+        </p:txBody>
+      </p:sp>
+      <p:sp>
+        <p:nvSpPr>
+          <p:cNvPr id="5" name="Date Placeholder 4"/>
+          <p:cNvSpPr>
+            <a:spLocks noGrp="1"/>
+          </p:cNvSpPr>
+          <p:nvPr>
+            <p:ph type="dt" sz="half" idx="10"/>
+          </p:nvPr>
+        </p:nvSpPr>
+        <p:spPr/>
+        <p:txBody>
+          <a:bodyPr/>
+          <a:lstStyle/>
+          <a:p>
+            <a:fld id="{0E02A643-9BB0-4E02-80B2-2C0A5E5D738E}" type="datetimeFigureOut">
+              <a:rPr kumimoji="1" lang="ja-JP" altLang="en-US" smtClean="0"/>
+              <a:t>2020/10/8</a:t>
+            </a:fld>
+            <a:endParaRPr kumimoji="1" lang="ja-JP" altLang="en-US"/>
+          </a:p>
+        </p:txBody>
+      </p:sp>
+      <p:sp>
+        <p:nvSpPr>
+          <p:cNvPr id="6" name="Footer Placeholder 5"/>
+          <p:cNvSpPr>
+            <a:spLocks noGrp="1"/>
+          </p:cNvSpPr>
+          <p:nvPr>
+            <p:ph type="ftr" sz="quarter" idx="11"/>
+          </p:nvPr>
+        </p:nvSpPr>
+        <p:spPr/>
+        <p:txBody>
+          <a:bodyPr/>
+          <a:lstStyle/>
+          <a:p>
+            <a:endParaRPr kumimoji="1" lang="ja-JP" altLang="en-US"/>
+          </a:p>
+        </p:txBody>
+      </p:sp>
+      <p:sp>
+        <p:nvSpPr>
+          <p:cNvPr id="7" name="Slide Number Placeholder 6"/>
+          <p:cNvSpPr>
+            <a:spLocks noGrp="1"/>
+          </p:cNvSpPr>
+          <p:nvPr>
+            <p:ph type="sldNum" sz="quarter" idx="12"/>
+          </p:nvPr>
+        </p:nvSpPr>
+        <p:spPr/>
+        <p:txBody>
+          <a:bodyPr/>
+          <a:lstStyle/>
+          <a:p>
+            <a:fld id="{A99D720A-4AD5-4DCF-885F-DE5297996123}" type="slidenum">
+              <a:rPr kumimoji="1" lang="ja-JP" altLang="en-US" smtClean="0"/>
+              <a:t>‹#›</a:t>
+            </a:fld>
+            <a:endParaRPr kumimoji="1" lang="ja-JP" altLang="en-US"/>
+          </a:p>
+        </p:txBody>
+      </p:sp>
+    </p:spTree>
+    <p:extLst>
+      <p:ext uri="{BB962C8B-B14F-4D97-AF65-F5344CB8AC3E}">
+        <p14:creationId xmlns:p14="http://schemas.microsoft.com/office/powerpoint/2010/main" val="482039766"/>
+      </p:ext>
+    </p:extLst>
+  </p:cSld>
+  <p:clrMapOvr>
+    <a:masterClrMapping/>
+  </p:clrMapOvr>
+</p:sldLayout>
+</file>
+
+<file path=ppt/slideLayouts/slideLayout12.xml><?xml version="1.0" encoding="utf-8"?>
+<p:sldLayout xmlns:a="http://schemas.openxmlformats.org/drawingml/2006/main" xmlns:r="http://schemas.openxmlformats.org/officeDocument/2006/relationships" xmlns:p="http://schemas.openxmlformats.org/presentationml/2006/main" preserve="1">
+  <p:cSld name="引用 (キャプション付き)">
+    <p:spTree>
+      <p:nvGrpSpPr>
+        <p:cNvPr id="1" name=""/>
+        <p:cNvGrpSpPr/>
+        <p:nvPr/>
+      </p:nvGrpSpPr>
+      <p:grpSpPr>
+        <a:xfrm>
+          <a:off x="0" y="0"/>
+          <a:ext cx="0" cy="0"/>
+          <a:chOff x="0" y="0"/>
+          <a:chExt cx="0" cy="0"/>
+        </a:xfrm>
+      </p:grpSpPr>
+      <p:pic>
+        <p:nvPicPr>
+          <p:cNvPr id="11" name="Picture 10" descr="Droplets-HD-Content-R1d.png"/>
+          <p:cNvPicPr>
+            <a:picLocks noChangeAspect="1"/>
+          </p:cNvPicPr>
+          <p:nvPr/>
+        </p:nvPicPr>
+        <p:blipFill>
+          <a:blip r:embed="rId2">
+            <a:extLst>
+              <a:ext uri="{28A0092B-C50C-407E-A947-70E740481C1C}">
+                <a14:useLocalDpi xmlns:a14="http://schemas.microsoft.com/office/drawing/2010/main" val="0"/>
+              </a:ext>
+            </a:extLst>
+          </a:blip>
+          <a:stretch>
+            <a:fillRect/>
+          </a:stretch>
+        </p:blipFill>
+        <p:spPr>
+          <a:xfrm>
+            <a:off x="0" y="0"/>
+            <a:ext cx="12192000" cy="6858000"/>
+          </a:xfrm>
+          <a:prstGeom prst="rect">
+            <a:avLst/>
+          </a:prstGeom>
+        </p:spPr>
+      </p:pic>
+      <p:sp>
+        <p:nvSpPr>
+          <p:cNvPr id="2" name="Title 1"/>
+          <p:cNvSpPr>
+            <a:spLocks noGrp="1"/>
+          </p:cNvSpPr>
+          <p:nvPr>
+            <p:ph type="title"/>
+          </p:nvPr>
+        </p:nvSpPr>
+        <p:spPr>
+          <a:xfrm>
+            <a:off x="1446212" y="609600"/>
+            <a:ext cx="9302752" cy="2992904"/>
+          </a:xfrm>
+        </p:spPr>
+        <p:txBody>
+          <a:bodyPr anchor="ctr"/>
+          <a:lstStyle>
+            <a:lvl1pPr>
+              <a:defRPr sz="3200"/>
+            </a:lvl1pPr>
+          </a:lstStyle>
+          <a:p>
+            <a:r>
+              <a:rPr lang="ja-JP" altLang="en-US"/>
+              <a:t>マスター タイトルの書式設定</a:t>
+            </a:r>
+            <a:endParaRPr lang="en-US" dirty="0"/>
+          </a:p>
+        </p:txBody>
+      </p:sp>
+      <p:sp>
+        <p:nvSpPr>
+          <p:cNvPr id="12" name="Text Placeholder 3"/>
+          <p:cNvSpPr>
+            <a:spLocks noGrp="1"/>
+          </p:cNvSpPr>
+          <p:nvPr>
+            <p:ph type="body" sz="half" idx="13"/>
+          </p:nvPr>
+        </p:nvSpPr>
+        <p:spPr>
+          <a:xfrm>
+            <a:off x="1720644" y="3610032"/>
+            <a:ext cx="8752299" cy="594788"/>
+          </a:xfrm>
+        </p:spPr>
+        <p:txBody>
+          <a:bodyPr anchor="t">
+            <a:normAutofit/>
+          </a:bodyPr>
+          <a:lstStyle>
+            <a:lvl1pPr marL="0" indent="0">
+              <a:buNone/>
+              <a:defRPr sz="1400"/>
+            </a:lvl1pPr>
+            <a:lvl2pPr marL="457200" indent="0">
+              <a:buNone/>
+              <a:defRPr sz="1400"/>
+            </a:lvl2pPr>
+            <a:lvl3pPr marL="914400" indent="0">
+              <a:buNone/>
+              <a:defRPr sz="1200"/>
+            </a:lvl3pPr>
+            <a:lvl4pPr marL="1371600" indent="0">
+              <a:buNone/>
+              <a:defRPr sz="1000"/>
+            </a:lvl4pPr>
+            <a:lvl5pPr marL="1828800" indent="0">
+              <a:buNone/>
+              <a:defRPr sz="1000"/>
+            </a:lvl5pPr>
+            <a:lvl6pPr marL="2286000" indent="0">
+              <a:buNone/>
+              <a:defRPr sz="1000"/>
+            </a:lvl6pPr>
+            <a:lvl7pPr marL="2743200" indent="0">
+              <a:buNone/>
+              <a:defRPr sz="1000"/>
+            </a:lvl7pPr>
+            <a:lvl8pPr marL="3200400" indent="0">
+              <a:buNone/>
+              <a:defRPr sz="1000"/>
+            </a:lvl8pPr>
+            <a:lvl9pPr marL="3657600" indent="0">
+              <a:buNone/>
+              <a:defRPr sz="1000"/>
+            </a:lvl9pPr>
+          </a:lstStyle>
+          <a:p>
+            <a:pPr lvl="0"/>
+            <a:r>
+              <a:rPr lang="ja-JP" altLang="en-US"/>
+              <a:t>マスター テキストの書式設定</a:t>
+            </a:r>
+          </a:p>
+        </p:txBody>
+      </p:sp>
+      <p:sp>
+        <p:nvSpPr>
+          <p:cNvPr id="4" name="Text Placeholder 3"/>
+          <p:cNvSpPr>
+            <a:spLocks noGrp="1"/>
+          </p:cNvSpPr>
+          <p:nvPr>
+            <p:ph type="body" sz="half" idx="2"/>
+          </p:nvPr>
+        </p:nvSpPr>
+        <p:spPr>
+          <a:xfrm>
+            <a:off x="913774" y="4372796"/>
+            <a:ext cx="10364452" cy="1421053"/>
+          </a:xfrm>
+        </p:spPr>
+        <p:txBody>
+          <a:bodyPr anchor="ctr">
+            <a:normAutofit/>
+          </a:bodyPr>
+          <a:lstStyle>
+            <a:lvl1pPr marL="0" indent="0" algn="ctr">
+              <a:buNone/>
+              <a:defRPr sz="1600"/>
+            </a:lvl1pPr>
+            <a:lvl2pPr marL="457200" indent="0">
+              <a:buNone/>
+              <a:defRPr sz="1400"/>
+            </a:lvl2pPr>
+            <a:lvl3pPr marL="914400" indent="0">
+              <a:buNone/>
+              <a:defRPr sz="1200"/>
+            </a:lvl3pPr>
+            <a:lvl4pPr marL="1371600" indent="0">
+              <a:buNone/>
+              <a:defRPr sz="1000"/>
+            </a:lvl4pPr>
+            <a:lvl5pPr marL="1828800" indent="0">
+              <a:buNone/>
+              <a:defRPr sz="1000"/>
+            </a:lvl5pPr>
+            <a:lvl6pPr marL="2286000" indent="0">
+              <a:buNone/>
+              <a:defRPr sz="1000"/>
+            </a:lvl6pPr>
+            <a:lvl7pPr marL="2743200" indent="0">
+              <a:buNone/>
+              <a:defRPr sz="1000"/>
+            </a:lvl7pPr>
+            <a:lvl8pPr marL="3200400" indent="0">
+              <a:buNone/>
+              <a:defRPr sz="1000"/>
+            </a:lvl8pPr>
+            <a:lvl9pPr marL="3657600" indent="0">
+              <a:buNone/>
+              <a:defRPr sz="1000"/>
+            </a:lvl9pPr>
+          </a:lstStyle>
+          <a:p>
+            <a:pPr lvl="0"/>
+            <a:r>
+              <a:rPr lang="ja-JP" altLang="en-US"/>
+              <a:t>マスター テキストの書式設定</a:t>
+            </a:r>
+          </a:p>
+        </p:txBody>
+      </p:sp>
+      <p:sp>
+        <p:nvSpPr>
+          <p:cNvPr id="5" name="Date Placeholder 4"/>
+          <p:cNvSpPr>
+            <a:spLocks noGrp="1"/>
+          </p:cNvSpPr>
+          <p:nvPr>
+            <p:ph type="dt" sz="half" idx="10"/>
+          </p:nvPr>
+        </p:nvSpPr>
+        <p:spPr/>
+        <p:txBody>
+          <a:bodyPr/>
+          <a:lstStyle/>
+          <a:p>
+            <a:fld id="{0E02A643-9BB0-4E02-80B2-2C0A5E5D738E}" type="datetimeFigureOut">
+              <a:rPr kumimoji="1" lang="ja-JP" altLang="en-US" smtClean="0"/>
+              <a:t>2020/10/8</a:t>
+            </a:fld>
+            <a:endParaRPr kumimoji="1" lang="ja-JP" altLang="en-US"/>
+          </a:p>
+        </p:txBody>
+      </p:sp>
+      <p:sp>
+        <p:nvSpPr>
+          <p:cNvPr id="6" name="Footer Placeholder 5"/>
+          <p:cNvSpPr>
+            <a:spLocks noGrp="1"/>
+          </p:cNvSpPr>
+          <p:nvPr>
+            <p:ph type="ftr" sz="quarter" idx="11"/>
+          </p:nvPr>
+        </p:nvSpPr>
+        <p:spPr/>
+        <p:txBody>
+          <a:bodyPr/>
+          <a:lstStyle/>
+          <a:p>
+            <a:endParaRPr kumimoji="1" lang="ja-JP" altLang="en-US"/>
+          </a:p>
+        </p:txBody>
+      </p:sp>
+      <p:sp>
+        <p:nvSpPr>
+          <p:cNvPr id="7" name="Slide Number Placeholder 6"/>
+          <p:cNvSpPr>
+            <a:spLocks noGrp="1"/>
+          </p:cNvSpPr>
+          <p:nvPr>
+            <p:ph type="sldNum" sz="quarter" idx="12"/>
+          </p:nvPr>
+        </p:nvSpPr>
+        <p:spPr/>
+        <p:txBody>
+          <a:bodyPr/>
+          <a:lstStyle/>
+          <a:p>
+            <a:fld id="{A99D720A-4AD5-4DCF-885F-DE5297996123}" type="slidenum">
+              <a:rPr kumimoji="1" lang="ja-JP" altLang="en-US" smtClean="0"/>
+              <a:t>‹#›</a:t>
+            </a:fld>
+            <a:endParaRPr kumimoji="1" lang="ja-JP" altLang="en-US"/>
+          </a:p>
+        </p:txBody>
+      </p:sp>
+      <p:sp>
+        <p:nvSpPr>
+          <p:cNvPr id="13" name="TextBox 12"/>
+          <p:cNvSpPr txBox="1"/>
+          <p:nvPr/>
+        </p:nvSpPr>
+        <p:spPr>
+          <a:xfrm>
+            <a:off x="1001488" y="754166"/>
+            <a:ext cx="609600" cy="584776"/>
+          </a:xfrm>
+          <a:prstGeom prst="rect">
+            <a:avLst/>
+          </a:prstGeom>
+        </p:spPr>
+        <p:txBody>
+          <a:bodyPr vert="horz" lIns="91440" tIns="45720" rIns="91440" bIns="45720" rtlCol="0" anchor="ctr">
+            <a:noAutofit/>
+          </a:bodyPr>
+          <a:lstStyle>
+            <a:lvl1pPr>
+              <a:spcBef>
+                <a:spcPct val="0"/>
+              </a:spcBef>
+              <a:buNone/>
+              <a:defRPr sz="3200" b="0" cap="all">
+                <a:ln w="3175" cmpd="sng">
+                  <a:noFill/>
+                </a:ln>
+                <a:effectLst>
+                  <a:glow rad="38100">
+                    <a:schemeClr val="bg1">
+                      <a:lumMod val="65000"/>
+                      <a:lumOff val="35000"/>
+                      <a:alpha val="40000"/>
+                    </a:schemeClr>
+                  </a:glow>
+                  <a:outerShdw blurRad="28575" dist="38100" dir="14040000" algn="tl" rotWithShape="0">
+                    <a:srgbClr val="000000">
+                      <a:alpha val="25000"/>
+                    </a:srgbClr>
+                  </a:outerShdw>
+                </a:effectLst>
+              </a:defRPr>
+            </a:lvl1pPr>
+            <a:lvl2pPr>
+              <a:defRPr>
+                <a:solidFill>
+                  <a:schemeClr val="tx2"/>
+                </a:solidFill>
+              </a:defRPr>
+            </a:lvl2pPr>
+            <a:lvl3pPr>
+              <a:defRPr>
+                <a:solidFill>
+                  <a:schemeClr val="tx2"/>
+                </a:solidFill>
+              </a:defRPr>
+            </a:lvl3pPr>
+            <a:lvl4pPr>
+              <a:defRPr>
+                <a:solidFill>
+                  <a:schemeClr val="tx2"/>
+                </a:solidFill>
+              </a:defRPr>
+            </a:lvl4pPr>
+            <a:lvl5pPr>
+              <a:defRPr>
+                <a:solidFill>
+                  <a:schemeClr val="tx2"/>
+                </a:solidFill>
+              </a:defRPr>
+            </a:lvl5pPr>
+            <a:lvl6pPr>
+              <a:defRPr>
+                <a:solidFill>
+                  <a:schemeClr val="tx2"/>
+                </a:solidFill>
+              </a:defRPr>
+            </a:lvl6pPr>
+            <a:lvl7pPr>
+              <a:defRPr>
+                <a:solidFill>
+                  <a:schemeClr val="tx2"/>
+                </a:solidFill>
+              </a:defRPr>
+            </a:lvl7pPr>
+            <a:lvl8pPr>
+              <a:defRPr>
+                <a:solidFill>
+                  <a:schemeClr val="tx2"/>
+                </a:solidFill>
+              </a:defRPr>
+            </a:lvl8pPr>
+            <a:lvl9pPr>
+              <a:defRPr>
+                <a:solidFill>
+                  <a:schemeClr val="tx2"/>
+                </a:solidFill>
+              </a:defRPr>
+            </a:lvl9pPr>
+          </a:lstStyle>
+          <a:p>
+            <a:pPr lvl="0"/>
+            <a:r>
+              <a:rPr lang="en-US" sz="8000" dirty="0">
+                <a:solidFill>
+                  <a:schemeClr val="tx1"/>
+                </a:solidFill>
+                <a:effectLst/>
+              </a:rPr>
+              <a:t>“</a:t>
+            </a:r>
+          </a:p>
+        </p:txBody>
+      </p:sp>
+      <p:sp>
+        <p:nvSpPr>
+          <p:cNvPr id="14" name="TextBox 13"/>
+          <p:cNvSpPr txBox="1"/>
+          <p:nvPr/>
+        </p:nvSpPr>
+        <p:spPr>
+          <a:xfrm>
+            <a:off x="10557558" y="2993578"/>
+            <a:ext cx="609600" cy="584776"/>
+          </a:xfrm>
+          <a:prstGeom prst="rect">
+            <a:avLst/>
+          </a:prstGeom>
+        </p:spPr>
+        <p:txBody>
+          <a:bodyPr vert="horz" lIns="91440" tIns="45720" rIns="91440" bIns="45720" rtlCol="0" anchor="ctr">
+            <a:noAutofit/>
+          </a:bodyPr>
+          <a:lstStyle>
+            <a:lvl1pPr>
+              <a:spcBef>
+                <a:spcPct val="0"/>
+              </a:spcBef>
+              <a:buNone/>
+              <a:defRPr sz="3200" b="0" cap="all">
+                <a:ln w="3175" cmpd="sng">
+                  <a:noFill/>
+                </a:ln>
+                <a:effectLst>
+                  <a:glow rad="38100">
+                    <a:schemeClr val="bg1">
+                      <a:lumMod val="65000"/>
+                      <a:lumOff val="35000"/>
+                      <a:alpha val="40000"/>
+                    </a:schemeClr>
+                  </a:glow>
+                  <a:outerShdw blurRad="28575" dist="38100" dir="14040000" algn="tl" rotWithShape="0">
+                    <a:srgbClr val="000000">
+                      <a:alpha val="25000"/>
+                    </a:srgbClr>
+                  </a:outerShdw>
+                </a:effectLst>
+              </a:defRPr>
+            </a:lvl1pPr>
+            <a:lvl2pPr>
+              <a:defRPr>
+                <a:solidFill>
+                  <a:schemeClr val="tx2"/>
+                </a:solidFill>
+              </a:defRPr>
+            </a:lvl2pPr>
+            <a:lvl3pPr>
+              <a:defRPr>
+                <a:solidFill>
+                  <a:schemeClr val="tx2"/>
+                </a:solidFill>
+              </a:defRPr>
+            </a:lvl3pPr>
+            <a:lvl4pPr>
+              <a:defRPr>
+                <a:solidFill>
+                  <a:schemeClr val="tx2"/>
+                </a:solidFill>
+              </a:defRPr>
+            </a:lvl4pPr>
+            <a:lvl5pPr>
+              <a:defRPr>
+                <a:solidFill>
+                  <a:schemeClr val="tx2"/>
+                </a:solidFill>
+              </a:defRPr>
+            </a:lvl5pPr>
+            <a:lvl6pPr>
+              <a:defRPr>
+                <a:solidFill>
+                  <a:schemeClr val="tx2"/>
+                </a:solidFill>
+              </a:defRPr>
+            </a:lvl6pPr>
+            <a:lvl7pPr>
+              <a:defRPr>
+                <a:solidFill>
+                  <a:schemeClr val="tx2"/>
+                </a:solidFill>
+              </a:defRPr>
+            </a:lvl7pPr>
+            <a:lvl8pPr>
+              <a:defRPr>
+                <a:solidFill>
+                  <a:schemeClr val="tx2"/>
+                </a:solidFill>
+              </a:defRPr>
+            </a:lvl8pPr>
+            <a:lvl9pPr>
+              <a:defRPr>
+                <a:solidFill>
+                  <a:schemeClr val="tx2"/>
+                </a:solidFill>
+              </a:defRPr>
+            </a:lvl9pPr>
+          </a:lstStyle>
+          <a:p>
+            <a:pPr lvl="0" algn="r"/>
+            <a:r>
+              <a:rPr lang="en-US" sz="8000" dirty="0">
+                <a:solidFill>
+                  <a:schemeClr val="tx1"/>
+                </a:solidFill>
+                <a:effectLst/>
+              </a:rPr>
+              <a:t>”</a:t>
+            </a:r>
+          </a:p>
+        </p:txBody>
+      </p:sp>
+    </p:spTree>
+    <p:extLst>
+      <p:ext uri="{BB962C8B-B14F-4D97-AF65-F5344CB8AC3E}">
+        <p14:creationId xmlns:p14="http://schemas.microsoft.com/office/powerpoint/2010/main" val="118064457"/>
+      </p:ext>
+    </p:extLst>
+  </p:cSld>
+  <p:clrMapOvr>
+    <a:masterClrMapping/>
+  </p:clrMapOvr>
+</p:sldLayout>
+</file>
+
+<file path=ppt/slideLayouts/slideLayout13.xml><?xml version="1.0" encoding="utf-8"?>
+<p:sldLayout xmlns:a="http://schemas.openxmlformats.org/drawingml/2006/main" xmlns:r="http://schemas.openxmlformats.org/officeDocument/2006/relationships" xmlns:p="http://schemas.openxmlformats.org/presentationml/2006/main" preserve="1">
+  <p:cSld name="名札">
+    <p:spTree>
+      <p:nvGrpSpPr>
+        <p:cNvPr id="1" name=""/>
+        <p:cNvGrpSpPr/>
+        <p:nvPr/>
+      </p:nvGrpSpPr>
+      <p:grpSpPr>
+        <a:xfrm>
+          <a:off x="0" y="0"/>
+          <a:ext cx="0" cy="0"/>
+          <a:chOff x="0" y="0"/>
+          <a:chExt cx="0" cy="0"/>
+        </a:xfrm>
+      </p:grpSpPr>
+      <p:pic>
+        <p:nvPicPr>
+          <p:cNvPr id="8" name="Picture 7" descr="Droplets-HD-Content-R1d.png"/>
+          <p:cNvPicPr>
+            <a:picLocks noChangeAspect="1"/>
+          </p:cNvPicPr>
+          <p:nvPr/>
+        </p:nvPicPr>
+        <p:blipFill>
+          <a:blip r:embed="rId2">
+            <a:extLst>
+              <a:ext uri="{28A0092B-C50C-407E-A947-70E740481C1C}">
+                <a14:useLocalDpi xmlns:a14="http://schemas.microsoft.com/office/drawing/2010/main" val="0"/>
+              </a:ext>
+            </a:extLst>
+          </a:blip>
+          <a:stretch>
+            <a:fillRect/>
+          </a:stretch>
+        </p:blipFill>
+        <p:spPr>
+          <a:xfrm>
+            <a:off x="0" y="0"/>
+            <a:ext cx="12192000" cy="6858000"/>
+          </a:xfrm>
+          <a:prstGeom prst="rect">
+            <a:avLst/>
+          </a:prstGeom>
+        </p:spPr>
+      </p:pic>
+      <p:sp>
+        <p:nvSpPr>
+          <p:cNvPr id="2" name="Title 1"/>
+          <p:cNvSpPr>
+            <a:spLocks noGrp="1"/>
+          </p:cNvSpPr>
+          <p:nvPr>
+            <p:ph type="title"/>
+          </p:nvPr>
+        </p:nvSpPr>
+        <p:spPr>
+          <a:xfrm>
+            <a:off x="913775" y="2138721"/>
+            <a:ext cx="10364452" cy="2511835"/>
+          </a:xfrm>
+        </p:spPr>
+        <p:txBody>
+          <a:bodyPr anchor="b"/>
+          <a:lstStyle>
+            <a:lvl1pPr algn="ctr">
+              <a:defRPr sz="3200"/>
+            </a:lvl1pPr>
+          </a:lstStyle>
+          <a:p>
+            <a:r>
+              <a:rPr lang="ja-JP" altLang="en-US"/>
+              <a:t>マスター タイトルの書式設定</a:t>
+            </a:r>
+            <a:endParaRPr lang="en-US" dirty="0"/>
+          </a:p>
+        </p:txBody>
+      </p:sp>
+      <p:sp>
+        <p:nvSpPr>
+          <p:cNvPr id="4" name="Text Placeholder 3"/>
+          <p:cNvSpPr>
+            <a:spLocks noGrp="1"/>
+          </p:cNvSpPr>
+          <p:nvPr>
+            <p:ph type="body" sz="half" idx="2"/>
+          </p:nvPr>
+        </p:nvSpPr>
+        <p:spPr>
+          <a:xfrm>
+            <a:off x="913775" y="4662335"/>
+            <a:ext cx="10364452" cy="1140644"/>
+          </a:xfrm>
+        </p:spPr>
+        <p:txBody>
+          <a:bodyPr anchor="t"/>
+          <a:lstStyle>
+            <a:lvl1pPr marL="0" indent="0" algn="ctr">
+              <a:buNone/>
+              <a:defRPr sz="1600"/>
+            </a:lvl1pPr>
+            <a:lvl2pPr marL="457200" indent="0">
+              <a:buNone/>
+              <a:defRPr sz="1400"/>
+            </a:lvl2pPr>
+            <a:lvl3pPr marL="914400" indent="0">
+              <a:buNone/>
+              <a:defRPr sz="1200"/>
+            </a:lvl3pPr>
+            <a:lvl4pPr marL="1371600" indent="0">
+              <a:buNone/>
+              <a:defRPr sz="1000"/>
+            </a:lvl4pPr>
+            <a:lvl5pPr marL="1828800" indent="0">
+              <a:buNone/>
+              <a:defRPr sz="1000"/>
+            </a:lvl5pPr>
+            <a:lvl6pPr marL="2286000" indent="0">
+              <a:buNone/>
+              <a:defRPr sz="1000"/>
+            </a:lvl6pPr>
+            <a:lvl7pPr marL="2743200" indent="0">
+              <a:buNone/>
+              <a:defRPr sz="1000"/>
+            </a:lvl7pPr>
+            <a:lvl8pPr marL="3200400" indent="0">
+              <a:buNone/>
+              <a:defRPr sz="1000"/>
+            </a:lvl8pPr>
+            <a:lvl9pPr marL="3657600" indent="0">
+              <a:buNone/>
+              <a:defRPr sz="1000"/>
+            </a:lvl9pPr>
+          </a:lstStyle>
+          <a:p>
+            <a:pPr lvl="0"/>
+            <a:r>
+              <a:rPr lang="ja-JP" altLang="en-US"/>
+              <a:t>マスター テキストの書式設定</a:t>
+            </a:r>
+          </a:p>
+        </p:txBody>
+      </p:sp>
+      <p:sp>
+        <p:nvSpPr>
+          <p:cNvPr id="5" name="Date Placeholder 4"/>
+          <p:cNvSpPr>
+            <a:spLocks noGrp="1"/>
+          </p:cNvSpPr>
+          <p:nvPr>
+            <p:ph type="dt" sz="half" idx="10"/>
+          </p:nvPr>
+        </p:nvSpPr>
+        <p:spPr/>
+        <p:txBody>
+          <a:bodyPr/>
+          <a:lstStyle/>
+          <a:p>
+            <a:fld id="{0E02A643-9BB0-4E02-80B2-2C0A5E5D738E}" type="datetimeFigureOut">
+              <a:rPr kumimoji="1" lang="ja-JP" altLang="en-US" smtClean="0"/>
+              <a:t>2020/10/8</a:t>
+            </a:fld>
+            <a:endParaRPr kumimoji="1" lang="ja-JP" altLang="en-US"/>
+          </a:p>
+        </p:txBody>
+      </p:sp>
+      <p:sp>
+        <p:nvSpPr>
+          <p:cNvPr id="6" name="Footer Placeholder 5"/>
+          <p:cNvSpPr>
+            <a:spLocks noGrp="1"/>
+          </p:cNvSpPr>
+          <p:nvPr>
+            <p:ph type="ftr" sz="quarter" idx="11"/>
+          </p:nvPr>
+        </p:nvSpPr>
+        <p:spPr/>
+        <p:txBody>
+          <a:bodyPr/>
+          <a:lstStyle/>
+          <a:p>
+            <a:endParaRPr kumimoji="1" lang="ja-JP" altLang="en-US"/>
+          </a:p>
+        </p:txBody>
+      </p:sp>
+      <p:sp>
+        <p:nvSpPr>
+          <p:cNvPr id="7" name="Slide Number Placeholder 6"/>
+          <p:cNvSpPr>
+            <a:spLocks noGrp="1"/>
+          </p:cNvSpPr>
+          <p:nvPr>
+            <p:ph type="sldNum" sz="quarter" idx="12"/>
+          </p:nvPr>
+        </p:nvSpPr>
+        <p:spPr/>
+        <p:txBody>
+          <a:bodyPr/>
+          <a:lstStyle/>
+          <a:p>
+            <a:fld id="{A99D720A-4AD5-4DCF-885F-DE5297996123}" type="slidenum">
+              <a:rPr kumimoji="1" lang="ja-JP" altLang="en-US" smtClean="0"/>
+              <a:t>‹#›</a:t>
+            </a:fld>
+            <a:endParaRPr kumimoji="1" lang="ja-JP" altLang="en-US"/>
+          </a:p>
+        </p:txBody>
+      </p:sp>
+    </p:spTree>
+    <p:extLst>
+      <p:ext uri="{BB962C8B-B14F-4D97-AF65-F5344CB8AC3E}">
+        <p14:creationId xmlns:p14="http://schemas.microsoft.com/office/powerpoint/2010/main" val="3022925318"/>
+      </p:ext>
+    </p:extLst>
+  </p:cSld>
+  <p:clrMapOvr>
+    <a:masterClrMapping/>
+  </p:clrMapOvr>
+</p:sldLayout>
+</file>
+
+<file path=ppt/slideLayouts/slideLayout14.xml><?xml version="1.0" encoding="utf-8"?>
+<p:sldLayout xmlns:a="http://schemas.openxmlformats.org/drawingml/2006/main" xmlns:r="http://schemas.openxmlformats.org/officeDocument/2006/relationships" xmlns:p="http://schemas.openxmlformats.org/presentationml/2006/main" preserve="1">
+  <p:cSld name="3 段">
+    <p:spTree>
+      <p:nvGrpSpPr>
+        <p:cNvPr id="1" name=""/>
+        <p:cNvGrpSpPr/>
+        <p:nvPr/>
+      </p:nvGrpSpPr>
+      <p:grpSpPr>
+        <a:xfrm>
+          <a:off x="0" y="0"/>
+          <a:ext cx="0" cy="0"/>
+          <a:chOff x="0" y="0"/>
+          <a:chExt cx="0" cy="0"/>
+        </a:xfrm>
+      </p:grpSpPr>
+      <p:pic>
+        <p:nvPicPr>
+          <p:cNvPr id="13" name="Picture 12" descr="Droplets-HD-Content-R1d.png"/>
+          <p:cNvPicPr>
+            <a:picLocks noChangeAspect="1"/>
+          </p:cNvPicPr>
+          <p:nvPr/>
+        </p:nvPicPr>
+        <p:blipFill>
+          <a:blip r:embed="rId2">
+            <a:extLst>
+              <a:ext uri="{28A0092B-C50C-407E-A947-70E740481C1C}">
+                <a14:useLocalDpi xmlns:a14="http://schemas.microsoft.com/office/drawing/2010/main" val="0"/>
+              </a:ext>
+            </a:extLst>
+          </a:blip>
+          <a:stretch>
+            <a:fillRect/>
+          </a:stretch>
+        </p:blipFill>
+        <p:spPr>
+          <a:xfrm>
+            <a:off x="0" y="0"/>
+            <a:ext cx="12192000" cy="6858000"/>
+          </a:xfrm>
+          <a:prstGeom prst="rect">
+            <a:avLst/>
+          </a:prstGeom>
+        </p:spPr>
+      </p:pic>
+      <p:sp>
+        <p:nvSpPr>
+          <p:cNvPr id="15" name="Title 1"/>
+          <p:cNvSpPr>
+            <a:spLocks noGrp="1"/>
+          </p:cNvSpPr>
+          <p:nvPr>
+            <p:ph type="title"/>
+          </p:nvPr>
+        </p:nvSpPr>
+        <p:spPr>
+          <a:xfrm>
+            <a:off x="913774" y="609600"/>
+            <a:ext cx="10364452" cy="1605094"/>
+          </a:xfrm>
+        </p:spPr>
+        <p:txBody>
+          <a:bodyPr/>
+          <a:lstStyle/>
+          <a:p>
+            <a:r>
+              <a:rPr lang="ja-JP" altLang="en-US"/>
+              <a:t>マスター タイトルの書式設定</a:t>
+            </a:r>
+            <a:endParaRPr lang="en-US" dirty="0"/>
+          </a:p>
+        </p:txBody>
+      </p:sp>
+      <p:sp>
+        <p:nvSpPr>
+          <p:cNvPr id="7" name="Text Placeholder 2"/>
+          <p:cNvSpPr>
+            <a:spLocks noGrp="1"/>
+          </p:cNvSpPr>
+          <p:nvPr>
+            <p:ph type="body" idx="1"/>
+          </p:nvPr>
+        </p:nvSpPr>
+        <p:spPr>
+          <a:xfrm>
+            <a:off x="913774" y="2367093"/>
+            <a:ext cx="3298976" cy="576262"/>
+          </a:xfrm>
+        </p:spPr>
+        <p:txBody>
+          <a:bodyPr anchor="b">
+            <a:noAutofit/>
+          </a:bodyPr>
+          <a:lstStyle>
+            <a:lvl1pPr marL="0" indent="0" algn="ctr">
+              <a:lnSpc>
+                <a:spcPct val="85000"/>
+              </a:lnSpc>
+              <a:buNone/>
+              <a:defRPr sz="2400" b="0">
+                <a:solidFill>
+                  <a:schemeClr val="tx1"/>
+                </a:solidFill>
+              </a:defRPr>
+            </a:lvl1pPr>
+            <a:lvl2pPr marL="457200" indent="0">
+              <a:buNone/>
+              <a:defRPr sz="2000" b="1"/>
+            </a:lvl2pPr>
+            <a:lvl3pPr marL="914400" indent="0">
+              <a:buNone/>
+              <a:defRPr sz="1800" b="1"/>
+            </a:lvl3pPr>
+            <a:lvl4pPr marL="1371600" indent="0">
+              <a:buNone/>
+              <a:defRPr sz="1600" b="1"/>
+            </a:lvl4pPr>
+            <a:lvl5pPr marL="1828800" indent="0">
+              <a:buNone/>
+              <a:defRPr sz="1600" b="1"/>
+            </a:lvl5pPr>
+            <a:lvl6pPr marL="2286000" indent="0">
+              <a:buNone/>
+              <a:defRPr sz="1600" b="1"/>
+            </a:lvl6pPr>
+            <a:lvl7pPr marL="2743200" indent="0">
+              <a:buNone/>
+              <a:defRPr sz="1600" b="1"/>
+            </a:lvl7pPr>
+            <a:lvl8pPr marL="3200400" indent="0">
+              <a:buNone/>
+              <a:defRPr sz="1600" b="1"/>
+            </a:lvl8pPr>
+            <a:lvl9pPr marL="3657600" indent="0">
+              <a:buNone/>
+              <a:defRPr sz="1600" b="1"/>
+            </a:lvl9pPr>
+          </a:lstStyle>
+          <a:p>
+            <a:pPr lvl="0"/>
+            <a:r>
+              <a:rPr lang="ja-JP" altLang="en-US"/>
+              <a:t>マスター テキストの書式設定</a:t>
+            </a:r>
+          </a:p>
+        </p:txBody>
+      </p:sp>
+      <p:sp>
+        <p:nvSpPr>
+          <p:cNvPr id="8" name="Text Placeholder 3"/>
+          <p:cNvSpPr>
+            <a:spLocks noGrp="1"/>
+          </p:cNvSpPr>
+          <p:nvPr>
+            <p:ph type="body" sz="half" idx="15"/>
+          </p:nvPr>
+        </p:nvSpPr>
+        <p:spPr>
+          <a:xfrm>
+            <a:off x="913774" y="2943355"/>
+            <a:ext cx="3298976" cy="2847845"/>
+          </a:xfrm>
+        </p:spPr>
+        <p:txBody>
+          <a:bodyPr anchor="t">
+            <a:normAutofit/>
+          </a:bodyPr>
+          <a:lstStyle>
+            <a:lvl1pPr marL="0" indent="0" algn="ctr">
+              <a:buNone/>
+              <a:defRPr sz="1400"/>
+            </a:lvl1pPr>
+            <a:lvl2pPr marL="457200" indent="0">
+              <a:buNone/>
+              <a:defRPr sz="1200"/>
+            </a:lvl2pPr>
+            <a:lvl3pPr marL="914400" indent="0">
+              <a:buNone/>
+              <a:defRPr sz="1000"/>
+            </a:lvl3pPr>
+            <a:lvl4pPr marL="1371600" indent="0">
+              <a:buNone/>
+              <a:defRPr sz="900"/>
+            </a:lvl4pPr>
+            <a:lvl5pPr marL="1828800" indent="0">
+              <a:buNone/>
+              <a:defRPr sz="900"/>
+            </a:lvl5pPr>
+            <a:lvl6pPr marL="2286000" indent="0">
+              <a:buNone/>
+              <a:defRPr sz="900"/>
+            </a:lvl6pPr>
+            <a:lvl7pPr marL="2743200" indent="0">
+              <a:buNone/>
+              <a:defRPr sz="900"/>
+            </a:lvl7pPr>
+            <a:lvl8pPr marL="3200400" indent="0">
+              <a:buNone/>
+              <a:defRPr sz="900"/>
+            </a:lvl8pPr>
+            <a:lvl9pPr marL="3657600" indent="0">
+              <a:buNone/>
+              <a:defRPr sz="900"/>
+            </a:lvl9pPr>
+          </a:lstStyle>
+          <a:p>
+            <a:pPr lvl="0"/>
+            <a:r>
+              <a:rPr lang="ja-JP" altLang="en-US"/>
+              <a:t>マスター テキストの書式設定</a:t>
+            </a:r>
+          </a:p>
+        </p:txBody>
+      </p:sp>
+      <p:sp>
+        <p:nvSpPr>
+          <p:cNvPr id="9" name="Text Placeholder 4"/>
+          <p:cNvSpPr>
+            <a:spLocks noGrp="1"/>
+          </p:cNvSpPr>
+          <p:nvPr>
+            <p:ph type="body" sz="quarter" idx="3"/>
+          </p:nvPr>
+        </p:nvSpPr>
+        <p:spPr>
+          <a:xfrm>
+            <a:off x="4452389" y="2367093"/>
+            <a:ext cx="3291521" cy="576262"/>
+          </a:xfrm>
+        </p:spPr>
+        <p:txBody>
+          <a:bodyPr anchor="b">
+            <a:noAutofit/>
+          </a:bodyPr>
+          <a:lstStyle>
+            <a:lvl1pPr marL="0" indent="0" algn="ctr">
+              <a:lnSpc>
+                <a:spcPct val="85000"/>
+              </a:lnSpc>
+              <a:buNone/>
+              <a:defRPr sz="2400" b="0">
+                <a:solidFill>
+                  <a:schemeClr val="tx1"/>
+                </a:solidFill>
+              </a:defRPr>
+            </a:lvl1pPr>
+            <a:lvl2pPr marL="457200" indent="0">
+              <a:buNone/>
+              <a:defRPr sz="2000" b="1"/>
+            </a:lvl2pPr>
+            <a:lvl3pPr marL="914400" indent="0">
+              <a:buNone/>
+              <a:defRPr sz="1800" b="1"/>
+            </a:lvl3pPr>
+            <a:lvl4pPr marL="1371600" indent="0">
+              <a:buNone/>
+              <a:defRPr sz="1600" b="1"/>
+            </a:lvl4pPr>
+            <a:lvl5pPr marL="1828800" indent="0">
+              <a:buNone/>
+              <a:defRPr sz="1600" b="1"/>
+            </a:lvl5pPr>
+            <a:lvl6pPr marL="2286000" indent="0">
+              <a:buNone/>
+              <a:defRPr sz="1600" b="1"/>
+            </a:lvl6pPr>
+            <a:lvl7pPr marL="2743200" indent="0">
+              <a:buNone/>
+              <a:defRPr sz="1600" b="1"/>
+            </a:lvl7pPr>
+            <a:lvl8pPr marL="3200400" indent="0">
+              <a:buNone/>
+              <a:defRPr sz="1600" b="1"/>
+            </a:lvl8pPr>
+            <a:lvl9pPr marL="3657600" indent="0">
+              <a:buNone/>
+              <a:defRPr sz="1600" b="1"/>
+            </a:lvl9pPr>
+          </a:lstStyle>
+          <a:p>
+            <a:pPr lvl="0"/>
+            <a:r>
+              <a:rPr lang="ja-JP" altLang="en-US"/>
+              <a:t>マスター テキストの書式設定</a:t>
+            </a:r>
+          </a:p>
+        </p:txBody>
+      </p:sp>
+      <p:sp>
+        <p:nvSpPr>
+          <p:cNvPr id="10" name="Text Placeholder 3"/>
+          <p:cNvSpPr>
+            <a:spLocks noGrp="1"/>
+          </p:cNvSpPr>
+          <p:nvPr>
+            <p:ph type="body" sz="half" idx="16"/>
+          </p:nvPr>
+        </p:nvSpPr>
+        <p:spPr>
+          <a:xfrm>
+            <a:off x="4441348" y="2943355"/>
+            <a:ext cx="3303351" cy="2847845"/>
+          </a:xfrm>
+        </p:spPr>
+        <p:txBody>
+          <a:bodyPr anchor="t">
+            <a:normAutofit/>
+          </a:bodyPr>
+          <a:lstStyle>
+            <a:lvl1pPr marL="0" indent="0" algn="ctr">
+              <a:buNone/>
+              <a:defRPr sz="1400"/>
+            </a:lvl1pPr>
+            <a:lvl2pPr marL="457200" indent="0">
+              <a:buNone/>
+              <a:defRPr sz="1200"/>
+            </a:lvl2pPr>
+            <a:lvl3pPr marL="914400" indent="0">
+              <a:buNone/>
+              <a:defRPr sz="1000"/>
+            </a:lvl3pPr>
+            <a:lvl4pPr marL="1371600" indent="0">
+              <a:buNone/>
+              <a:defRPr sz="900"/>
+            </a:lvl4pPr>
+            <a:lvl5pPr marL="1828800" indent="0">
+              <a:buNone/>
+              <a:defRPr sz="900"/>
+            </a:lvl5pPr>
+            <a:lvl6pPr marL="2286000" indent="0">
+              <a:buNone/>
+              <a:defRPr sz="900"/>
+            </a:lvl6pPr>
+            <a:lvl7pPr marL="2743200" indent="0">
+              <a:buNone/>
+              <a:defRPr sz="900"/>
+            </a:lvl7pPr>
+            <a:lvl8pPr marL="3200400" indent="0">
+              <a:buNone/>
+              <a:defRPr sz="900"/>
+            </a:lvl8pPr>
+            <a:lvl9pPr marL="3657600" indent="0">
+              <a:buNone/>
+              <a:defRPr sz="900"/>
+            </a:lvl9pPr>
+          </a:lstStyle>
+          <a:p>
+            <a:pPr lvl="0"/>
+            <a:r>
+              <a:rPr lang="ja-JP" altLang="en-US"/>
+              <a:t>マスター テキストの書式設定</a:t>
+            </a:r>
+          </a:p>
+        </p:txBody>
+      </p:sp>
+      <p:sp>
+        <p:nvSpPr>
+          <p:cNvPr id="11" name="Text Placeholder 4"/>
+          <p:cNvSpPr>
+            <a:spLocks noGrp="1"/>
+          </p:cNvSpPr>
+          <p:nvPr>
+            <p:ph type="body" sz="quarter" idx="13"/>
+          </p:nvPr>
+        </p:nvSpPr>
+        <p:spPr>
+          <a:xfrm>
+            <a:off x="7973298" y="2367093"/>
+            <a:ext cx="3304928" cy="576262"/>
+          </a:xfrm>
+        </p:spPr>
+        <p:txBody>
+          <a:bodyPr anchor="b">
+            <a:noAutofit/>
+          </a:bodyPr>
+          <a:lstStyle>
+            <a:lvl1pPr marL="0" indent="0" algn="ctr">
+              <a:lnSpc>
+                <a:spcPct val="85000"/>
+              </a:lnSpc>
+              <a:buNone/>
+              <a:defRPr sz="2400" b="0">
+                <a:solidFill>
+                  <a:schemeClr val="tx1"/>
+                </a:solidFill>
+              </a:defRPr>
+            </a:lvl1pPr>
+            <a:lvl2pPr marL="457200" indent="0">
+              <a:buNone/>
+              <a:defRPr sz="2000" b="1"/>
+            </a:lvl2pPr>
+            <a:lvl3pPr marL="914400" indent="0">
+              <a:buNone/>
+              <a:defRPr sz="1800" b="1"/>
+            </a:lvl3pPr>
+            <a:lvl4pPr marL="1371600" indent="0">
+              <a:buNone/>
+              <a:defRPr sz="1600" b="1"/>
+            </a:lvl4pPr>
+            <a:lvl5pPr marL="1828800" indent="0">
+              <a:buNone/>
+              <a:defRPr sz="1600" b="1"/>
+            </a:lvl5pPr>
+            <a:lvl6pPr marL="2286000" indent="0">
+              <a:buNone/>
+              <a:defRPr sz="1600" b="1"/>
+            </a:lvl6pPr>
+            <a:lvl7pPr marL="2743200" indent="0">
+              <a:buNone/>
+              <a:defRPr sz="1600" b="1"/>
+            </a:lvl7pPr>
+            <a:lvl8pPr marL="3200400" indent="0">
+              <a:buNone/>
+              <a:defRPr sz="1600" b="1"/>
+            </a:lvl8pPr>
+            <a:lvl9pPr marL="3657600" indent="0">
+              <a:buNone/>
+              <a:defRPr sz="1600" b="1"/>
+            </a:lvl9pPr>
+          </a:lstStyle>
+          <a:p>
+            <a:pPr lvl="0"/>
+            <a:r>
+              <a:rPr lang="ja-JP" altLang="en-US"/>
+              <a:t>マスター テキストの書式設定</a:t>
+            </a:r>
+          </a:p>
+        </p:txBody>
+      </p:sp>
+      <p:sp>
+        <p:nvSpPr>
+          <p:cNvPr id="12" name="Text Placeholder 3"/>
+          <p:cNvSpPr>
+            <a:spLocks noGrp="1"/>
+          </p:cNvSpPr>
+          <p:nvPr>
+            <p:ph type="body" sz="half" idx="17"/>
+          </p:nvPr>
+        </p:nvSpPr>
+        <p:spPr>
+          <a:xfrm>
+            <a:off x="7973298" y="2943355"/>
+            <a:ext cx="3304928" cy="2847845"/>
+          </a:xfrm>
+        </p:spPr>
+        <p:txBody>
+          <a:bodyPr anchor="t">
+            <a:normAutofit/>
+          </a:bodyPr>
+          <a:lstStyle>
+            <a:lvl1pPr marL="0" indent="0" algn="ctr">
+              <a:buNone/>
+              <a:defRPr sz="1400"/>
+            </a:lvl1pPr>
+            <a:lvl2pPr marL="457200" indent="0">
+              <a:buNone/>
+              <a:defRPr sz="1200"/>
+            </a:lvl2pPr>
+            <a:lvl3pPr marL="914400" indent="0">
+              <a:buNone/>
+              <a:defRPr sz="1000"/>
+            </a:lvl3pPr>
+            <a:lvl4pPr marL="1371600" indent="0">
+              <a:buNone/>
+              <a:defRPr sz="900"/>
+            </a:lvl4pPr>
+            <a:lvl5pPr marL="1828800" indent="0">
+              <a:buNone/>
+              <a:defRPr sz="900"/>
+            </a:lvl5pPr>
+            <a:lvl6pPr marL="2286000" indent="0">
+              <a:buNone/>
+              <a:defRPr sz="900"/>
+            </a:lvl6pPr>
+            <a:lvl7pPr marL="2743200" indent="0">
+              <a:buNone/>
+              <a:defRPr sz="900"/>
+            </a:lvl7pPr>
+            <a:lvl8pPr marL="3200400" indent="0">
+              <a:buNone/>
+              <a:defRPr sz="900"/>
+            </a:lvl8pPr>
+            <a:lvl9pPr marL="3657600" indent="0">
+              <a:buNone/>
+              <a:defRPr sz="900"/>
+            </a:lvl9pPr>
+          </a:lstStyle>
+          <a:p>
+            <a:pPr lvl="0"/>
+            <a:r>
+              <a:rPr lang="ja-JP" altLang="en-US"/>
+              <a:t>マスター テキストの書式設定</a:t>
+            </a:r>
+          </a:p>
+        </p:txBody>
+      </p:sp>
+      <p:sp>
+        <p:nvSpPr>
+          <p:cNvPr id="3" name="Date Placeholder 2"/>
+          <p:cNvSpPr>
+            <a:spLocks noGrp="1"/>
+          </p:cNvSpPr>
+          <p:nvPr>
+            <p:ph type="dt" sz="half" idx="10"/>
+          </p:nvPr>
+        </p:nvSpPr>
+        <p:spPr/>
+        <p:txBody>
+          <a:bodyPr/>
+          <a:lstStyle/>
+          <a:p>
+            <a:fld id="{0E02A643-9BB0-4E02-80B2-2C0A5E5D738E}" type="datetimeFigureOut">
+              <a:rPr kumimoji="1" lang="ja-JP" altLang="en-US" smtClean="0"/>
+              <a:t>2020/10/8</a:t>
+            </a:fld>
+            <a:endParaRPr kumimoji="1" lang="ja-JP" altLang="en-US"/>
+          </a:p>
+        </p:txBody>
+      </p:sp>
+      <p:sp>
+        <p:nvSpPr>
+          <p:cNvPr id="4" name="Footer Placeholder 3"/>
+          <p:cNvSpPr>
+            <a:spLocks noGrp="1"/>
+          </p:cNvSpPr>
+          <p:nvPr>
+            <p:ph type="ftr" sz="quarter" idx="11"/>
+          </p:nvPr>
+        </p:nvSpPr>
+        <p:spPr/>
+        <p:txBody>
+          <a:bodyPr/>
+          <a:lstStyle/>
+          <a:p>
+            <a:endParaRPr kumimoji="1" lang="ja-JP" altLang="en-US"/>
+          </a:p>
+        </p:txBody>
+      </p:sp>
+      <p:sp>
+        <p:nvSpPr>
+          <p:cNvPr id="5" name="Slide Number Placeholder 4"/>
+          <p:cNvSpPr>
+            <a:spLocks noGrp="1"/>
+          </p:cNvSpPr>
+          <p:nvPr>
+            <p:ph type="sldNum" sz="quarter" idx="12"/>
+          </p:nvPr>
+        </p:nvSpPr>
+        <p:spPr/>
+        <p:txBody>
+          <a:bodyPr/>
+          <a:lstStyle/>
+          <a:p>
+            <a:fld id="{A99D720A-4AD5-4DCF-885F-DE5297996123}" type="slidenum">
+              <a:rPr kumimoji="1" lang="ja-JP" altLang="en-US" smtClean="0"/>
+              <a:t>‹#›</a:t>
+            </a:fld>
+            <a:endParaRPr kumimoji="1" lang="ja-JP" altLang="en-US"/>
+          </a:p>
+        </p:txBody>
+      </p:sp>
+    </p:spTree>
+    <p:extLst>
+      <p:ext uri="{BB962C8B-B14F-4D97-AF65-F5344CB8AC3E}">
+        <p14:creationId xmlns:p14="http://schemas.microsoft.com/office/powerpoint/2010/main" val="2385790986"/>
+      </p:ext>
+    </p:extLst>
+  </p:cSld>
+  <p:clrMapOvr>
+    <a:masterClrMapping/>
+  </p:clrMapOvr>
+</p:sldLayout>
+</file>
+
+<file path=ppt/slideLayouts/slideLayout15.xml><?xml version="1.0" encoding="utf-8"?>
+<p:sldLayout xmlns:a="http://schemas.openxmlformats.org/drawingml/2006/main" xmlns:r="http://schemas.openxmlformats.org/officeDocument/2006/relationships" xmlns:p="http://schemas.openxmlformats.org/presentationml/2006/main" preserve="1">
+  <p:cSld name="3 つの画像列">
+    <p:spTree>
+      <p:nvGrpSpPr>
+        <p:cNvPr id="1" name=""/>
+        <p:cNvGrpSpPr/>
+        <p:nvPr/>
+      </p:nvGrpSpPr>
+      <p:grpSpPr>
+        <a:xfrm>
+          <a:off x="0" y="0"/>
+          <a:ext cx="0" cy="0"/>
+          <a:chOff x="0" y="0"/>
+          <a:chExt cx="0" cy="0"/>
+        </a:xfrm>
+      </p:grpSpPr>
+      <p:pic>
+        <p:nvPicPr>
+          <p:cNvPr id="16" name="Picture 15" descr="Droplets-HD-Content-R1d.png"/>
+          <p:cNvPicPr>
+            <a:picLocks noChangeAspect="1"/>
+          </p:cNvPicPr>
+          <p:nvPr/>
+        </p:nvPicPr>
+        <p:blipFill>
+          <a:blip r:embed="rId2">
+            <a:extLst>
+              <a:ext uri="{28A0092B-C50C-407E-A947-70E740481C1C}">
+                <a14:useLocalDpi xmlns:a14="http://schemas.microsoft.com/office/drawing/2010/main" val="0"/>
+              </a:ext>
+            </a:extLst>
+          </a:blip>
+          <a:stretch>
+            <a:fillRect/>
+          </a:stretch>
+        </p:blipFill>
+        <p:spPr>
+          <a:xfrm>
+            <a:off x="0" y="0"/>
+            <a:ext cx="12192000" cy="6858000"/>
+          </a:xfrm>
+          <a:prstGeom prst="rect">
+            <a:avLst/>
+          </a:prstGeom>
+        </p:spPr>
+      </p:pic>
+      <p:sp>
+        <p:nvSpPr>
+          <p:cNvPr id="30" name="Title 1"/>
+          <p:cNvSpPr>
+            <a:spLocks noGrp="1"/>
+          </p:cNvSpPr>
+          <p:nvPr>
+            <p:ph type="title"/>
+          </p:nvPr>
+        </p:nvSpPr>
+        <p:spPr>
+          <a:xfrm>
+            <a:off x="913774" y="610772"/>
+            <a:ext cx="10364452" cy="1603922"/>
+          </a:xfrm>
+        </p:spPr>
+        <p:txBody>
+          <a:bodyPr/>
+          <a:lstStyle/>
+          <a:p>
+            <a:r>
+              <a:rPr lang="ja-JP" altLang="en-US"/>
+              <a:t>マスター タイトルの書式設定</a:t>
+            </a:r>
+            <a:endParaRPr lang="en-US" dirty="0"/>
+          </a:p>
+        </p:txBody>
+      </p:sp>
+      <p:sp>
+        <p:nvSpPr>
+          <p:cNvPr id="19" name="Text Placeholder 2"/>
+          <p:cNvSpPr>
+            <a:spLocks noGrp="1"/>
+          </p:cNvSpPr>
+          <p:nvPr>
+            <p:ph type="body" idx="1"/>
+          </p:nvPr>
+        </p:nvSpPr>
+        <p:spPr>
+          <a:xfrm>
+            <a:off x="913774" y="4204820"/>
+            <a:ext cx="3296409" cy="576262"/>
+          </a:xfrm>
+        </p:spPr>
+        <p:txBody>
+          <a:bodyPr anchor="b">
+            <a:noAutofit/>
+          </a:bodyPr>
+          <a:lstStyle>
+            <a:lvl1pPr marL="0" indent="0" algn="ctr">
+              <a:lnSpc>
+                <a:spcPct val="85000"/>
+              </a:lnSpc>
+              <a:buNone/>
+              <a:defRPr sz="2200" b="0">
+                <a:solidFill>
+                  <a:schemeClr val="tx1"/>
+                </a:solidFill>
+              </a:defRPr>
+            </a:lvl1pPr>
+            <a:lvl2pPr marL="457200" indent="0">
+              <a:buNone/>
+              <a:defRPr sz="2000" b="1"/>
+            </a:lvl2pPr>
+            <a:lvl3pPr marL="914400" indent="0">
+              <a:buNone/>
+              <a:defRPr sz="1800" b="1"/>
+            </a:lvl3pPr>
+            <a:lvl4pPr marL="1371600" indent="0">
+              <a:buNone/>
+              <a:defRPr sz="1600" b="1"/>
+            </a:lvl4pPr>
+            <a:lvl5pPr marL="1828800" indent="0">
+              <a:buNone/>
+              <a:defRPr sz="1600" b="1"/>
+            </a:lvl5pPr>
+            <a:lvl6pPr marL="2286000" indent="0">
+              <a:buNone/>
+              <a:defRPr sz="1600" b="1"/>
+            </a:lvl6pPr>
+            <a:lvl7pPr marL="2743200" indent="0">
+              <a:buNone/>
+              <a:defRPr sz="1600" b="1"/>
+            </a:lvl7pPr>
+            <a:lvl8pPr marL="3200400" indent="0">
+              <a:buNone/>
+              <a:defRPr sz="1600" b="1"/>
+            </a:lvl8pPr>
+            <a:lvl9pPr marL="3657600" indent="0">
+              <a:buNone/>
+              <a:defRPr sz="1600" b="1"/>
+            </a:lvl9pPr>
+          </a:lstStyle>
+          <a:p>
+            <a:pPr lvl="0"/>
+            <a:r>
+              <a:rPr lang="ja-JP" altLang="en-US"/>
+              <a:t>マスター テキストの書式設定</a:t>
+            </a:r>
+          </a:p>
+        </p:txBody>
+      </p:sp>
+      <p:sp>
+        <p:nvSpPr>
+          <p:cNvPr id="20" name="Picture Placeholder 2"/>
+          <p:cNvSpPr>
+            <a:spLocks noGrp="1" noChangeAspect="1"/>
+          </p:cNvSpPr>
+          <p:nvPr>
+            <p:ph type="pic" idx="15"/>
+          </p:nvPr>
+        </p:nvSpPr>
+        <p:spPr>
+          <a:xfrm>
+            <a:off x="913774" y="2367093"/>
+            <a:ext cx="3296409" cy="1524000"/>
+          </a:xfrm>
+          <a:prstGeom prst="roundRect">
+            <a:avLst>
+              <a:gd name="adj" fmla="val 9363"/>
+            </a:avLst>
+          </a:prstGeom>
+          <a:noFill/>
+          <a:ln w="82550" cap="sq">
+            <a:solidFill>
+              <a:srgbClr val="EAEAEA"/>
+            </a:solidFill>
+            <a:miter lim="800000"/>
+          </a:ln>
+          <a:effectLst/>
+          <a:scene3d>
+            <a:camera prst="orthographicFront"/>
+            <a:lightRig rig="threePt" dir="t">
+              <a:rot lat="0" lon="0" rev="2700000"/>
+            </a:lightRig>
+          </a:scene3d>
+          <a:sp3d contourW="6350">
+            <a:bevelT h="38100"/>
+            <a:contourClr>
+              <a:srgbClr val="C0C0C0"/>
+            </a:contourClr>
+          </a:sp3d>
+        </p:spPr>
+        <p:txBody>
+          <a:bodyPr anchor="t">
+            <a:normAutofit/>
+          </a:bodyPr>
+          <a:lstStyle>
+            <a:lvl1pPr marL="0" indent="0" algn="ctr">
+              <a:buNone/>
+              <a:defRPr sz="1600"/>
+            </a:lvl1pPr>
+            <a:lvl2pPr marL="457200" indent="0">
+              <a:buNone/>
+              <a:defRPr sz="1600"/>
+            </a:lvl2pPr>
+            <a:lvl3pPr marL="914400" indent="0">
+              <a:buNone/>
+              <a:defRPr sz="1600"/>
+            </a:lvl3pPr>
+            <a:lvl4pPr marL="1371600" indent="0">
+              <a:buNone/>
+              <a:defRPr sz="1600"/>
+            </a:lvl4pPr>
+            <a:lvl5pPr marL="1828800" indent="0">
+              <a:buNone/>
+              <a:defRPr sz="1600"/>
+            </a:lvl5pPr>
+            <a:lvl6pPr marL="2286000" indent="0">
+              <a:buNone/>
+              <a:defRPr sz="1600"/>
+            </a:lvl6pPr>
+            <a:lvl7pPr marL="2743200" indent="0">
+              <a:buNone/>
+              <a:defRPr sz="1600"/>
+            </a:lvl7pPr>
+            <a:lvl8pPr marL="3200400" indent="0">
+              <a:buNone/>
+              <a:defRPr sz="1600"/>
+            </a:lvl8pPr>
+            <a:lvl9pPr marL="3657600" indent="0">
+              <a:buNone/>
+              <a:defRPr sz="1600"/>
+            </a:lvl9pPr>
+          </a:lstStyle>
+          <a:p>
+            <a:r>
+              <a:rPr lang="ja-JP" altLang="en-US"/>
+              <a:t>アイコンをクリックして図を追加</a:t>
+            </a:r>
+            <a:endParaRPr lang="en-US" dirty="0"/>
+          </a:p>
+        </p:txBody>
+      </p:sp>
+      <p:sp>
+        <p:nvSpPr>
+          <p:cNvPr id="21" name="Text Placeholder 3"/>
+          <p:cNvSpPr>
+            <a:spLocks noGrp="1"/>
+          </p:cNvSpPr>
+          <p:nvPr>
+            <p:ph type="body" sz="half" idx="18"/>
+          </p:nvPr>
+        </p:nvSpPr>
+        <p:spPr>
+          <a:xfrm>
+            <a:off x="913774" y="4781082"/>
+            <a:ext cx="3296409" cy="1010118"/>
+          </a:xfrm>
+        </p:spPr>
+        <p:txBody>
+          <a:bodyPr anchor="t">
+            <a:normAutofit/>
+          </a:bodyPr>
+          <a:lstStyle>
+            <a:lvl1pPr marL="0" indent="0" algn="ctr">
+              <a:buNone/>
+              <a:defRPr sz="1400"/>
+            </a:lvl1pPr>
+            <a:lvl2pPr marL="457200" indent="0">
+              <a:buNone/>
+              <a:defRPr sz="1200"/>
+            </a:lvl2pPr>
+            <a:lvl3pPr marL="914400" indent="0">
+              <a:buNone/>
+              <a:defRPr sz="1000"/>
+            </a:lvl3pPr>
+            <a:lvl4pPr marL="1371600" indent="0">
+              <a:buNone/>
+              <a:defRPr sz="900"/>
+            </a:lvl4pPr>
+            <a:lvl5pPr marL="1828800" indent="0">
+              <a:buNone/>
+              <a:defRPr sz="900"/>
+            </a:lvl5pPr>
+            <a:lvl6pPr marL="2286000" indent="0">
+              <a:buNone/>
+              <a:defRPr sz="900"/>
+            </a:lvl6pPr>
+            <a:lvl7pPr marL="2743200" indent="0">
+              <a:buNone/>
+              <a:defRPr sz="900"/>
+            </a:lvl7pPr>
+            <a:lvl8pPr marL="3200400" indent="0">
+              <a:buNone/>
+              <a:defRPr sz="900"/>
+            </a:lvl8pPr>
+            <a:lvl9pPr marL="3657600" indent="0">
+              <a:buNone/>
+              <a:defRPr sz="900"/>
+            </a:lvl9pPr>
+          </a:lstStyle>
+          <a:p>
+            <a:pPr lvl="0"/>
+            <a:r>
+              <a:rPr lang="ja-JP" altLang="en-US"/>
+              <a:t>マスター テキストの書式設定</a:t>
+            </a:r>
+          </a:p>
+        </p:txBody>
+      </p:sp>
+      <p:sp>
+        <p:nvSpPr>
+          <p:cNvPr id="22" name="Text Placeholder 4"/>
+          <p:cNvSpPr>
+            <a:spLocks noGrp="1"/>
+          </p:cNvSpPr>
+          <p:nvPr>
+            <p:ph type="body" sz="quarter" idx="3"/>
+          </p:nvPr>
+        </p:nvSpPr>
+        <p:spPr>
+          <a:xfrm>
+            <a:off x="4442759" y="4204820"/>
+            <a:ext cx="3301828" cy="576262"/>
+          </a:xfrm>
+        </p:spPr>
+        <p:txBody>
+          <a:bodyPr anchor="b">
+            <a:noAutofit/>
+          </a:bodyPr>
+          <a:lstStyle>
+            <a:lvl1pPr marL="0" indent="0" algn="ctr">
+              <a:lnSpc>
+                <a:spcPct val="85000"/>
+              </a:lnSpc>
+              <a:buNone/>
+              <a:defRPr sz="2200" b="0">
+                <a:solidFill>
+                  <a:schemeClr val="tx1"/>
+                </a:solidFill>
+              </a:defRPr>
+            </a:lvl1pPr>
+            <a:lvl2pPr marL="457200" indent="0">
+              <a:buNone/>
+              <a:defRPr sz="2000" b="1"/>
+            </a:lvl2pPr>
+            <a:lvl3pPr marL="914400" indent="0">
+              <a:buNone/>
+              <a:defRPr sz="1800" b="1"/>
+            </a:lvl3pPr>
+            <a:lvl4pPr marL="1371600" indent="0">
+              <a:buNone/>
+              <a:defRPr sz="1600" b="1"/>
+            </a:lvl4pPr>
+            <a:lvl5pPr marL="1828800" indent="0">
+              <a:buNone/>
+              <a:defRPr sz="1600" b="1"/>
+            </a:lvl5pPr>
+            <a:lvl6pPr marL="2286000" indent="0">
+              <a:buNone/>
+              <a:defRPr sz="1600" b="1"/>
+            </a:lvl6pPr>
+            <a:lvl7pPr marL="2743200" indent="0">
+              <a:buNone/>
+              <a:defRPr sz="1600" b="1"/>
+            </a:lvl7pPr>
+            <a:lvl8pPr marL="3200400" indent="0">
+              <a:buNone/>
+              <a:defRPr sz="1600" b="1"/>
+            </a:lvl8pPr>
+            <a:lvl9pPr marL="3657600" indent="0">
+              <a:buNone/>
+              <a:defRPr sz="1600" b="1"/>
+            </a:lvl9pPr>
+          </a:lstStyle>
+          <a:p>
+            <a:pPr lvl="0"/>
+            <a:r>
+              <a:rPr lang="ja-JP" altLang="en-US"/>
+              <a:t>マスター テキストの書式設定</a:t>
+            </a:r>
+          </a:p>
+        </p:txBody>
+      </p:sp>
+      <p:sp>
+        <p:nvSpPr>
+          <p:cNvPr id="23" name="Picture Placeholder 2"/>
+          <p:cNvSpPr>
+            <a:spLocks noGrp="1" noChangeAspect="1"/>
+          </p:cNvSpPr>
+          <p:nvPr>
+            <p:ph type="pic" idx="21"/>
+          </p:nvPr>
+        </p:nvSpPr>
+        <p:spPr>
+          <a:xfrm>
+            <a:off x="4441348" y="2367093"/>
+            <a:ext cx="3303352" cy="1524000"/>
+          </a:xfrm>
+          <a:prstGeom prst="roundRect">
+            <a:avLst>
+              <a:gd name="adj" fmla="val 8841"/>
+            </a:avLst>
+          </a:prstGeom>
+          <a:noFill/>
+          <a:ln w="82550" cap="sq">
+            <a:solidFill>
+              <a:srgbClr val="EAEAEA"/>
+            </a:solidFill>
+            <a:miter lim="800000"/>
+          </a:ln>
+          <a:effectLst/>
+          <a:scene3d>
+            <a:camera prst="orthographicFront"/>
+            <a:lightRig rig="threePt" dir="t">
+              <a:rot lat="0" lon="0" rev="2700000"/>
+            </a:lightRig>
+          </a:scene3d>
+          <a:sp3d contourW="6350">
+            <a:bevelT h="38100"/>
+            <a:contourClr>
+              <a:srgbClr val="C0C0C0"/>
+            </a:contourClr>
+          </a:sp3d>
+        </p:spPr>
+        <p:txBody>
+          <a:bodyPr anchor="t">
+            <a:normAutofit/>
+          </a:bodyPr>
+          <a:lstStyle>
+            <a:lvl1pPr marL="0" indent="0" algn="ctr">
+              <a:buNone/>
+              <a:defRPr sz="1600"/>
+            </a:lvl1pPr>
+            <a:lvl2pPr marL="457200" indent="0">
+              <a:buNone/>
+              <a:defRPr sz="1600"/>
+            </a:lvl2pPr>
+            <a:lvl3pPr marL="914400" indent="0">
+              <a:buNone/>
+              <a:defRPr sz="1600"/>
+            </a:lvl3pPr>
+            <a:lvl4pPr marL="1371600" indent="0">
+              <a:buNone/>
+              <a:defRPr sz="1600"/>
+            </a:lvl4pPr>
+            <a:lvl5pPr marL="1828800" indent="0">
+              <a:buNone/>
+              <a:defRPr sz="1600"/>
+            </a:lvl5pPr>
+            <a:lvl6pPr marL="2286000" indent="0">
+              <a:buNone/>
+              <a:defRPr sz="1600"/>
+            </a:lvl6pPr>
+            <a:lvl7pPr marL="2743200" indent="0">
+              <a:buNone/>
+              <a:defRPr sz="1600"/>
+            </a:lvl7pPr>
+            <a:lvl8pPr marL="3200400" indent="0">
+              <a:buNone/>
+              <a:defRPr sz="1600"/>
+            </a:lvl8pPr>
+            <a:lvl9pPr marL="3657600" indent="0">
+              <a:buNone/>
+              <a:defRPr sz="1600"/>
+            </a:lvl9pPr>
+          </a:lstStyle>
+          <a:p>
+            <a:r>
+              <a:rPr lang="ja-JP" altLang="en-US"/>
+              <a:t>アイコンをクリックして図を追加</a:t>
+            </a:r>
+            <a:endParaRPr lang="en-US" dirty="0"/>
+          </a:p>
+        </p:txBody>
+      </p:sp>
+      <p:sp>
+        <p:nvSpPr>
+          <p:cNvPr id="24" name="Text Placeholder 3"/>
+          <p:cNvSpPr>
+            <a:spLocks noGrp="1"/>
+          </p:cNvSpPr>
+          <p:nvPr>
+            <p:ph type="body" sz="half" idx="19"/>
+          </p:nvPr>
+        </p:nvSpPr>
+        <p:spPr>
+          <a:xfrm>
+            <a:off x="4441348" y="4781080"/>
+            <a:ext cx="3303352" cy="1010119"/>
+          </a:xfrm>
+        </p:spPr>
+        <p:txBody>
+          <a:bodyPr anchor="t">
+            <a:normAutofit/>
+          </a:bodyPr>
+          <a:lstStyle>
+            <a:lvl1pPr marL="0" indent="0" algn="ctr">
+              <a:buNone/>
+              <a:defRPr sz="1400"/>
+            </a:lvl1pPr>
+            <a:lvl2pPr marL="457200" indent="0">
+              <a:buNone/>
+              <a:defRPr sz="1200"/>
+            </a:lvl2pPr>
+            <a:lvl3pPr marL="914400" indent="0">
+              <a:buNone/>
+              <a:defRPr sz="1000"/>
+            </a:lvl3pPr>
+            <a:lvl4pPr marL="1371600" indent="0">
+              <a:buNone/>
+              <a:defRPr sz="900"/>
+            </a:lvl4pPr>
+            <a:lvl5pPr marL="1828800" indent="0">
+              <a:buNone/>
+              <a:defRPr sz="900"/>
+            </a:lvl5pPr>
+            <a:lvl6pPr marL="2286000" indent="0">
+              <a:buNone/>
+              <a:defRPr sz="900"/>
+            </a:lvl6pPr>
+            <a:lvl7pPr marL="2743200" indent="0">
+              <a:buNone/>
+              <a:defRPr sz="900"/>
+            </a:lvl7pPr>
+            <a:lvl8pPr marL="3200400" indent="0">
+              <a:buNone/>
+              <a:defRPr sz="900"/>
+            </a:lvl8pPr>
+            <a:lvl9pPr marL="3657600" indent="0">
+              <a:buNone/>
+              <a:defRPr sz="900"/>
+            </a:lvl9pPr>
+          </a:lstStyle>
+          <a:p>
+            <a:pPr lvl="0"/>
+            <a:r>
+              <a:rPr lang="ja-JP" altLang="en-US"/>
+              <a:t>マスター テキストの書式設定</a:t>
+            </a:r>
+          </a:p>
+        </p:txBody>
+      </p:sp>
+      <p:sp>
+        <p:nvSpPr>
+          <p:cNvPr id="25" name="Text Placeholder 4"/>
+          <p:cNvSpPr>
+            <a:spLocks noGrp="1"/>
+          </p:cNvSpPr>
+          <p:nvPr>
+            <p:ph type="body" sz="quarter" idx="13"/>
+          </p:nvPr>
+        </p:nvSpPr>
+        <p:spPr>
+          <a:xfrm>
+            <a:off x="7973298" y="4204820"/>
+            <a:ext cx="3300681" cy="576262"/>
+          </a:xfrm>
+        </p:spPr>
+        <p:txBody>
+          <a:bodyPr anchor="b">
+            <a:noAutofit/>
+          </a:bodyPr>
+          <a:lstStyle>
+            <a:lvl1pPr marL="0" indent="0" algn="ctr">
+              <a:lnSpc>
+                <a:spcPct val="85000"/>
+              </a:lnSpc>
+              <a:buNone/>
+              <a:defRPr sz="2200" b="0">
+                <a:solidFill>
+                  <a:schemeClr val="tx1"/>
+                </a:solidFill>
+              </a:defRPr>
+            </a:lvl1pPr>
+            <a:lvl2pPr marL="457200" indent="0">
+              <a:buNone/>
+              <a:defRPr sz="2000" b="1"/>
+            </a:lvl2pPr>
+            <a:lvl3pPr marL="914400" indent="0">
+              <a:buNone/>
+              <a:defRPr sz="1800" b="1"/>
+            </a:lvl3pPr>
+            <a:lvl4pPr marL="1371600" indent="0">
+              <a:buNone/>
+              <a:defRPr sz="1600" b="1"/>
+            </a:lvl4pPr>
+            <a:lvl5pPr marL="1828800" indent="0">
+              <a:buNone/>
+              <a:defRPr sz="1600" b="1"/>
+            </a:lvl5pPr>
+            <a:lvl6pPr marL="2286000" indent="0">
+              <a:buNone/>
+              <a:defRPr sz="1600" b="1"/>
+            </a:lvl6pPr>
+            <a:lvl7pPr marL="2743200" indent="0">
+              <a:buNone/>
+              <a:defRPr sz="1600" b="1"/>
+            </a:lvl7pPr>
+            <a:lvl8pPr marL="3200400" indent="0">
+              <a:buNone/>
+              <a:defRPr sz="1600" b="1"/>
+            </a:lvl8pPr>
+            <a:lvl9pPr marL="3657600" indent="0">
+              <a:buNone/>
+              <a:defRPr sz="1600" b="1"/>
+            </a:lvl9pPr>
+          </a:lstStyle>
+          <a:p>
+            <a:pPr lvl="0"/>
+            <a:r>
+              <a:rPr lang="ja-JP" altLang="en-US"/>
+              <a:t>マスター テキストの書式設定</a:t>
+            </a:r>
+          </a:p>
+        </p:txBody>
+      </p:sp>
+      <p:sp>
+        <p:nvSpPr>
+          <p:cNvPr id="26" name="Picture Placeholder 2"/>
+          <p:cNvSpPr>
+            <a:spLocks noGrp="1" noChangeAspect="1"/>
+          </p:cNvSpPr>
+          <p:nvPr>
+            <p:ph type="pic" idx="22"/>
+          </p:nvPr>
+        </p:nvSpPr>
+        <p:spPr>
+          <a:xfrm>
+            <a:off x="7973298" y="2367093"/>
+            <a:ext cx="3304928" cy="1524000"/>
+          </a:xfrm>
+          <a:prstGeom prst="roundRect">
+            <a:avLst>
+              <a:gd name="adj" fmla="val 8841"/>
+            </a:avLst>
+          </a:prstGeom>
+          <a:noFill/>
+          <a:ln w="82550" cap="sq">
+            <a:solidFill>
+              <a:srgbClr val="EAEAEA"/>
+            </a:solidFill>
+            <a:miter lim="800000"/>
+          </a:ln>
+          <a:effectLst/>
+          <a:scene3d>
+            <a:camera prst="orthographicFront"/>
+            <a:lightRig rig="threePt" dir="t">
+              <a:rot lat="0" lon="0" rev="2700000"/>
+            </a:lightRig>
+          </a:scene3d>
+          <a:sp3d contourW="6350">
+            <a:bevelT h="38100"/>
+            <a:contourClr>
+              <a:srgbClr val="C0C0C0"/>
+            </a:contourClr>
+          </a:sp3d>
+        </p:spPr>
+        <p:txBody>
+          <a:bodyPr anchor="t">
+            <a:normAutofit/>
+          </a:bodyPr>
+          <a:lstStyle>
+            <a:lvl1pPr marL="0" indent="0" algn="ctr">
+              <a:buNone/>
+              <a:defRPr sz="1600"/>
+            </a:lvl1pPr>
+            <a:lvl2pPr marL="457200" indent="0">
+              <a:buNone/>
+              <a:defRPr sz="1600"/>
+            </a:lvl2pPr>
+            <a:lvl3pPr marL="914400" indent="0">
+              <a:buNone/>
+              <a:defRPr sz="1600"/>
+            </a:lvl3pPr>
+            <a:lvl4pPr marL="1371600" indent="0">
+              <a:buNone/>
+              <a:defRPr sz="1600"/>
+            </a:lvl4pPr>
+            <a:lvl5pPr marL="1828800" indent="0">
+              <a:buNone/>
+              <a:defRPr sz="1600"/>
+            </a:lvl5pPr>
+            <a:lvl6pPr marL="2286000" indent="0">
+              <a:buNone/>
+              <a:defRPr sz="1600"/>
+            </a:lvl6pPr>
+            <a:lvl7pPr marL="2743200" indent="0">
+              <a:buNone/>
+              <a:defRPr sz="1600"/>
+            </a:lvl7pPr>
+            <a:lvl8pPr marL="3200400" indent="0">
+              <a:buNone/>
+              <a:defRPr sz="1600"/>
+            </a:lvl8pPr>
+            <a:lvl9pPr marL="3657600" indent="0">
+              <a:buNone/>
+              <a:defRPr sz="1600"/>
+            </a:lvl9pPr>
+          </a:lstStyle>
+          <a:p>
+            <a:r>
+              <a:rPr lang="ja-JP" altLang="en-US"/>
+              <a:t>アイコンをクリックして図を追加</a:t>
+            </a:r>
+            <a:endParaRPr lang="en-US" dirty="0"/>
+          </a:p>
+        </p:txBody>
+      </p:sp>
+      <p:sp>
+        <p:nvSpPr>
+          <p:cNvPr id="27" name="Text Placeholder 3"/>
+          <p:cNvSpPr>
+            <a:spLocks noGrp="1"/>
+          </p:cNvSpPr>
+          <p:nvPr>
+            <p:ph type="body" sz="half" idx="20"/>
+          </p:nvPr>
+        </p:nvSpPr>
+        <p:spPr>
+          <a:xfrm>
+            <a:off x="7973173" y="4781078"/>
+            <a:ext cx="3305053" cy="1010121"/>
+          </a:xfrm>
+        </p:spPr>
+        <p:txBody>
+          <a:bodyPr anchor="t">
+            <a:normAutofit/>
+          </a:bodyPr>
+          <a:lstStyle>
+            <a:lvl1pPr marL="0" indent="0" algn="ctr">
+              <a:buNone/>
+              <a:defRPr sz="1400"/>
+            </a:lvl1pPr>
+            <a:lvl2pPr marL="457200" indent="0">
+              <a:buNone/>
+              <a:defRPr sz="1200"/>
+            </a:lvl2pPr>
+            <a:lvl3pPr marL="914400" indent="0">
+              <a:buNone/>
+              <a:defRPr sz="1000"/>
+            </a:lvl3pPr>
+            <a:lvl4pPr marL="1371600" indent="0">
+              <a:buNone/>
+              <a:defRPr sz="900"/>
+            </a:lvl4pPr>
+            <a:lvl5pPr marL="1828800" indent="0">
+              <a:buNone/>
+              <a:defRPr sz="900"/>
+            </a:lvl5pPr>
+            <a:lvl6pPr marL="2286000" indent="0">
+              <a:buNone/>
+              <a:defRPr sz="900"/>
+            </a:lvl6pPr>
+            <a:lvl7pPr marL="2743200" indent="0">
+              <a:buNone/>
+              <a:defRPr sz="900"/>
+            </a:lvl7pPr>
+            <a:lvl8pPr marL="3200400" indent="0">
+              <a:buNone/>
+              <a:defRPr sz="900"/>
+            </a:lvl8pPr>
+            <a:lvl9pPr marL="3657600" indent="0">
+              <a:buNone/>
+              <a:defRPr sz="900"/>
+            </a:lvl9pPr>
+          </a:lstStyle>
+          <a:p>
+            <a:pPr lvl="0"/>
+            <a:r>
+              <a:rPr lang="ja-JP" altLang="en-US"/>
+              <a:t>マスター テキストの書式設定</a:t>
+            </a:r>
+          </a:p>
+        </p:txBody>
+      </p:sp>
+      <p:sp>
+        <p:nvSpPr>
+          <p:cNvPr id="3" name="Date Placeholder 2"/>
+          <p:cNvSpPr>
+            <a:spLocks noGrp="1"/>
+          </p:cNvSpPr>
+          <p:nvPr>
+            <p:ph type="dt" sz="half" idx="10"/>
+          </p:nvPr>
+        </p:nvSpPr>
+        <p:spPr/>
+        <p:txBody>
+          <a:bodyPr/>
+          <a:lstStyle/>
+          <a:p>
+            <a:fld id="{0E02A643-9BB0-4E02-80B2-2C0A5E5D738E}" type="datetimeFigureOut">
+              <a:rPr kumimoji="1" lang="ja-JP" altLang="en-US" smtClean="0"/>
+              <a:t>2020/10/8</a:t>
+            </a:fld>
+            <a:endParaRPr kumimoji="1" lang="ja-JP" altLang="en-US"/>
+          </a:p>
+        </p:txBody>
+      </p:sp>
+      <p:sp>
+        <p:nvSpPr>
+          <p:cNvPr id="4" name="Footer Placeholder 3"/>
+          <p:cNvSpPr>
+            <a:spLocks noGrp="1"/>
+          </p:cNvSpPr>
+          <p:nvPr>
+            <p:ph type="ftr" sz="quarter" idx="11"/>
+          </p:nvPr>
+        </p:nvSpPr>
+        <p:spPr/>
+        <p:txBody>
+          <a:bodyPr/>
+          <a:lstStyle/>
+          <a:p>
+            <a:endParaRPr kumimoji="1" lang="ja-JP" altLang="en-US"/>
+          </a:p>
+        </p:txBody>
+      </p:sp>
+      <p:sp>
+        <p:nvSpPr>
+          <p:cNvPr id="5" name="Slide Number Placeholder 4"/>
+          <p:cNvSpPr>
+            <a:spLocks noGrp="1"/>
+          </p:cNvSpPr>
+          <p:nvPr>
+            <p:ph type="sldNum" sz="quarter" idx="12"/>
+          </p:nvPr>
+        </p:nvSpPr>
+        <p:spPr/>
+        <p:txBody>
+          <a:bodyPr/>
+          <a:lstStyle/>
+          <a:p>
+            <a:fld id="{A99D720A-4AD5-4DCF-885F-DE5297996123}" type="slidenum">
+              <a:rPr kumimoji="1" lang="ja-JP" altLang="en-US" smtClean="0"/>
+              <a:t>‹#›</a:t>
+            </a:fld>
+            <a:endParaRPr kumimoji="1" lang="ja-JP" altLang="en-US"/>
+          </a:p>
+        </p:txBody>
+      </p:sp>
+    </p:spTree>
+    <p:extLst>
+      <p:ext uri="{BB962C8B-B14F-4D97-AF65-F5344CB8AC3E}">
+        <p14:creationId xmlns:p14="http://schemas.microsoft.com/office/powerpoint/2010/main" val="918378763"/>
+      </p:ext>
+    </p:extLst>
+  </p:cSld>
+  <p:clrMapOvr>
+    <a:masterClrMapping/>
+  </p:clrMapOvr>
+</p:sldLayout>
+</file>
+
+<file path=ppt/slideLayouts/slideLayout16.xml><?xml version="1.0" encoding="utf-8"?>
 <p:sldLayout xmlns:a="http://schemas.openxmlformats.org/drawingml/2006/main" xmlns:r="http://schemas.openxmlformats.org/officeDocument/2006/relationships" xmlns:p="http://schemas.openxmlformats.org/presentationml/2006/main" type="vertTx" preserve="1">
   <p:cSld name="タイトルと縦書きテキスト">
     <p:spTree>
@@ -364,15 +3089,39 @@
           <a:chExt cx="0" cy="0"/>
         </a:xfrm>
       </p:grpSpPr>
-      <p:sp>
-        <p:nvSpPr>
-          <p:cNvPr id="2" name="タイトル 1">
+      <p:pic>
+        <p:nvPicPr>
+          <p:cNvPr id="8" name="Picture 7" descr="Droplets-HD-Content-R1d.png"/>
+          <p:cNvPicPr>
+            <a:picLocks noChangeAspect="1"/>
+          </p:cNvPicPr>
+          <p:nvPr/>
+        </p:nvPicPr>
+        <p:blipFill>
+          <a:blip r:embed="rId2">
             <a:extLst>
-              <a:ext uri="{FF2B5EF4-FFF2-40B4-BE49-F238E27FC236}">
-                <a16:creationId xmlns:a16="http://schemas.microsoft.com/office/drawing/2014/main" id="{05B5FA13-8895-48CB-81FF-CBA8E65F4904}"/>
+              <a:ext uri="{28A0092B-C50C-407E-A947-70E740481C1C}">
+                <a14:useLocalDpi xmlns:a14="http://schemas.microsoft.com/office/drawing/2010/main" val="0"/>
               </a:ext>
             </a:extLst>
-          </p:cNvPr>
+          </a:blip>
+          <a:stretch>
+            <a:fillRect/>
+          </a:stretch>
+        </p:blipFill>
+        <p:spPr>
+          <a:xfrm>
+            <a:off x="0" y="0"/>
+            <a:ext cx="12192000" cy="6858000"/>
+          </a:xfrm>
+          <a:prstGeom prst="rect">
+            <a:avLst/>
+          </a:prstGeom>
+        </p:spPr>
+      </p:pic>
+      <p:sp>
+        <p:nvSpPr>
+          <p:cNvPr id="2" name="Title 1"/>
           <p:cNvSpPr>
             <a:spLocks noGrp="1"/>
           </p:cNvSpPr>
@@ -386,110 +3135,105 @@
           <a:lstStyle/>
           <a:p>
             <a:r>
-              <a:rPr kumimoji="1" lang="ja-JP" altLang="en-US"/>
+              <a:rPr lang="ja-JP" altLang="en-US"/>
               <a:t>マスター タイトルの書式設定</a:t>
             </a:r>
-          </a:p>
-        </p:txBody>
-      </p:sp>
-      <p:sp>
-        <p:nvSpPr>
-          <p:cNvPr id="3" name="縦書きテキスト プレースホルダー 2">
-            <a:extLst>
-              <a:ext uri="{FF2B5EF4-FFF2-40B4-BE49-F238E27FC236}">
-                <a16:creationId xmlns:a16="http://schemas.microsoft.com/office/drawing/2014/main" id="{F760FF65-8D24-4B35-80EC-2556040AB25F}"/>
-              </a:ext>
-            </a:extLst>
-          </p:cNvPr>
-          <p:cNvSpPr>
-            <a:spLocks noGrp="1"/>
-          </p:cNvSpPr>
-          <p:nvPr>
-            <p:ph type="body" orient="vert" idx="1"/>
-          </p:nvPr>
-        </p:nvSpPr>
-        <p:spPr/>
+            <a:endParaRPr lang="en-US" dirty="0"/>
+          </a:p>
+        </p:txBody>
+      </p:sp>
+      <p:sp>
+        <p:nvSpPr>
+          <p:cNvPr id="11" name="Vertical Text Placeholder 2"/>
+          <p:cNvSpPr>
+            <a:spLocks noGrp="1"/>
+          </p:cNvSpPr>
+          <p:nvPr>
+            <p:ph type="body" orient="vert" sz="quarter" idx="13"/>
+          </p:nvPr>
+        </p:nvSpPr>
+        <p:spPr>
+          <a:xfrm>
+            <a:off x="913775" y="2367093"/>
+            <a:ext cx="10364452" cy="3424107"/>
+          </a:xfrm>
+        </p:spPr>
         <p:txBody>
           <a:bodyPr vert="eaVert"/>
           <a:lstStyle/>
           <a:p>
             <a:pPr lvl="0"/>
             <a:r>
-              <a:rPr kumimoji="1" lang="ja-JP" altLang="en-US"/>
+              <a:rPr lang="ja-JP" altLang="en-US"/>
               <a:t>マスター テキストの書式設定</a:t>
             </a:r>
           </a:p>
           <a:p>
             <a:pPr lvl="1"/>
             <a:r>
-              <a:rPr kumimoji="1" lang="ja-JP" altLang="en-US"/>
+              <a:rPr lang="ja-JP" altLang="en-US"/>
               <a:t>第 </a:t>
             </a:r>
             <a:r>
-              <a:rPr kumimoji="1" lang="en-US" altLang="ja-JP"/>
+              <a:rPr lang="en-US" altLang="ja-JP"/>
               <a:t>2 </a:t>
             </a:r>
             <a:r>
-              <a:rPr kumimoji="1" lang="ja-JP" altLang="en-US"/>
+              <a:rPr lang="ja-JP" altLang="en-US"/>
               <a:t>レベル</a:t>
             </a:r>
           </a:p>
           <a:p>
             <a:pPr lvl="2"/>
             <a:r>
-              <a:rPr kumimoji="1" lang="ja-JP" altLang="en-US"/>
+              <a:rPr lang="ja-JP" altLang="en-US"/>
               <a:t>第 </a:t>
             </a:r>
             <a:r>
-              <a:rPr kumimoji="1" lang="en-US" altLang="ja-JP"/>
+              <a:rPr lang="en-US" altLang="ja-JP"/>
               <a:t>3 </a:t>
             </a:r>
             <a:r>
-              <a:rPr kumimoji="1" lang="ja-JP" altLang="en-US"/>
+              <a:rPr lang="ja-JP" altLang="en-US"/>
               <a:t>レベル</a:t>
             </a:r>
           </a:p>
           <a:p>
             <a:pPr lvl="3"/>
             <a:r>
-              <a:rPr kumimoji="1" lang="ja-JP" altLang="en-US"/>
+              <a:rPr lang="ja-JP" altLang="en-US"/>
               <a:t>第 </a:t>
             </a:r>
             <a:r>
-              <a:rPr kumimoji="1" lang="en-US" altLang="ja-JP"/>
+              <a:rPr lang="en-US" altLang="ja-JP"/>
               <a:t>4 </a:t>
             </a:r>
             <a:r>
-              <a:rPr kumimoji="1" lang="ja-JP" altLang="en-US"/>
+              <a:rPr lang="ja-JP" altLang="en-US"/>
               <a:t>レベル</a:t>
             </a:r>
           </a:p>
           <a:p>
             <a:pPr lvl="4"/>
             <a:r>
-              <a:rPr kumimoji="1" lang="ja-JP" altLang="en-US"/>
+              <a:rPr lang="ja-JP" altLang="en-US"/>
               <a:t>第 </a:t>
             </a:r>
             <a:r>
-              <a:rPr kumimoji="1" lang="en-US" altLang="ja-JP"/>
+              <a:rPr lang="en-US" altLang="ja-JP"/>
               <a:t>5 </a:t>
             </a:r>
             <a:r>
-              <a:rPr kumimoji="1" lang="ja-JP" altLang="en-US"/>
+              <a:rPr lang="ja-JP" altLang="en-US"/>
               <a:t>レベル</a:t>
             </a:r>
-          </a:p>
-        </p:txBody>
-      </p:sp>
-      <p:sp>
-        <p:nvSpPr>
-          <p:cNvPr id="4" name="日付プレースホルダー 3">
-            <a:extLst>
-              <a:ext uri="{FF2B5EF4-FFF2-40B4-BE49-F238E27FC236}">
-                <a16:creationId xmlns:a16="http://schemas.microsoft.com/office/drawing/2014/main" id="{5AAD898D-774E-4510-BA77-1AD84BA811C7}"/>
-              </a:ext>
-            </a:extLst>
-          </p:cNvPr>
+            <a:endParaRPr lang="en-US" dirty="0"/>
+          </a:p>
+        </p:txBody>
+      </p:sp>
+      <p:sp>
+        <p:nvSpPr>
+          <p:cNvPr id="4" name="Date Placeholder 3"/>
           <p:cNvSpPr>
             <a:spLocks noGrp="1"/>
           </p:cNvSpPr>
@@ -512,13 +3256,7 @@
       </p:sp>
       <p:sp>
         <p:nvSpPr>
-          <p:cNvPr id="5" name="フッター プレースホルダー 4">
-            <a:extLst>
-              <a:ext uri="{FF2B5EF4-FFF2-40B4-BE49-F238E27FC236}">
-                <a16:creationId xmlns:a16="http://schemas.microsoft.com/office/drawing/2014/main" id="{13D3242C-D931-4F10-9B48-A0C23865EDF1}"/>
-              </a:ext>
-            </a:extLst>
-          </p:cNvPr>
+          <p:cNvPr id="5" name="Footer Placeholder 4"/>
           <p:cNvSpPr>
             <a:spLocks noGrp="1"/>
           </p:cNvSpPr>
@@ -537,13 +3275,7 @@
       </p:sp>
       <p:sp>
         <p:nvSpPr>
-          <p:cNvPr id="6" name="スライド番号プレースホルダー 5">
-            <a:extLst>
-              <a:ext uri="{FF2B5EF4-FFF2-40B4-BE49-F238E27FC236}">
-                <a16:creationId xmlns:a16="http://schemas.microsoft.com/office/drawing/2014/main" id="{FAEE4EF4-F0CA-414A-B005-F92493FBED95}"/>
-              </a:ext>
-            </a:extLst>
-          </p:cNvPr>
+          <p:cNvPr id="6" name="Slide Number Placeholder 5"/>
           <p:cNvSpPr>
             <a:spLocks noGrp="1"/>
           </p:cNvSpPr>
@@ -567,7 +3299,7 @@
     </p:spTree>
     <p:extLst>
       <p:ext uri="{BB962C8B-B14F-4D97-AF65-F5344CB8AC3E}">
-        <p14:creationId xmlns:p14="http://schemas.microsoft.com/office/powerpoint/2010/main" val="3159257650"/>
+        <p14:creationId xmlns:p14="http://schemas.microsoft.com/office/powerpoint/2010/main" val="1714259959"/>
       </p:ext>
     </p:extLst>
   </p:cSld>
@@ -577,7 +3309,7 @@
 </p:sldLayout>
 </file>
 
-<file path=ppt/slideLayouts/slideLayout11.xml><?xml version="1.0" encoding="utf-8"?>
+<file path=ppt/slideLayouts/slideLayout17.xml><?xml version="1.0" encoding="utf-8"?>
 <p:sldLayout xmlns:a="http://schemas.openxmlformats.org/drawingml/2006/main" xmlns:r="http://schemas.openxmlformats.org/officeDocument/2006/relationships" xmlns:p="http://schemas.openxmlformats.org/presentationml/2006/main" type="vertTitleAndTx" preserve="1">
   <p:cSld name="縦書きタイトルと&#10;縦書きテキスト">
     <p:spTree>
@@ -594,59 +3326,82 @@
           <a:chExt cx="0" cy="0"/>
         </a:xfrm>
       </p:grpSpPr>
-      <p:sp>
-        <p:nvSpPr>
-          <p:cNvPr id="2" name="縦書きタイトル 1">
+      <p:pic>
+        <p:nvPicPr>
+          <p:cNvPr id="9" name="Picture 8" descr="Droplets-HD-Content-R1d.png"/>
+          <p:cNvPicPr>
+            <a:picLocks noChangeAspect="1"/>
+          </p:cNvPicPr>
+          <p:nvPr/>
+        </p:nvPicPr>
+        <p:blipFill>
+          <a:blip r:embed="rId2">
             <a:extLst>
-              <a:ext uri="{FF2B5EF4-FFF2-40B4-BE49-F238E27FC236}">
-                <a16:creationId xmlns:a16="http://schemas.microsoft.com/office/drawing/2014/main" id="{30E1B816-DCAD-4930-8CD1-D3357AEF3908}"/>
+              <a:ext uri="{28A0092B-C50C-407E-A947-70E740481C1C}">
+                <a14:useLocalDpi xmlns:a14="http://schemas.microsoft.com/office/drawing/2010/main" val="0"/>
               </a:ext>
             </a:extLst>
-          </p:cNvPr>
-          <p:cNvSpPr>
-            <a:spLocks noGrp="1"/>
-          </p:cNvSpPr>
-          <p:nvPr>
-            <p:ph type="title" orient="vert"/>
-          </p:nvPr>
-        </p:nvSpPr>
+          </a:blip>
+          <a:stretch>
+            <a:fillRect/>
+          </a:stretch>
+        </p:blipFill>
         <p:spPr>
           <a:xfrm>
-            <a:off x="8724900" y="365125"/>
-            <a:ext cx="2628900" cy="5811838"/>
+            <a:off x="0" y="0"/>
+            <a:ext cx="12192000" cy="6858000"/>
+          </a:xfrm>
+          <a:prstGeom prst="rect">
+            <a:avLst/>
+          </a:prstGeom>
+        </p:spPr>
+      </p:pic>
+      <p:sp>
+        <p:nvSpPr>
+          <p:cNvPr id="2" name="Vertical Title 1"/>
+          <p:cNvSpPr>
+            <a:spLocks noGrp="1"/>
+          </p:cNvSpPr>
+          <p:nvPr>
+            <p:ph type="title" orient="vert"/>
+          </p:nvPr>
+        </p:nvSpPr>
+        <p:spPr>
+          <a:xfrm>
+            <a:off x="8724900" y="609601"/>
+            <a:ext cx="2553326" cy="5181599"/>
           </a:xfrm>
         </p:spPr>
         <p:txBody>
           <a:bodyPr vert="eaVert"/>
-          <a:lstStyle/>
-          <a:p>
-            <a:r>
-              <a:rPr kumimoji="1" lang="ja-JP" altLang="en-US"/>
+          <a:lstStyle>
+            <a:lvl1pPr algn="l">
+              <a:defRPr/>
+            </a:lvl1pPr>
+          </a:lstStyle>
+          <a:p>
+            <a:r>
+              <a:rPr lang="ja-JP" altLang="en-US"/>
               <a:t>マスター タイトルの書式設定</a:t>
             </a:r>
-          </a:p>
-        </p:txBody>
-      </p:sp>
-      <p:sp>
-        <p:nvSpPr>
-          <p:cNvPr id="3" name="縦書きテキスト プレースホルダー 2">
-            <a:extLst>
-              <a:ext uri="{FF2B5EF4-FFF2-40B4-BE49-F238E27FC236}">
-                <a16:creationId xmlns:a16="http://schemas.microsoft.com/office/drawing/2014/main" id="{2360EECB-6942-41EF-90BD-B0C41F02C43F}"/>
-              </a:ext>
-            </a:extLst>
-          </p:cNvPr>
-          <p:cNvSpPr>
-            <a:spLocks noGrp="1"/>
-          </p:cNvSpPr>
-          <p:nvPr>
-            <p:ph type="body" orient="vert" idx="1"/>
+            <a:endParaRPr lang="en-US" dirty="0"/>
+          </a:p>
+        </p:txBody>
+      </p:sp>
+      <p:sp>
+        <p:nvSpPr>
+          <p:cNvPr id="8" name="Vertical Text Placeholder 2"/>
+          <p:cNvSpPr>
+            <a:spLocks noGrp="1"/>
+          </p:cNvSpPr>
+          <p:nvPr>
+            <p:ph type="body" orient="vert" sz="quarter" idx="13"/>
           </p:nvPr>
         </p:nvSpPr>
         <p:spPr>
           <a:xfrm>
-            <a:off x="838200" y="365125"/>
-            <a:ext cx="7734300" cy="5811838"/>
+            <a:off x="913775" y="609601"/>
+            <a:ext cx="7658724" cy="5181599"/>
           </a:xfrm>
         </p:spPr>
         <p:txBody>
@@ -655,81 +3410,76 @@
           <a:p>
             <a:pPr lvl="0"/>
             <a:r>
-              <a:rPr kumimoji="1" lang="ja-JP" altLang="en-US"/>
+              <a:rPr lang="ja-JP" altLang="en-US"/>
               <a:t>マスター テキストの書式設定</a:t>
             </a:r>
           </a:p>
           <a:p>
             <a:pPr lvl="1"/>
             <a:r>
-              <a:rPr kumimoji="1" lang="ja-JP" altLang="en-US"/>
+              <a:rPr lang="ja-JP" altLang="en-US"/>
               <a:t>第 </a:t>
             </a:r>
             <a:r>
-              <a:rPr kumimoji="1" lang="en-US" altLang="ja-JP"/>
+              <a:rPr lang="en-US" altLang="ja-JP"/>
               <a:t>2 </a:t>
             </a:r>
             <a:r>
-              <a:rPr kumimoji="1" lang="ja-JP" altLang="en-US"/>
+              <a:rPr lang="ja-JP" altLang="en-US"/>
               <a:t>レベル</a:t>
             </a:r>
           </a:p>
           <a:p>
             <a:pPr lvl="2"/>
             <a:r>
-              <a:rPr kumimoji="1" lang="ja-JP" altLang="en-US"/>
+              <a:rPr lang="ja-JP" altLang="en-US"/>
               <a:t>第 </a:t>
             </a:r>
             <a:r>
-              <a:rPr kumimoji="1" lang="en-US" altLang="ja-JP"/>
+              <a:rPr lang="en-US" altLang="ja-JP"/>
               <a:t>3 </a:t>
             </a:r>
             <a:r>
-              <a:rPr kumimoji="1" lang="ja-JP" altLang="en-US"/>
+              <a:rPr lang="ja-JP" altLang="en-US"/>
               <a:t>レベル</a:t>
             </a:r>
           </a:p>
           <a:p>
             <a:pPr lvl="3"/>
             <a:r>
-              <a:rPr kumimoji="1" lang="ja-JP" altLang="en-US"/>
+              <a:rPr lang="ja-JP" altLang="en-US"/>
               <a:t>第 </a:t>
             </a:r>
             <a:r>
-              <a:rPr kumimoji="1" lang="en-US" altLang="ja-JP"/>
+              <a:rPr lang="en-US" altLang="ja-JP"/>
               <a:t>4 </a:t>
             </a:r>
             <a:r>
-              <a:rPr kumimoji="1" lang="ja-JP" altLang="en-US"/>
+              <a:rPr lang="ja-JP" altLang="en-US"/>
               <a:t>レベル</a:t>
             </a:r>
           </a:p>
           <a:p>
             <a:pPr lvl="4"/>
             <a:r>
-              <a:rPr kumimoji="1" lang="ja-JP" altLang="en-US"/>
+              <a:rPr lang="ja-JP" altLang="en-US"/>
               <a:t>第 </a:t>
             </a:r>
             <a:r>
-              <a:rPr kumimoji="1" lang="en-US" altLang="ja-JP"/>
+              <a:rPr lang="en-US" altLang="ja-JP"/>
               <a:t>5 </a:t>
             </a:r>
             <a:r>
-              <a:rPr kumimoji="1" lang="ja-JP" altLang="en-US"/>
+              <a:rPr lang="ja-JP" altLang="en-US"/>
               <a:t>レベル</a:t>
             </a:r>
-          </a:p>
-        </p:txBody>
-      </p:sp>
-      <p:sp>
-        <p:nvSpPr>
-          <p:cNvPr id="4" name="日付プレースホルダー 3">
-            <a:extLst>
-              <a:ext uri="{FF2B5EF4-FFF2-40B4-BE49-F238E27FC236}">
-                <a16:creationId xmlns:a16="http://schemas.microsoft.com/office/drawing/2014/main" id="{A1C403B2-FE0A-4F60-91BD-6E07C89A44CC}"/>
-              </a:ext>
-            </a:extLst>
-          </p:cNvPr>
+            <a:endParaRPr lang="en-US" dirty="0"/>
+          </a:p>
+        </p:txBody>
+      </p:sp>
+      <p:sp>
+        <p:nvSpPr>
+          <p:cNvPr id="4" name="Date Placeholder 3"/>
           <p:cNvSpPr>
             <a:spLocks noGrp="1"/>
           </p:cNvSpPr>
@@ -752,13 +3502,7 @@
       </p:sp>
       <p:sp>
         <p:nvSpPr>
-          <p:cNvPr id="5" name="フッター プレースホルダー 4">
-            <a:extLst>
-              <a:ext uri="{FF2B5EF4-FFF2-40B4-BE49-F238E27FC236}">
-                <a16:creationId xmlns:a16="http://schemas.microsoft.com/office/drawing/2014/main" id="{2547BACB-5E58-433F-A669-5596FBD0B327}"/>
-              </a:ext>
-            </a:extLst>
-          </p:cNvPr>
+          <p:cNvPr id="5" name="Footer Placeholder 4"/>
           <p:cNvSpPr>
             <a:spLocks noGrp="1"/>
           </p:cNvSpPr>
@@ -777,13 +3521,7 @@
       </p:sp>
       <p:sp>
         <p:nvSpPr>
-          <p:cNvPr id="6" name="スライド番号プレースホルダー 5">
-            <a:extLst>
-              <a:ext uri="{FF2B5EF4-FFF2-40B4-BE49-F238E27FC236}">
-                <a16:creationId xmlns:a16="http://schemas.microsoft.com/office/drawing/2014/main" id="{D4AA9492-B73E-4BF5-9F29-41623C495D20}"/>
-              </a:ext>
-            </a:extLst>
-          </p:cNvPr>
+          <p:cNvPr id="6" name="Slide Number Placeholder 5"/>
           <p:cNvSpPr>
             <a:spLocks noGrp="1"/>
           </p:cNvSpPr>
@@ -807,7 +3545,7 @@
     </p:spTree>
     <p:extLst>
       <p:ext uri="{BB962C8B-B14F-4D97-AF65-F5344CB8AC3E}">
-        <p14:creationId xmlns:p14="http://schemas.microsoft.com/office/powerpoint/2010/main" val="3074988534"/>
+        <p14:creationId xmlns:p14="http://schemas.microsoft.com/office/powerpoint/2010/main" val="535929153"/>
       </p:ext>
     </p:extLst>
   </p:cSld>
@@ -834,15 +3572,39 @@
           <a:chExt cx="0" cy="0"/>
         </a:xfrm>
       </p:grpSpPr>
-      <p:sp>
-        <p:nvSpPr>
-          <p:cNvPr id="2" name="タイトル 1">
+      <p:pic>
+        <p:nvPicPr>
+          <p:cNvPr id="3" name="Picture 2" descr="Droplets-HD-Content-R1d.png"/>
+          <p:cNvPicPr>
+            <a:picLocks noChangeAspect="1"/>
+          </p:cNvPicPr>
+          <p:nvPr/>
+        </p:nvPicPr>
+        <p:blipFill>
+          <a:blip r:embed="rId2">
             <a:extLst>
-              <a:ext uri="{FF2B5EF4-FFF2-40B4-BE49-F238E27FC236}">
-                <a16:creationId xmlns:a16="http://schemas.microsoft.com/office/drawing/2014/main" id="{83DBB62C-936A-4C91-BFDA-41BCD86ABC2E}"/>
+              <a:ext uri="{28A0092B-C50C-407E-A947-70E740481C1C}">
+                <a14:useLocalDpi xmlns:a14="http://schemas.microsoft.com/office/drawing/2010/main" val="0"/>
               </a:ext>
             </a:extLst>
-          </p:cNvPr>
+          </a:blip>
+          <a:stretch>
+            <a:fillRect/>
+          </a:stretch>
+        </p:blipFill>
+        <p:spPr>
+          <a:xfrm>
+            <a:off x="0" y="0"/>
+            <a:ext cx="12192000" cy="6858000"/>
+          </a:xfrm>
+          <a:prstGeom prst="rect">
+            <a:avLst/>
+          </a:prstGeom>
+        </p:spPr>
+      </p:pic>
+      <p:sp>
+        <p:nvSpPr>
+          <p:cNvPr id="2" name="Title 1"/>
           <p:cNvSpPr>
             <a:spLocks noGrp="1"/>
           </p:cNvSpPr>
@@ -856,110 +3618,105 @@
           <a:lstStyle/>
           <a:p>
             <a:r>
-              <a:rPr kumimoji="1" lang="ja-JP" altLang="en-US"/>
+              <a:rPr lang="ja-JP" altLang="en-US"/>
               <a:t>マスター タイトルの書式設定</a:t>
             </a:r>
-          </a:p>
-        </p:txBody>
-      </p:sp>
-      <p:sp>
-        <p:nvSpPr>
-          <p:cNvPr id="3" name="コンテンツ プレースホルダー 2">
-            <a:extLst>
-              <a:ext uri="{FF2B5EF4-FFF2-40B4-BE49-F238E27FC236}">
-                <a16:creationId xmlns:a16="http://schemas.microsoft.com/office/drawing/2014/main" id="{B08DA83A-A42D-4FE4-8623-64F76A3F0F30}"/>
-              </a:ext>
-            </a:extLst>
-          </p:cNvPr>
-          <p:cNvSpPr>
-            <a:spLocks noGrp="1"/>
-          </p:cNvSpPr>
-          <p:nvPr>
-            <p:ph idx="1"/>
-          </p:nvPr>
-        </p:nvSpPr>
-        <p:spPr/>
+            <a:endParaRPr lang="en-US" dirty="0"/>
+          </a:p>
+        </p:txBody>
+      </p:sp>
+      <p:sp>
+        <p:nvSpPr>
+          <p:cNvPr id="12" name="Content Placeholder 2"/>
+          <p:cNvSpPr>
+            <a:spLocks noGrp="1"/>
+          </p:cNvSpPr>
+          <p:nvPr>
+            <p:ph sz="quarter" idx="13"/>
+          </p:nvPr>
+        </p:nvSpPr>
+        <p:spPr>
+          <a:xfrm>
+            <a:off x="913774" y="2367092"/>
+            <a:ext cx="10363826" cy="3424107"/>
+          </a:xfrm>
+        </p:spPr>
         <p:txBody>
           <a:bodyPr/>
           <a:lstStyle/>
           <a:p>
             <a:pPr lvl="0"/>
             <a:r>
-              <a:rPr kumimoji="1" lang="ja-JP" altLang="en-US"/>
+              <a:rPr lang="ja-JP" altLang="en-US"/>
               <a:t>マスター テキストの書式設定</a:t>
             </a:r>
           </a:p>
           <a:p>
             <a:pPr lvl="1"/>
             <a:r>
-              <a:rPr kumimoji="1" lang="ja-JP" altLang="en-US"/>
+              <a:rPr lang="ja-JP" altLang="en-US"/>
               <a:t>第 </a:t>
             </a:r>
             <a:r>
-              <a:rPr kumimoji="1" lang="en-US" altLang="ja-JP"/>
+              <a:rPr lang="en-US" altLang="ja-JP"/>
               <a:t>2 </a:t>
             </a:r>
             <a:r>
-              <a:rPr kumimoji="1" lang="ja-JP" altLang="en-US"/>
+              <a:rPr lang="ja-JP" altLang="en-US"/>
               <a:t>レベル</a:t>
             </a:r>
           </a:p>
           <a:p>
             <a:pPr lvl="2"/>
             <a:r>
-              <a:rPr kumimoji="1" lang="ja-JP" altLang="en-US"/>
+              <a:rPr lang="ja-JP" altLang="en-US"/>
               <a:t>第 </a:t>
             </a:r>
             <a:r>
-              <a:rPr kumimoji="1" lang="en-US" altLang="ja-JP"/>
+              <a:rPr lang="en-US" altLang="ja-JP"/>
               <a:t>3 </a:t>
             </a:r>
             <a:r>
-              <a:rPr kumimoji="1" lang="ja-JP" altLang="en-US"/>
+              <a:rPr lang="ja-JP" altLang="en-US"/>
               <a:t>レベル</a:t>
             </a:r>
           </a:p>
           <a:p>
             <a:pPr lvl="3"/>
             <a:r>
-              <a:rPr kumimoji="1" lang="ja-JP" altLang="en-US"/>
+              <a:rPr lang="ja-JP" altLang="en-US"/>
               <a:t>第 </a:t>
             </a:r>
             <a:r>
-              <a:rPr kumimoji="1" lang="en-US" altLang="ja-JP"/>
+              <a:rPr lang="en-US" altLang="ja-JP"/>
               <a:t>4 </a:t>
             </a:r>
             <a:r>
-              <a:rPr kumimoji="1" lang="ja-JP" altLang="en-US"/>
+              <a:rPr lang="ja-JP" altLang="en-US"/>
               <a:t>レベル</a:t>
             </a:r>
           </a:p>
           <a:p>
             <a:pPr lvl="4"/>
             <a:r>
-              <a:rPr kumimoji="1" lang="ja-JP" altLang="en-US"/>
+              <a:rPr lang="ja-JP" altLang="en-US"/>
               <a:t>第 </a:t>
             </a:r>
             <a:r>
-              <a:rPr kumimoji="1" lang="en-US" altLang="ja-JP"/>
+              <a:rPr lang="en-US" altLang="ja-JP"/>
               <a:t>5 </a:t>
             </a:r>
             <a:r>
-              <a:rPr kumimoji="1" lang="ja-JP" altLang="en-US"/>
+              <a:rPr lang="ja-JP" altLang="en-US"/>
               <a:t>レベル</a:t>
             </a:r>
-          </a:p>
-        </p:txBody>
-      </p:sp>
-      <p:sp>
-        <p:nvSpPr>
-          <p:cNvPr id="4" name="日付プレースホルダー 3">
-            <a:extLst>
-              <a:ext uri="{FF2B5EF4-FFF2-40B4-BE49-F238E27FC236}">
-                <a16:creationId xmlns:a16="http://schemas.microsoft.com/office/drawing/2014/main" id="{C10B44BF-ADA1-48B1-93E4-C6420F27EA7C}"/>
-              </a:ext>
-            </a:extLst>
-          </p:cNvPr>
+            <a:endParaRPr lang="en-US" dirty="0"/>
+          </a:p>
+        </p:txBody>
+      </p:sp>
+      <p:sp>
+        <p:nvSpPr>
+          <p:cNvPr id="4" name="Date Placeholder 3"/>
           <p:cNvSpPr>
             <a:spLocks noGrp="1"/>
           </p:cNvSpPr>
@@ -982,13 +3739,7 @@
       </p:sp>
       <p:sp>
         <p:nvSpPr>
-          <p:cNvPr id="5" name="フッター プレースホルダー 4">
-            <a:extLst>
-              <a:ext uri="{FF2B5EF4-FFF2-40B4-BE49-F238E27FC236}">
-                <a16:creationId xmlns:a16="http://schemas.microsoft.com/office/drawing/2014/main" id="{7764E2BA-EC1F-42E7-9B8B-60597021E895}"/>
-              </a:ext>
-            </a:extLst>
-          </p:cNvPr>
+          <p:cNvPr id="5" name="Footer Placeholder 4"/>
           <p:cNvSpPr>
             <a:spLocks noGrp="1"/>
           </p:cNvSpPr>
@@ -1007,13 +3758,7 @@
       </p:sp>
       <p:sp>
         <p:nvSpPr>
-          <p:cNvPr id="6" name="スライド番号プレースホルダー 5">
-            <a:extLst>
-              <a:ext uri="{FF2B5EF4-FFF2-40B4-BE49-F238E27FC236}">
-                <a16:creationId xmlns:a16="http://schemas.microsoft.com/office/drawing/2014/main" id="{B86E3CC5-A729-48F1-B987-9692893E450F}"/>
-              </a:ext>
-            </a:extLst>
-          </p:cNvPr>
+          <p:cNvPr id="6" name="Slide Number Placeholder 5"/>
           <p:cNvSpPr>
             <a:spLocks noGrp="1"/>
           </p:cNvSpPr>
@@ -1037,7 +3782,7 @@
     </p:spTree>
     <p:extLst>
       <p:ext uri="{BB962C8B-B14F-4D97-AF65-F5344CB8AC3E}">
-        <p14:creationId xmlns:p14="http://schemas.microsoft.com/office/powerpoint/2010/main" val="700054033"/>
+        <p14:creationId xmlns:p14="http://schemas.microsoft.com/office/powerpoint/2010/main" val="3695788508"/>
       </p:ext>
     </p:extLst>
   </p:cSld>
@@ -1064,52 +3809,73 @@
           <a:chExt cx="0" cy="0"/>
         </a:xfrm>
       </p:grpSpPr>
-      <p:sp>
-        <p:nvSpPr>
-          <p:cNvPr id="2" name="タイトル 1">
+      <p:pic>
+        <p:nvPicPr>
+          <p:cNvPr id="9" name="Picture 8" descr="Droplets-HD-Content-R1d.png"/>
+          <p:cNvPicPr>
+            <a:picLocks noChangeAspect="1"/>
+          </p:cNvPicPr>
+          <p:nvPr/>
+        </p:nvPicPr>
+        <p:blipFill>
+          <a:blip r:embed="rId2">
             <a:extLst>
-              <a:ext uri="{FF2B5EF4-FFF2-40B4-BE49-F238E27FC236}">
-                <a16:creationId xmlns:a16="http://schemas.microsoft.com/office/drawing/2014/main" id="{B709B10F-61D3-468C-B493-E1D17A35DA57}"/>
+              <a:ext uri="{28A0092B-C50C-407E-A947-70E740481C1C}">
+                <a14:useLocalDpi xmlns:a14="http://schemas.microsoft.com/office/drawing/2010/main" val="0"/>
               </a:ext>
             </a:extLst>
-          </p:cNvPr>
-          <p:cNvSpPr>
-            <a:spLocks noGrp="1"/>
-          </p:cNvSpPr>
-          <p:nvPr>
-            <p:ph type="title"/>
-          </p:nvPr>
-        </p:nvSpPr>
+          </a:blip>
+          <a:stretch>
+            <a:fillRect/>
+          </a:stretch>
+        </p:blipFill>
         <p:spPr>
           <a:xfrm>
-            <a:off x="831850" y="1709738"/>
-            <a:ext cx="10515600" cy="2852737"/>
+            <a:off x="0" y="0"/>
+            <a:ext cx="12192000" cy="6858000"/>
+          </a:xfrm>
+          <a:prstGeom prst="rect">
+            <a:avLst/>
+          </a:prstGeom>
+        </p:spPr>
+      </p:pic>
+      <p:sp>
+        <p:nvSpPr>
+          <p:cNvPr id="2" name="Title 1"/>
+          <p:cNvSpPr>
+            <a:spLocks noGrp="1"/>
+          </p:cNvSpPr>
+          <p:nvPr>
+            <p:ph type="title"/>
+          </p:nvPr>
+        </p:nvSpPr>
+        <p:spPr>
+          <a:xfrm>
+            <a:off x="913774" y="828563"/>
+            <a:ext cx="10351752" cy="2736819"/>
           </a:xfrm>
         </p:spPr>
         <p:txBody>
-          <a:bodyPr anchor="b"/>
+          <a:bodyPr anchor="b">
+            <a:normAutofit/>
+          </a:bodyPr>
           <a:lstStyle>
             <a:lvl1pPr>
-              <a:defRPr sz="6000"/>
+              <a:defRPr sz="4000"/>
             </a:lvl1pPr>
           </a:lstStyle>
           <a:p>
             <a:r>
-              <a:rPr kumimoji="1" lang="ja-JP" altLang="en-US"/>
+              <a:rPr lang="ja-JP" altLang="en-US"/>
               <a:t>マスター タイトルの書式設定</a:t>
             </a:r>
-          </a:p>
-        </p:txBody>
-      </p:sp>
-      <p:sp>
-        <p:nvSpPr>
-          <p:cNvPr id="3" name="テキスト プレースホルダー 2">
-            <a:extLst>
-              <a:ext uri="{FF2B5EF4-FFF2-40B4-BE49-F238E27FC236}">
-                <a16:creationId xmlns:a16="http://schemas.microsoft.com/office/drawing/2014/main" id="{73C56313-AAE2-4F08-A727-937A6033A2DE}"/>
-              </a:ext>
-            </a:extLst>
-          </p:cNvPr>
+            <a:endParaRPr lang="en-US" dirty="0"/>
+          </a:p>
+        </p:txBody>
+      </p:sp>
+      <p:sp>
+        <p:nvSpPr>
+          <p:cNvPr id="3" name="Text Placeholder 2"/>
           <p:cNvSpPr>
             <a:spLocks noGrp="1"/>
           </p:cNvSpPr>
@@ -1119,19 +3885,21 @@
         </p:nvSpPr>
         <p:spPr>
           <a:xfrm>
-            <a:off x="831850" y="4589463"/>
-            <a:ext cx="10515600" cy="1500187"/>
+            <a:off x="913774" y="3657457"/>
+            <a:ext cx="10351752" cy="1368183"/>
           </a:xfrm>
         </p:spPr>
         <p:txBody>
-          <a:bodyPr/>
+          <a:bodyPr>
+            <a:normAutofit/>
+          </a:bodyPr>
           <a:lstStyle>
-            <a:lvl1pPr marL="0" indent="0">
-              <a:buNone/>
-              <a:defRPr sz="2400">
+            <a:lvl1pPr marL="0" indent="0" algn="ctr">
+              <a:buNone/>
+              <a:defRPr sz="2000">
                 <a:solidFill>
-                  <a:schemeClr val="tx1">
-                    <a:tint val="75000"/>
+                  <a:schemeClr val="bg1">
+                    <a:lumMod val="50000"/>
                   </a:schemeClr>
                 </a:solidFill>
               </a:defRPr>
@@ -1220,7 +3988,7 @@
           <a:p>
             <a:pPr lvl="0"/>
             <a:r>
-              <a:rPr kumimoji="1" lang="ja-JP" altLang="en-US"/>
+              <a:rPr lang="ja-JP" altLang="en-US"/>
               <a:t>マスター テキストの書式設定</a:t>
             </a:r>
           </a:p>
@@ -1228,13 +3996,7 @@
       </p:sp>
       <p:sp>
         <p:nvSpPr>
-          <p:cNvPr id="4" name="日付プレースホルダー 3">
-            <a:extLst>
-              <a:ext uri="{FF2B5EF4-FFF2-40B4-BE49-F238E27FC236}">
-                <a16:creationId xmlns:a16="http://schemas.microsoft.com/office/drawing/2014/main" id="{9D17A277-9C5A-42F0-A020-44AD7564CF7D}"/>
-              </a:ext>
-            </a:extLst>
-          </p:cNvPr>
+          <p:cNvPr id="4" name="Date Placeholder 3"/>
           <p:cNvSpPr>
             <a:spLocks noGrp="1"/>
           </p:cNvSpPr>
@@ -1257,13 +4019,7 @@
       </p:sp>
       <p:sp>
         <p:nvSpPr>
-          <p:cNvPr id="5" name="フッター プレースホルダー 4">
-            <a:extLst>
-              <a:ext uri="{FF2B5EF4-FFF2-40B4-BE49-F238E27FC236}">
-                <a16:creationId xmlns:a16="http://schemas.microsoft.com/office/drawing/2014/main" id="{68A1E790-3D29-41FB-B9CC-04FC2FFE442B}"/>
-              </a:ext>
-            </a:extLst>
-          </p:cNvPr>
+          <p:cNvPr id="5" name="Footer Placeholder 4"/>
           <p:cNvSpPr>
             <a:spLocks noGrp="1"/>
           </p:cNvSpPr>
@@ -1282,13 +4038,7 @@
       </p:sp>
       <p:sp>
         <p:nvSpPr>
-          <p:cNvPr id="6" name="スライド番号プレースホルダー 5">
-            <a:extLst>
-              <a:ext uri="{FF2B5EF4-FFF2-40B4-BE49-F238E27FC236}">
-                <a16:creationId xmlns:a16="http://schemas.microsoft.com/office/drawing/2014/main" id="{387EDBF1-92DA-42AF-B64F-764A5E5D80E8}"/>
-              </a:ext>
-            </a:extLst>
-          </p:cNvPr>
+          <p:cNvPr id="6" name="Slide Number Placeholder 5"/>
           <p:cNvSpPr>
             <a:spLocks noGrp="1"/>
           </p:cNvSpPr>
@@ -1312,7 +4062,7 @@
     </p:spTree>
     <p:extLst>
       <p:ext uri="{BB962C8B-B14F-4D97-AF65-F5344CB8AC3E}">
-        <p14:creationId xmlns:p14="http://schemas.microsoft.com/office/powerpoint/2010/main" val="20488012"/>
+        <p14:creationId xmlns:p14="http://schemas.microsoft.com/office/powerpoint/2010/main" val="2084458868"/>
       </p:ext>
     </p:extLst>
   </p:cSld>
@@ -1339,15 +4089,39 @@
           <a:chExt cx="0" cy="0"/>
         </a:xfrm>
       </p:grpSpPr>
-      <p:sp>
-        <p:nvSpPr>
-          <p:cNvPr id="2" name="タイトル 1">
+      <p:pic>
+        <p:nvPicPr>
+          <p:cNvPr id="10" name="Picture 9" descr="Droplets-HD-Content-R1d.png"/>
+          <p:cNvPicPr>
+            <a:picLocks noChangeAspect="1"/>
+          </p:cNvPicPr>
+          <p:nvPr/>
+        </p:nvPicPr>
+        <p:blipFill>
+          <a:blip r:embed="rId2">
             <a:extLst>
-              <a:ext uri="{FF2B5EF4-FFF2-40B4-BE49-F238E27FC236}">
-                <a16:creationId xmlns:a16="http://schemas.microsoft.com/office/drawing/2014/main" id="{56C7A42A-478C-408B-B60E-DC81A3EEFA2C}"/>
+              <a:ext uri="{28A0092B-C50C-407E-A947-70E740481C1C}">
+                <a14:useLocalDpi xmlns:a14="http://schemas.microsoft.com/office/drawing/2010/main" val="0"/>
               </a:ext>
             </a:extLst>
-          </p:cNvPr>
+          </a:blip>
+          <a:stretch>
+            <a:fillRect/>
+          </a:stretch>
+        </p:blipFill>
+        <p:spPr>
+          <a:xfrm>
+            <a:off x="0" y="0"/>
+            <a:ext cx="12192000" cy="6858000"/>
+          </a:xfrm>
+          <a:prstGeom prst="rect">
+            <a:avLst/>
+          </a:prstGeom>
+        </p:spPr>
+      </p:pic>
+      <p:sp>
+        <p:nvSpPr>
+          <p:cNvPr id="14" name="Title 1"/>
           <p:cNvSpPr>
             <a:spLocks noGrp="1"/>
           </p:cNvSpPr>
@@ -1355,38 +4129,38 @@
             <p:ph type="title"/>
           </p:nvPr>
         </p:nvSpPr>
-        <p:spPr/>
+        <p:spPr>
+          <a:xfrm>
+            <a:off x="913775" y="618517"/>
+            <a:ext cx="10364451" cy="1596177"/>
+          </a:xfrm>
+        </p:spPr>
         <p:txBody>
           <a:bodyPr/>
           <a:lstStyle/>
           <a:p>
             <a:r>
-              <a:rPr kumimoji="1" lang="ja-JP" altLang="en-US"/>
+              <a:rPr lang="ja-JP" altLang="en-US"/>
               <a:t>マスター タイトルの書式設定</a:t>
             </a:r>
-          </a:p>
-        </p:txBody>
-      </p:sp>
-      <p:sp>
-        <p:nvSpPr>
-          <p:cNvPr id="3" name="コンテンツ プレースホルダー 2">
-            <a:extLst>
-              <a:ext uri="{FF2B5EF4-FFF2-40B4-BE49-F238E27FC236}">
-                <a16:creationId xmlns:a16="http://schemas.microsoft.com/office/drawing/2014/main" id="{1EC2EA4F-6EBE-479E-8407-868EB623556E}"/>
-              </a:ext>
-            </a:extLst>
-          </p:cNvPr>
-          <p:cNvSpPr>
-            <a:spLocks noGrp="1"/>
-          </p:cNvSpPr>
-          <p:nvPr>
-            <p:ph sz="half" idx="1"/>
+            <a:endParaRPr lang="en-US" dirty="0"/>
+          </a:p>
+        </p:txBody>
+      </p:sp>
+      <p:sp>
+        <p:nvSpPr>
+          <p:cNvPr id="12" name="Content Placeholder 2"/>
+          <p:cNvSpPr>
+            <a:spLocks noGrp="1"/>
+          </p:cNvSpPr>
+          <p:nvPr>
+            <p:ph sz="quarter" idx="13"/>
           </p:nvPr>
         </p:nvSpPr>
         <p:spPr>
           <a:xfrm>
-            <a:off x="838200" y="1825625"/>
-            <a:ext cx="5181600" cy="4351338"/>
+            <a:off x="913774" y="2367092"/>
+            <a:ext cx="5106026" cy="3424107"/>
           </a:xfrm>
         </p:spPr>
         <p:txBody>
@@ -1395,92 +4169,87 @@
           <a:p>
             <a:pPr lvl="0"/>
             <a:r>
-              <a:rPr kumimoji="1" lang="ja-JP" altLang="en-US"/>
+              <a:rPr lang="ja-JP" altLang="en-US"/>
               <a:t>マスター テキストの書式設定</a:t>
             </a:r>
           </a:p>
           <a:p>
             <a:pPr lvl="1"/>
             <a:r>
-              <a:rPr kumimoji="1" lang="ja-JP" altLang="en-US"/>
+              <a:rPr lang="ja-JP" altLang="en-US"/>
               <a:t>第 </a:t>
             </a:r>
             <a:r>
-              <a:rPr kumimoji="1" lang="en-US" altLang="ja-JP"/>
+              <a:rPr lang="en-US" altLang="ja-JP"/>
               <a:t>2 </a:t>
             </a:r>
             <a:r>
-              <a:rPr kumimoji="1" lang="ja-JP" altLang="en-US"/>
+              <a:rPr lang="ja-JP" altLang="en-US"/>
               <a:t>レベル</a:t>
             </a:r>
           </a:p>
           <a:p>
             <a:pPr lvl="2"/>
             <a:r>
-              <a:rPr kumimoji="1" lang="ja-JP" altLang="en-US"/>
+              <a:rPr lang="ja-JP" altLang="en-US"/>
               <a:t>第 </a:t>
             </a:r>
             <a:r>
-              <a:rPr kumimoji="1" lang="en-US" altLang="ja-JP"/>
+              <a:rPr lang="en-US" altLang="ja-JP"/>
               <a:t>3 </a:t>
             </a:r>
             <a:r>
-              <a:rPr kumimoji="1" lang="ja-JP" altLang="en-US"/>
+              <a:rPr lang="ja-JP" altLang="en-US"/>
               <a:t>レベル</a:t>
             </a:r>
           </a:p>
           <a:p>
             <a:pPr lvl="3"/>
             <a:r>
-              <a:rPr kumimoji="1" lang="ja-JP" altLang="en-US"/>
+              <a:rPr lang="ja-JP" altLang="en-US"/>
               <a:t>第 </a:t>
             </a:r>
             <a:r>
-              <a:rPr kumimoji="1" lang="en-US" altLang="ja-JP"/>
+              <a:rPr lang="en-US" altLang="ja-JP"/>
               <a:t>4 </a:t>
             </a:r>
             <a:r>
-              <a:rPr kumimoji="1" lang="ja-JP" altLang="en-US"/>
+              <a:rPr lang="ja-JP" altLang="en-US"/>
               <a:t>レベル</a:t>
             </a:r>
           </a:p>
           <a:p>
             <a:pPr lvl="4"/>
             <a:r>
-              <a:rPr kumimoji="1" lang="ja-JP" altLang="en-US"/>
+              <a:rPr lang="ja-JP" altLang="en-US"/>
               <a:t>第 </a:t>
             </a:r>
             <a:r>
-              <a:rPr kumimoji="1" lang="en-US" altLang="ja-JP"/>
+              <a:rPr lang="en-US" altLang="ja-JP"/>
               <a:t>5 </a:t>
             </a:r>
             <a:r>
-              <a:rPr kumimoji="1" lang="ja-JP" altLang="en-US"/>
+              <a:rPr lang="ja-JP" altLang="en-US"/>
               <a:t>レベル</a:t>
             </a:r>
-          </a:p>
-        </p:txBody>
-      </p:sp>
-      <p:sp>
-        <p:nvSpPr>
-          <p:cNvPr id="4" name="コンテンツ プレースホルダー 3">
-            <a:extLst>
-              <a:ext uri="{FF2B5EF4-FFF2-40B4-BE49-F238E27FC236}">
-                <a16:creationId xmlns:a16="http://schemas.microsoft.com/office/drawing/2014/main" id="{C5C36486-9C13-4BEC-8FCF-E90D19994C44}"/>
-              </a:ext>
-            </a:extLst>
-          </p:cNvPr>
-          <p:cNvSpPr>
-            <a:spLocks noGrp="1"/>
-          </p:cNvSpPr>
-          <p:nvPr>
-            <p:ph sz="half" idx="2"/>
+            <a:endParaRPr lang="en-US" dirty="0"/>
+          </a:p>
+        </p:txBody>
+      </p:sp>
+      <p:sp>
+        <p:nvSpPr>
+          <p:cNvPr id="13" name="Content Placeholder 3"/>
+          <p:cNvSpPr>
+            <a:spLocks noGrp="1"/>
+          </p:cNvSpPr>
+          <p:nvPr>
+            <p:ph sz="quarter" idx="14"/>
           </p:nvPr>
         </p:nvSpPr>
         <p:spPr>
           <a:xfrm>
-            <a:off x="6172200" y="1825625"/>
-            <a:ext cx="5181600" cy="4351338"/>
+            <a:off x="6172200" y="2367092"/>
+            <a:ext cx="5105400" cy="3424107"/>
           </a:xfrm>
         </p:spPr>
         <p:txBody>
@@ -1489,81 +4258,76 @@
           <a:p>
             <a:pPr lvl="0"/>
             <a:r>
-              <a:rPr kumimoji="1" lang="ja-JP" altLang="en-US"/>
+              <a:rPr lang="ja-JP" altLang="en-US"/>
               <a:t>マスター テキストの書式設定</a:t>
             </a:r>
           </a:p>
           <a:p>
             <a:pPr lvl="1"/>
             <a:r>
-              <a:rPr kumimoji="1" lang="ja-JP" altLang="en-US"/>
+              <a:rPr lang="ja-JP" altLang="en-US"/>
               <a:t>第 </a:t>
             </a:r>
             <a:r>
-              <a:rPr kumimoji="1" lang="en-US" altLang="ja-JP"/>
+              <a:rPr lang="en-US" altLang="ja-JP"/>
               <a:t>2 </a:t>
             </a:r>
             <a:r>
-              <a:rPr kumimoji="1" lang="ja-JP" altLang="en-US"/>
+              <a:rPr lang="ja-JP" altLang="en-US"/>
               <a:t>レベル</a:t>
             </a:r>
           </a:p>
           <a:p>
             <a:pPr lvl="2"/>
             <a:r>
-              <a:rPr kumimoji="1" lang="ja-JP" altLang="en-US"/>
+              <a:rPr lang="ja-JP" altLang="en-US"/>
               <a:t>第 </a:t>
             </a:r>
             <a:r>
-              <a:rPr kumimoji="1" lang="en-US" altLang="ja-JP"/>
+              <a:rPr lang="en-US" altLang="ja-JP"/>
               <a:t>3 </a:t>
             </a:r>
             <a:r>
-              <a:rPr kumimoji="1" lang="ja-JP" altLang="en-US"/>
+              <a:rPr lang="ja-JP" altLang="en-US"/>
               <a:t>レベル</a:t>
             </a:r>
           </a:p>
           <a:p>
             <a:pPr lvl="3"/>
             <a:r>
-              <a:rPr kumimoji="1" lang="ja-JP" altLang="en-US"/>
+              <a:rPr lang="ja-JP" altLang="en-US"/>
               <a:t>第 </a:t>
             </a:r>
             <a:r>
-              <a:rPr kumimoji="1" lang="en-US" altLang="ja-JP"/>
+              <a:rPr lang="en-US" altLang="ja-JP"/>
               <a:t>4 </a:t>
             </a:r>
             <a:r>
-              <a:rPr kumimoji="1" lang="ja-JP" altLang="en-US"/>
+              <a:rPr lang="ja-JP" altLang="en-US"/>
               <a:t>レベル</a:t>
             </a:r>
           </a:p>
           <a:p>
             <a:pPr lvl="4"/>
             <a:r>
-              <a:rPr kumimoji="1" lang="ja-JP" altLang="en-US"/>
+              <a:rPr lang="ja-JP" altLang="en-US"/>
               <a:t>第 </a:t>
             </a:r>
             <a:r>
-              <a:rPr kumimoji="1" lang="en-US" altLang="ja-JP"/>
+              <a:rPr lang="en-US" altLang="ja-JP"/>
               <a:t>5 </a:t>
             </a:r>
             <a:r>
-              <a:rPr kumimoji="1" lang="ja-JP" altLang="en-US"/>
+              <a:rPr lang="ja-JP" altLang="en-US"/>
               <a:t>レベル</a:t>
             </a:r>
-          </a:p>
-        </p:txBody>
-      </p:sp>
-      <p:sp>
-        <p:nvSpPr>
-          <p:cNvPr id="5" name="日付プレースホルダー 4">
-            <a:extLst>
-              <a:ext uri="{FF2B5EF4-FFF2-40B4-BE49-F238E27FC236}">
-                <a16:creationId xmlns:a16="http://schemas.microsoft.com/office/drawing/2014/main" id="{F64BFAEC-CFD5-4E34-82D1-5A4E48D60ADA}"/>
-              </a:ext>
-            </a:extLst>
-          </p:cNvPr>
+            <a:endParaRPr lang="en-US" dirty="0"/>
+          </a:p>
+        </p:txBody>
+      </p:sp>
+      <p:sp>
+        <p:nvSpPr>
+          <p:cNvPr id="5" name="Date Placeholder 4"/>
           <p:cNvSpPr>
             <a:spLocks noGrp="1"/>
           </p:cNvSpPr>
@@ -1586,13 +4350,7 @@
       </p:sp>
       <p:sp>
         <p:nvSpPr>
-          <p:cNvPr id="6" name="フッター プレースホルダー 5">
-            <a:extLst>
-              <a:ext uri="{FF2B5EF4-FFF2-40B4-BE49-F238E27FC236}">
-                <a16:creationId xmlns:a16="http://schemas.microsoft.com/office/drawing/2014/main" id="{011D1FB9-8429-4120-9525-3D2A4415092A}"/>
-              </a:ext>
-            </a:extLst>
-          </p:cNvPr>
+          <p:cNvPr id="6" name="Footer Placeholder 5"/>
           <p:cNvSpPr>
             <a:spLocks noGrp="1"/>
           </p:cNvSpPr>
@@ -1611,13 +4369,7 @@
       </p:sp>
       <p:sp>
         <p:nvSpPr>
-          <p:cNvPr id="7" name="スライド番号プレースホルダー 6">
-            <a:extLst>
-              <a:ext uri="{FF2B5EF4-FFF2-40B4-BE49-F238E27FC236}">
-                <a16:creationId xmlns:a16="http://schemas.microsoft.com/office/drawing/2014/main" id="{976F1860-A9C3-4DE5-AFB0-ADFD2B29813C}"/>
-              </a:ext>
-            </a:extLst>
-          </p:cNvPr>
+          <p:cNvPr id="7" name="Slide Number Placeholder 6"/>
           <p:cNvSpPr>
             <a:spLocks noGrp="1"/>
           </p:cNvSpPr>
@@ -1641,7 +4393,7 @@
     </p:spTree>
     <p:extLst>
       <p:ext uri="{BB962C8B-B14F-4D97-AF65-F5344CB8AC3E}">
-        <p14:creationId xmlns:p14="http://schemas.microsoft.com/office/powerpoint/2010/main" val="3605506185"/>
+        <p14:creationId xmlns:p14="http://schemas.microsoft.com/office/powerpoint/2010/main" val="786196490"/>
       </p:ext>
     </p:extLst>
   </p:cSld>
@@ -1668,26 +4420,50 @@
           <a:chExt cx="0" cy="0"/>
         </a:xfrm>
       </p:grpSpPr>
-      <p:sp>
-        <p:nvSpPr>
-          <p:cNvPr id="2" name="タイトル 1">
+      <p:pic>
+        <p:nvPicPr>
+          <p:cNvPr id="15" name="Picture 14" descr="Droplets-HD-Content-R1d.png"/>
+          <p:cNvPicPr>
+            <a:picLocks noChangeAspect="1"/>
+          </p:cNvPicPr>
+          <p:nvPr/>
+        </p:nvPicPr>
+        <p:blipFill>
+          <a:blip r:embed="rId2">
             <a:extLst>
-              <a:ext uri="{FF2B5EF4-FFF2-40B4-BE49-F238E27FC236}">
-                <a16:creationId xmlns:a16="http://schemas.microsoft.com/office/drawing/2014/main" id="{6B489C97-7A09-4E1E-BA72-183C66785315}"/>
+              <a:ext uri="{28A0092B-C50C-407E-A947-70E740481C1C}">
+                <a14:useLocalDpi xmlns:a14="http://schemas.microsoft.com/office/drawing/2010/main" val="0"/>
               </a:ext>
             </a:extLst>
-          </p:cNvPr>
-          <p:cNvSpPr>
-            <a:spLocks noGrp="1"/>
-          </p:cNvSpPr>
-          <p:nvPr>
-            <p:ph type="title"/>
-          </p:nvPr>
-        </p:nvSpPr>
+          </a:blip>
+          <a:stretch>
+            <a:fillRect/>
+          </a:stretch>
+        </p:blipFill>
         <p:spPr>
           <a:xfrm>
-            <a:off x="839788" y="365125"/>
-            <a:ext cx="10515600" cy="1325563"/>
+            <a:off x="0" y="0"/>
+            <a:ext cx="12192000" cy="6858000"/>
+          </a:xfrm>
+          <a:prstGeom prst="rect">
+            <a:avLst/>
+          </a:prstGeom>
+        </p:spPr>
+      </p:pic>
+      <p:sp>
+        <p:nvSpPr>
+          <p:cNvPr id="14" name="Title 1"/>
+          <p:cNvSpPr>
+            <a:spLocks noGrp="1"/>
+          </p:cNvSpPr>
+          <p:nvPr>
+            <p:ph type="title"/>
+          </p:nvPr>
+        </p:nvSpPr>
+        <p:spPr>
+          <a:xfrm>
+            <a:off x="913775" y="618517"/>
+            <a:ext cx="10364451" cy="1596177"/>
           </a:xfrm>
         </p:spPr>
         <p:txBody>
@@ -1695,21 +4471,16 @@
           <a:lstStyle/>
           <a:p>
             <a:r>
-              <a:rPr kumimoji="1" lang="ja-JP" altLang="en-US"/>
+              <a:rPr lang="ja-JP" altLang="en-US"/>
               <a:t>マスター タイトルの書式設定</a:t>
             </a:r>
-          </a:p>
-        </p:txBody>
-      </p:sp>
-      <p:sp>
-        <p:nvSpPr>
-          <p:cNvPr id="3" name="テキスト プレースホルダー 2">
-            <a:extLst>
-              <a:ext uri="{FF2B5EF4-FFF2-40B4-BE49-F238E27FC236}">
-                <a16:creationId xmlns:a16="http://schemas.microsoft.com/office/drawing/2014/main" id="{99797025-391F-4806-B2A4-CD33C2EE1F2D}"/>
-              </a:ext>
-            </a:extLst>
-          </p:cNvPr>
+            <a:endParaRPr lang="en-US" dirty="0"/>
+          </a:p>
+        </p:txBody>
+      </p:sp>
+      <p:sp>
+        <p:nvSpPr>
+          <p:cNvPr id="3" name="Text Placeholder 2"/>
           <p:cNvSpPr>
             <a:spLocks noGrp="1"/>
           </p:cNvSpPr>
@@ -1719,16 +4490,25 @@
         </p:nvSpPr>
         <p:spPr>
           <a:xfrm>
-            <a:off x="839788" y="1681163"/>
-            <a:ext cx="5157787" cy="823912"/>
+            <a:off x="1146328" y="2371018"/>
+            <a:ext cx="4873474" cy="679994"/>
           </a:xfrm>
         </p:spPr>
         <p:txBody>
-          <a:bodyPr anchor="b"/>
+          <a:bodyPr anchor="b">
+            <a:noAutofit/>
+          </a:bodyPr>
           <a:lstStyle>
             <a:lvl1pPr marL="0" indent="0">
-              <a:buNone/>
-              <a:defRPr sz="2400" b="1"/>
+              <a:lnSpc>
+                <a:spcPct val="85000"/>
+              </a:lnSpc>
+              <a:buNone/>
+              <a:defRPr sz="2600" b="0">
+                <a:solidFill>
+                  <a:schemeClr val="tx1"/>
+                </a:solidFill>
+              </a:defRPr>
             </a:lvl1pPr>
             <a:lvl2pPr marL="457200" indent="0">
               <a:buNone/>
@@ -1766,7 +4546,7 @@
           <a:p>
             <a:pPr lvl="0"/>
             <a:r>
-              <a:rPr kumimoji="1" lang="ja-JP" altLang="en-US"/>
+              <a:rPr lang="ja-JP" altLang="en-US"/>
               <a:t>マスター テキストの書式設定</a:t>
             </a:r>
           </a:p>
@@ -1774,24 +4554,18 @@
       </p:sp>
       <p:sp>
         <p:nvSpPr>
-          <p:cNvPr id="4" name="コンテンツ プレースホルダー 3">
-            <a:extLst>
-              <a:ext uri="{FF2B5EF4-FFF2-40B4-BE49-F238E27FC236}">
-                <a16:creationId xmlns:a16="http://schemas.microsoft.com/office/drawing/2014/main" id="{89D4EE2D-70DA-4D1B-898E-CD991E465CF6}"/>
-              </a:ext>
-            </a:extLst>
-          </p:cNvPr>
-          <p:cNvSpPr>
-            <a:spLocks noGrp="1"/>
-          </p:cNvSpPr>
-          <p:nvPr>
-            <p:ph sz="half" idx="2"/>
+          <p:cNvPr id="12" name="Content Placeholder 3"/>
+          <p:cNvSpPr>
+            <a:spLocks noGrp="1"/>
+          </p:cNvSpPr>
+          <p:nvPr>
+            <p:ph sz="quarter" idx="13"/>
           </p:nvPr>
         </p:nvSpPr>
         <p:spPr>
           <a:xfrm>
-            <a:off x="839788" y="2505075"/>
-            <a:ext cx="5157787" cy="3684588"/>
+            <a:off x="913774" y="3051012"/>
+            <a:ext cx="5106027" cy="2740187"/>
           </a:xfrm>
         </p:spPr>
         <p:txBody>
@@ -1800,81 +4574,76 @@
           <a:p>
             <a:pPr lvl="0"/>
             <a:r>
-              <a:rPr kumimoji="1" lang="ja-JP" altLang="en-US"/>
+              <a:rPr lang="ja-JP" altLang="en-US"/>
               <a:t>マスター テキストの書式設定</a:t>
             </a:r>
           </a:p>
           <a:p>
             <a:pPr lvl="1"/>
             <a:r>
-              <a:rPr kumimoji="1" lang="ja-JP" altLang="en-US"/>
+              <a:rPr lang="ja-JP" altLang="en-US"/>
               <a:t>第 </a:t>
             </a:r>
             <a:r>
-              <a:rPr kumimoji="1" lang="en-US" altLang="ja-JP"/>
+              <a:rPr lang="en-US" altLang="ja-JP"/>
               <a:t>2 </a:t>
             </a:r>
             <a:r>
-              <a:rPr kumimoji="1" lang="ja-JP" altLang="en-US"/>
+              <a:rPr lang="ja-JP" altLang="en-US"/>
               <a:t>レベル</a:t>
             </a:r>
           </a:p>
           <a:p>
             <a:pPr lvl="2"/>
             <a:r>
-              <a:rPr kumimoji="1" lang="ja-JP" altLang="en-US"/>
+              <a:rPr lang="ja-JP" altLang="en-US"/>
               <a:t>第 </a:t>
             </a:r>
             <a:r>
-              <a:rPr kumimoji="1" lang="en-US" altLang="ja-JP"/>
+              <a:rPr lang="en-US" altLang="ja-JP"/>
               <a:t>3 </a:t>
             </a:r>
             <a:r>
-              <a:rPr kumimoji="1" lang="ja-JP" altLang="en-US"/>
+              <a:rPr lang="ja-JP" altLang="en-US"/>
               <a:t>レベル</a:t>
             </a:r>
           </a:p>
           <a:p>
             <a:pPr lvl="3"/>
             <a:r>
-              <a:rPr kumimoji="1" lang="ja-JP" altLang="en-US"/>
+              <a:rPr lang="ja-JP" altLang="en-US"/>
               <a:t>第 </a:t>
             </a:r>
             <a:r>
-              <a:rPr kumimoji="1" lang="en-US" altLang="ja-JP"/>
+              <a:rPr lang="en-US" altLang="ja-JP"/>
               <a:t>4 </a:t>
             </a:r>
             <a:r>
-              <a:rPr kumimoji="1" lang="ja-JP" altLang="en-US"/>
+              <a:rPr lang="ja-JP" altLang="en-US"/>
               <a:t>レベル</a:t>
             </a:r>
           </a:p>
           <a:p>
             <a:pPr lvl="4"/>
             <a:r>
-              <a:rPr kumimoji="1" lang="ja-JP" altLang="en-US"/>
+              <a:rPr lang="ja-JP" altLang="en-US"/>
               <a:t>第 </a:t>
             </a:r>
             <a:r>
-              <a:rPr kumimoji="1" lang="en-US" altLang="ja-JP"/>
+              <a:rPr lang="en-US" altLang="ja-JP"/>
               <a:t>5 </a:t>
             </a:r>
             <a:r>
-              <a:rPr kumimoji="1" lang="ja-JP" altLang="en-US"/>
+              <a:rPr lang="ja-JP" altLang="en-US"/>
               <a:t>レベル</a:t>
             </a:r>
-          </a:p>
-        </p:txBody>
-      </p:sp>
-      <p:sp>
-        <p:nvSpPr>
-          <p:cNvPr id="5" name="テキスト プレースホルダー 4">
-            <a:extLst>
-              <a:ext uri="{FF2B5EF4-FFF2-40B4-BE49-F238E27FC236}">
-                <a16:creationId xmlns:a16="http://schemas.microsoft.com/office/drawing/2014/main" id="{1CFF9523-B21F-4CD8-8673-F0AA533C5D94}"/>
-              </a:ext>
-            </a:extLst>
-          </p:cNvPr>
+            <a:endParaRPr lang="en-US" dirty="0"/>
+          </a:p>
+        </p:txBody>
+      </p:sp>
+      <p:sp>
+        <p:nvSpPr>
+          <p:cNvPr id="5" name="Text Placeholder 4"/>
           <p:cNvSpPr>
             <a:spLocks noGrp="1"/>
           </p:cNvSpPr>
@@ -1884,16 +4653,25 @@
         </p:nvSpPr>
         <p:spPr>
           <a:xfrm>
-            <a:off x="6172200" y="1681163"/>
-            <a:ext cx="5183188" cy="823912"/>
+            <a:off x="6396423" y="2371018"/>
+            <a:ext cx="4881804" cy="679994"/>
           </a:xfrm>
         </p:spPr>
         <p:txBody>
-          <a:bodyPr anchor="b"/>
+          <a:bodyPr anchor="b">
+            <a:noAutofit/>
+          </a:bodyPr>
           <a:lstStyle>
             <a:lvl1pPr marL="0" indent="0">
-              <a:buNone/>
-              <a:defRPr sz="2400" b="1"/>
+              <a:lnSpc>
+                <a:spcPct val="85000"/>
+              </a:lnSpc>
+              <a:buNone/>
+              <a:defRPr sz="2600" b="0">
+                <a:solidFill>
+                  <a:schemeClr val="tx1"/>
+                </a:solidFill>
+              </a:defRPr>
             </a:lvl1pPr>
             <a:lvl2pPr marL="457200" indent="0">
               <a:buNone/>
@@ -1931,7 +4709,7 @@
           <a:p>
             <a:pPr lvl="0"/>
             <a:r>
-              <a:rPr kumimoji="1" lang="ja-JP" altLang="en-US"/>
+              <a:rPr lang="ja-JP" altLang="en-US"/>
               <a:t>マスター テキストの書式設定</a:t>
             </a:r>
           </a:p>
@@ -1939,24 +4717,18 @@
       </p:sp>
       <p:sp>
         <p:nvSpPr>
-          <p:cNvPr id="6" name="コンテンツ プレースホルダー 5">
-            <a:extLst>
-              <a:ext uri="{FF2B5EF4-FFF2-40B4-BE49-F238E27FC236}">
-                <a16:creationId xmlns:a16="http://schemas.microsoft.com/office/drawing/2014/main" id="{37771FB4-8AEE-47AC-B105-3F5F2C684A3A}"/>
-              </a:ext>
-            </a:extLst>
-          </p:cNvPr>
-          <p:cNvSpPr>
-            <a:spLocks noGrp="1"/>
-          </p:cNvSpPr>
-          <p:nvPr>
-            <p:ph sz="quarter" idx="4"/>
+          <p:cNvPr id="13" name="Content Placeholder 5"/>
+          <p:cNvSpPr>
+            <a:spLocks noGrp="1"/>
+          </p:cNvSpPr>
+          <p:nvPr>
+            <p:ph sz="quarter" idx="14"/>
           </p:nvPr>
         </p:nvSpPr>
         <p:spPr>
           <a:xfrm>
-            <a:off x="6172200" y="2505075"/>
-            <a:ext cx="5183188" cy="3684588"/>
+            <a:off x="6172200" y="3051012"/>
+            <a:ext cx="5105401" cy="2740187"/>
           </a:xfrm>
         </p:spPr>
         <p:txBody>
@@ -1965,81 +4737,76 @@
           <a:p>
             <a:pPr lvl="0"/>
             <a:r>
-              <a:rPr kumimoji="1" lang="ja-JP" altLang="en-US"/>
+              <a:rPr lang="ja-JP" altLang="en-US"/>
               <a:t>マスター テキストの書式設定</a:t>
             </a:r>
           </a:p>
           <a:p>
             <a:pPr lvl="1"/>
             <a:r>
-              <a:rPr kumimoji="1" lang="ja-JP" altLang="en-US"/>
+              <a:rPr lang="ja-JP" altLang="en-US"/>
               <a:t>第 </a:t>
             </a:r>
             <a:r>
-              <a:rPr kumimoji="1" lang="en-US" altLang="ja-JP"/>
+              <a:rPr lang="en-US" altLang="ja-JP"/>
               <a:t>2 </a:t>
             </a:r>
             <a:r>
-              <a:rPr kumimoji="1" lang="ja-JP" altLang="en-US"/>
+              <a:rPr lang="ja-JP" altLang="en-US"/>
               <a:t>レベル</a:t>
             </a:r>
           </a:p>
           <a:p>
             <a:pPr lvl="2"/>
             <a:r>
-              <a:rPr kumimoji="1" lang="ja-JP" altLang="en-US"/>
+              <a:rPr lang="ja-JP" altLang="en-US"/>
               <a:t>第 </a:t>
             </a:r>
             <a:r>
-              <a:rPr kumimoji="1" lang="en-US" altLang="ja-JP"/>
+              <a:rPr lang="en-US" altLang="ja-JP"/>
               <a:t>3 </a:t>
             </a:r>
             <a:r>
-              <a:rPr kumimoji="1" lang="ja-JP" altLang="en-US"/>
+              <a:rPr lang="ja-JP" altLang="en-US"/>
               <a:t>レベル</a:t>
             </a:r>
           </a:p>
           <a:p>
             <a:pPr lvl="3"/>
             <a:r>
-              <a:rPr kumimoji="1" lang="ja-JP" altLang="en-US"/>
+              <a:rPr lang="ja-JP" altLang="en-US"/>
               <a:t>第 </a:t>
             </a:r>
             <a:r>
-              <a:rPr kumimoji="1" lang="en-US" altLang="ja-JP"/>
+              <a:rPr lang="en-US" altLang="ja-JP"/>
               <a:t>4 </a:t>
             </a:r>
             <a:r>
-              <a:rPr kumimoji="1" lang="ja-JP" altLang="en-US"/>
+              <a:rPr lang="ja-JP" altLang="en-US"/>
               <a:t>レベル</a:t>
             </a:r>
           </a:p>
           <a:p>
             <a:pPr lvl="4"/>
             <a:r>
-              <a:rPr kumimoji="1" lang="ja-JP" altLang="en-US"/>
+              <a:rPr lang="ja-JP" altLang="en-US"/>
               <a:t>第 </a:t>
             </a:r>
             <a:r>
-              <a:rPr kumimoji="1" lang="en-US" altLang="ja-JP"/>
+              <a:rPr lang="en-US" altLang="ja-JP"/>
               <a:t>5 </a:t>
             </a:r>
             <a:r>
-              <a:rPr kumimoji="1" lang="ja-JP" altLang="en-US"/>
+              <a:rPr lang="ja-JP" altLang="en-US"/>
               <a:t>レベル</a:t>
             </a:r>
-          </a:p>
-        </p:txBody>
-      </p:sp>
-      <p:sp>
-        <p:nvSpPr>
-          <p:cNvPr id="7" name="日付プレースホルダー 6">
-            <a:extLst>
-              <a:ext uri="{FF2B5EF4-FFF2-40B4-BE49-F238E27FC236}">
-                <a16:creationId xmlns:a16="http://schemas.microsoft.com/office/drawing/2014/main" id="{731FBDBE-6CE1-4B11-AA65-F963CB667320}"/>
-              </a:ext>
-            </a:extLst>
-          </p:cNvPr>
+            <a:endParaRPr lang="en-US" dirty="0"/>
+          </a:p>
+        </p:txBody>
+      </p:sp>
+      <p:sp>
+        <p:nvSpPr>
+          <p:cNvPr id="7" name="Date Placeholder 6"/>
           <p:cNvSpPr>
             <a:spLocks noGrp="1"/>
           </p:cNvSpPr>
@@ -2062,13 +4829,7 @@
       </p:sp>
       <p:sp>
         <p:nvSpPr>
-          <p:cNvPr id="8" name="フッター プレースホルダー 7">
-            <a:extLst>
-              <a:ext uri="{FF2B5EF4-FFF2-40B4-BE49-F238E27FC236}">
-                <a16:creationId xmlns:a16="http://schemas.microsoft.com/office/drawing/2014/main" id="{3A8D45CE-43EE-4181-8E99-6F03739FC06C}"/>
-              </a:ext>
-            </a:extLst>
-          </p:cNvPr>
+          <p:cNvPr id="8" name="Footer Placeholder 7"/>
           <p:cNvSpPr>
             <a:spLocks noGrp="1"/>
           </p:cNvSpPr>
@@ -2087,13 +4848,7 @@
       </p:sp>
       <p:sp>
         <p:nvSpPr>
-          <p:cNvPr id="9" name="スライド番号プレースホルダー 8">
-            <a:extLst>
-              <a:ext uri="{FF2B5EF4-FFF2-40B4-BE49-F238E27FC236}">
-                <a16:creationId xmlns:a16="http://schemas.microsoft.com/office/drawing/2014/main" id="{768F4DB5-0FF5-4539-9170-6F94DA9FA164}"/>
-              </a:ext>
-            </a:extLst>
-          </p:cNvPr>
+          <p:cNvPr id="9" name="Slide Number Placeholder 8"/>
           <p:cNvSpPr>
             <a:spLocks noGrp="1"/>
           </p:cNvSpPr>
@@ -2117,7 +4872,7 @@
     </p:spTree>
     <p:extLst>
       <p:ext uri="{BB962C8B-B14F-4D97-AF65-F5344CB8AC3E}">
-        <p14:creationId xmlns:p14="http://schemas.microsoft.com/office/powerpoint/2010/main" val="2987406315"/>
+        <p14:creationId xmlns:p14="http://schemas.microsoft.com/office/powerpoint/2010/main" val="3079553888"/>
       </p:ext>
     </p:extLst>
   </p:cSld>
@@ -2144,15 +4899,39 @@
           <a:chExt cx="0" cy="0"/>
         </a:xfrm>
       </p:grpSpPr>
-      <p:sp>
-        <p:nvSpPr>
-          <p:cNvPr id="2" name="タイトル 1">
+      <p:pic>
+        <p:nvPicPr>
+          <p:cNvPr id="8" name="Picture 7" descr="Droplets-HD-Content-R1d.png"/>
+          <p:cNvPicPr>
+            <a:picLocks noChangeAspect="1"/>
+          </p:cNvPicPr>
+          <p:nvPr/>
+        </p:nvPicPr>
+        <p:blipFill>
+          <a:blip r:embed="rId2">
             <a:extLst>
-              <a:ext uri="{FF2B5EF4-FFF2-40B4-BE49-F238E27FC236}">
-                <a16:creationId xmlns:a16="http://schemas.microsoft.com/office/drawing/2014/main" id="{F072A4CD-B4A2-426B-9C40-F3BEC5D58F87}"/>
+              <a:ext uri="{28A0092B-C50C-407E-A947-70E740481C1C}">
+                <a14:useLocalDpi xmlns:a14="http://schemas.microsoft.com/office/drawing/2010/main" val="0"/>
               </a:ext>
             </a:extLst>
-          </p:cNvPr>
+          </a:blip>
+          <a:stretch>
+            <a:fillRect/>
+          </a:stretch>
+        </p:blipFill>
+        <p:spPr>
+          <a:xfrm>
+            <a:off x="0" y="0"/>
+            <a:ext cx="12192000" cy="6858000"/>
+          </a:xfrm>
+          <a:prstGeom prst="rect">
+            <a:avLst/>
+          </a:prstGeom>
+        </p:spPr>
+      </p:pic>
+      <p:sp>
+        <p:nvSpPr>
+          <p:cNvPr id="2" name="Title 1"/>
           <p:cNvSpPr>
             <a:spLocks noGrp="1"/>
           </p:cNvSpPr>
@@ -2166,21 +4945,16 @@
           <a:lstStyle/>
           <a:p>
             <a:r>
-              <a:rPr kumimoji="1" lang="ja-JP" altLang="en-US"/>
+              <a:rPr lang="ja-JP" altLang="en-US"/>
               <a:t>マスター タイトルの書式設定</a:t>
             </a:r>
-          </a:p>
-        </p:txBody>
-      </p:sp>
-      <p:sp>
-        <p:nvSpPr>
-          <p:cNvPr id="3" name="日付プレースホルダー 2">
-            <a:extLst>
-              <a:ext uri="{FF2B5EF4-FFF2-40B4-BE49-F238E27FC236}">
-                <a16:creationId xmlns:a16="http://schemas.microsoft.com/office/drawing/2014/main" id="{BD3C0C6A-CB92-41B4-AC34-8843252237C7}"/>
-              </a:ext>
-            </a:extLst>
-          </p:cNvPr>
+            <a:endParaRPr lang="en-US" dirty="0"/>
+          </a:p>
+        </p:txBody>
+      </p:sp>
+      <p:sp>
+        <p:nvSpPr>
+          <p:cNvPr id="3" name="Date Placeholder 2"/>
           <p:cNvSpPr>
             <a:spLocks noGrp="1"/>
           </p:cNvSpPr>
@@ -2203,13 +4977,7 @@
       </p:sp>
       <p:sp>
         <p:nvSpPr>
-          <p:cNvPr id="4" name="フッター プレースホルダー 3">
-            <a:extLst>
-              <a:ext uri="{FF2B5EF4-FFF2-40B4-BE49-F238E27FC236}">
-                <a16:creationId xmlns:a16="http://schemas.microsoft.com/office/drawing/2014/main" id="{CDD944DE-8AA2-4550-8BD4-E32AB360152B}"/>
-              </a:ext>
-            </a:extLst>
-          </p:cNvPr>
+          <p:cNvPr id="4" name="Footer Placeholder 3"/>
           <p:cNvSpPr>
             <a:spLocks noGrp="1"/>
           </p:cNvSpPr>
@@ -2228,13 +4996,7 @@
       </p:sp>
       <p:sp>
         <p:nvSpPr>
-          <p:cNvPr id="5" name="スライド番号プレースホルダー 4">
-            <a:extLst>
-              <a:ext uri="{FF2B5EF4-FFF2-40B4-BE49-F238E27FC236}">
-                <a16:creationId xmlns:a16="http://schemas.microsoft.com/office/drawing/2014/main" id="{9D99FCBE-0116-4F2D-A319-678060017695}"/>
-              </a:ext>
-            </a:extLst>
-          </p:cNvPr>
+          <p:cNvPr id="5" name="Slide Number Placeholder 4"/>
           <p:cNvSpPr>
             <a:spLocks noGrp="1"/>
           </p:cNvSpPr>
@@ -2258,7 +5020,7 @@
     </p:spTree>
     <p:extLst>
       <p:ext uri="{BB962C8B-B14F-4D97-AF65-F5344CB8AC3E}">
-        <p14:creationId xmlns:p14="http://schemas.microsoft.com/office/powerpoint/2010/main" val="3452740770"/>
+        <p14:creationId xmlns:p14="http://schemas.microsoft.com/office/powerpoint/2010/main" val="2901070511"/>
       </p:ext>
     </p:extLst>
   </p:cSld>
@@ -2285,15 +5047,39 @@
           <a:chExt cx="0" cy="0"/>
         </a:xfrm>
       </p:grpSpPr>
-      <p:sp>
-        <p:nvSpPr>
-          <p:cNvPr id="2" name="日付プレースホルダー 1">
+      <p:pic>
+        <p:nvPicPr>
+          <p:cNvPr id="7" name="Picture 6" descr="Droplets-HD-Content-R1d.png"/>
+          <p:cNvPicPr>
+            <a:picLocks noChangeAspect="1"/>
+          </p:cNvPicPr>
+          <p:nvPr/>
+        </p:nvPicPr>
+        <p:blipFill>
+          <a:blip r:embed="rId2">
             <a:extLst>
-              <a:ext uri="{FF2B5EF4-FFF2-40B4-BE49-F238E27FC236}">
-                <a16:creationId xmlns:a16="http://schemas.microsoft.com/office/drawing/2014/main" id="{B1DC6622-C7C5-4AE4-9DB8-1C724FAC682E}"/>
+              <a:ext uri="{28A0092B-C50C-407E-A947-70E740481C1C}">
+                <a14:useLocalDpi xmlns:a14="http://schemas.microsoft.com/office/drawing/2010/main" val="0"/>
               </a:ext>
             </a:extLst>
-          </p:cNvPr>
+          </a:blip>
+          <a:stretch>
+            <a:fillRect/>
+          </a:stretch>
+        </p:blipFill>
+        <p:spPr>
+          <a:xfrm>
+            <a:off x="0" y="0"/>
+            <a:ext cx="12192000" cy="6858000"/>
+          </a:xfrm>
+          <a:prstGeom prst="rect">
+            <a:avLst/>
+          </a:prstGeom>
+        </p:spPr>
+      </p:pic>
+      <p:sp>
+        <p:nvSpPr>
+          <p:cNvPr id="2" name="Date Placeholder 1"/>
           <p:cNvSpPr>
             <a:spLocks noGrp="1"/>
           </p:cNvSpPr>
@@ -2316,13 +5102,7 @@
       </p:sp>
       <p:sp>
         <p:nvSpPr>
-          <p:cNvPr id="3" name="フッター プレースホルダー 2">
-            <a:extLst>
-              <a:ext uri="{FF2B5EF4-FFF2-40B4-BE49-F238E27FC236}">
-                <a16:creationId xmlns:a16="http://schemas.microsoft.com/office/drawing/2014/main" id="{BB5AC2D4-BEFB-43EC-94E0-BC1BF1FD2E79}"/>
-              </a:ext>
-            </a:extLst>
-          </p:cNvPr>
+          <p:cNvPr id="3" name="Footer Placeholder 2"/>
           <p:cNvSpPr>
             <a:spLocks noGrp="1"/>
           </p:cNvSpPr>
@@ -2341,13 +5121,7 @@
       </p:sp>
       <p:sp>
         <p:nvSpPr>
-          <p:cNvPr id="4" name="スライド番号プレースホルダー 3">
-            <a:extLst>
-              <a:ext uri="{FF2B5EF4-FFF2-40B4-BE49-F238E27FC236}">
-                <a16:creationId xmlns:a16="http://schemas.microsoft.com/office/drawing/2014/main" id="{DBA04976-6643-49BA-B9DE-F8ACAA3D8F92}"/>
-              </a:ext>
-            </a:extLst>
-          </p:cNvPr>
+          <p:cNvPr id="4" name="Slide Number Placeholder 3"/>
           <p:cNvSpPr>
             <a:spLocks noGrp="1"/>
           </p:cNvSpPr>
@@ -2371,7 +5145,7 @@
     </p:spTree>
     <p:extLst>
       <p:ext uri="{BB962C8B-B14F-4D97-AF65-F5344CB8AC3E}">
-        <p14:creationId xmlns:p14="http://schemas.microsoft.com/office/powerpoint/2010/main" val="3621771671"/>
+        <p14:creationId xmlns:p14="http://schemas.microsoft.com/office/powerpoint/2010/main" val="1885064000"/>
       </p:ext>
     </p:extLst>
   </p:cSld>
@@ -2398,174 +5172,160 @@
           <a:chExt cx="0" cy="0"/>
         </a:xfrm>
       </p:grpSpPr>
-      <p:sp>
-        <p:nvSpPr>
-          <p:cNvPr id="2" name="タイトル 1">
+      <p:pic>
+        <p:nvPicPr>
+          <p:cNvPr id="11" name="Picture 10" descr="Droplets-HD-Content-R1d.png"/>
+          <p:cNvPicPr>
+            <a:picLocks noChangeAspect="1"/>
+          </p:cNvPicPr>
+          <p:nvPr/>
+        </p:nvPicPr>
+        <p:blipFill>
+          <a:blip r:embed="rId2">
             <a:extLst>
-              <a:ext uri="{FF2B5EF4-FFF2-40B4-BE49-F238E27FC236}">
-                <a16:creationId xmlns:a16="http://schemas.microsoft.com/office/drawing/2014/main" id="{479BE528-150D-4BDF-A4CF-63CE9B616F65}"/>
+              <a:ext uri="{28A0092B-C50C-407E-A947-70E740481C1C}">
+                <a14:useLocalDpi xmlns:a14="http://schemas.microsoft.com/office/drawing/2010/main" val="0"/>
               </a:ext>
             </a:extLst>
-          </p:cNvPr>
-          <p:cNvSpPr>
-            <a:spLocks noGrp="1"/>
-          </p:cNvSpPr>
-          <p:nvPr>
-            <p:ph type="title"/>
-          </p:nvPr>
-        </p:nvSpPr>
+          </a:blip>
+          <a:stretch>
+            <a:fillRect/>
+          </a:stretch>
+        </p:blipFill>
         <p:spPr>
           <a:xfrm>
-            <a:off x="839788" y="457200"/>
-            <a:ext cx="3932237" cy="1600200"/>
+            <a:off x="0" y="0"/>
+            <a:ext cx="12192000" cy="6858000"/>
+          </a:xfrm>
+          <a:prstGeom prst="rect">
+            <a:avLst/>
+          </a:prstGeom>
+        </p:spPr>
+      </p:pic>
+      <p:sp>
+        <p:nvSpPr>
+          <p:cNvPr id="2" name="Title 1"/>
+          <p:cNvSpPr>
+            <a:spLocks noGrp="1"/>
+          </p:cNvSpPr>
+          <p:nvPr>
+            <p:ph type="title"/>
+          </p:nvPr>
+        </p:nvSpPr>
+        <p:spPr>
+          <a:xfrm>
+            <a:off x="913775" y="609600"/>
+            <a:ext cx="3935688" cy="2023252"/>
           </a:xfrm>
         </p:spPr>
         <p:txBody>
           <a:bodyPr anchor="b"/>
           <a:lstStyle>
-            <a:lvl1pPr>
+            <a:lvl1pPr algn="ctr">
               <a:defRPr sz="3200"/>
             </a:lvl1pPr>
           </a:lstStyle>
           <a:p>
             <a:r>
-              <a:rPr kumimoji="1" lang="ja-JP" altLang="en-US"/>
+              <a:rPr lang="ja-JP" altLang="en-US"/>
               <a:t>マスター タイトルの書式設定</a:t>
             </a:r>
-          </a:p>
-        </p:txBody>
-      </p:sp>
-      <p:sp>
-        <p:nvSpPr>
-          <p:cNvPr id="3" name="コンテンツ プレースホルダー 2">
-            <a:extLst>
-              <a:ext uri="{FF2B5EF4-FFF2-40B4-BE49-F238E27FC236}">
-                <a16:creationId xmlns:a16="http://schemas.microsoft.com/office/drawing/2014/main" id="{EF61B244-6670-4786-84B7-C35516554C29}"/>
-              </a:ext>
-            </a:extLst>
-          </p:cNvPr>
-          <p:cNvSpPr>
-            <a:spLocks noGrp="1"/>
-          </p:cNvSpPr>
-          <p:nvPr>
-            <p:ph idx="1"/>
+            <a:endParaRPr lang="en-US" dirty="0"/>
+          </a:p>
+        </p:txBody>
+      </p:sp>
+      <p:sp>
+        <p:nvSpPr>
+          <p:cNvPr id="10" name="Content Placeholder 2"/>
+          <p:cNvSpPr>
+            <a:spLocks noGrp="1"/>
+          </p:cNvSpPr>
+          <p:nvPr>
+            <p:ph sz="quarter" idx="13"/>
           </p:nvPr>
         </p:nvSpPr>
         <p:spPr>
           <a:xfrm>
-            <a:off x="5183188" y="987425"/>
-            <a:ext cx="6172200" cy="4873625"/>
+            <a:off x="5078062" y="609600"/>
+            <a:ext cx="6200163" cy="5181599"/>
           </a:xfrm>
         </p:spPr>
         <p:txBody>
           <a:bodyPr/>
-          <a:lstStyle>
-            <a:lvl1pPr>
-              <a:defRPr sz="3200"/>
-            </a:lvl1pPr>
-            <a:lvl2pPr>
-              <a:defRPr sz="2800"/>
-            </a:lvl2pPr>
-            <a:lvl3pPr>
-              <a:defRPr sz="2400"/>
-            </a:lvl3pPr>
-            <a:lvl4pPr>
-              <a:defRPr sz="2000"/>
-            </a:lvl4pPr>
-            <a:lvl5pPr>
-              <a:defRPr sz="2000"/>
-            </a:lvl5pPr>
-            <a:lvl6pPr>
-              <a:defRPr sz="2000"/>
-            </a:lvl6pPr>
-            <a:lvl7pPr>
-              <a:defRPr sz="2000"/>
-            </a:lvl7pPr>
-            <a:lvl8pPr>
-              <a:defRPr sz="2000"/>
-            </a:lvl8pPr>
-            <a:lvl9pPr>
-              <a:defRPr sz="2000"/>
-            </a:lvl9pPr>
-          </a:lstStyle>
+          <a:lstStyle/>
           <a:p>
             <a:pPr lvl="0"/>
             <a:r>
-              <a:rPr kumimoji="1" lang="ja-JP" altLang="en-US"/>
+              <a:rPr lang="ja-JP" altLang="en-US"/>
               <a:t>マスター テキストの書式設定</a:t>
             </a:r>
           </a:p>
           <a:p>
             <a:pPr lvl="1"/>
             <a:r>
-              <a:rPr kumimoji="1" lang="ja-JP" altLang="en-US"/>
+              <a:rPr lang="ja-JP" altLang="en-US"/>
               <a:t>第 </a:t>
             </a:r>
             <a:r>
-              <a:rPr kumimoji="1" lang="en-US" altLang="ja-JP"/>
+              <a:rPr lang="en-US" altLang="ja-JP"/>
               <a:t>2 </a:t>
             </a:r>
             <a:r>
-              <a:rPr kumimoji="1" lang="ja-JP" altLang="en-US"/>
+              <a:rPr lang="ja-JP" altLang="en-US"/>
               <a:t>レベル</a:t>
             </a:r>
           </a:p>
           <a:p>
             <a:pPr lvl="2"/>
             <a:r>
-              <a:rPr kumimoji="1" lang="ja-JP" altLang="en-US"/>
+              <a:rPr lang="ja-JP" altLang="en-US"/>
               <a:t>第 </a:t>
             </a:r>
             <a:r>
-              <a:rPr kumimoji="1" lang="en-US" altLang="ja-JP"/>
+              <a:rPr lang="en-US" altLang="ja-JP"/>
               <a:t>3 </a:t>
             </a:r>
             <a:r>
-              <a:rPr kumimoji="1" lang="ja-JP" altLang="en-US"/>
+              <a:rPr lang="ja-JP" altLang="en-US"/>
               <a:t>レベル</a:t>
             </a:r>
           </a:p>
           <a:p>
             <a:pPr lvl="3"/>
             <a:r>
-              <a:rPr kumimoji="1" lang="ja-JP" altLang="en-US"/>
+              <a:rPr lang="ja-JP" altLang="en-US"/>
               <a:t>第 </a:t>
             </a:r>
             <a:r>
-              <a:rPr kumimoji="1" lang="en-US" altLang="ja-JP"/>
+              <a:rPr lang="en-US" altLang="ja-JP"/>
               <a:t>4 </a:t>
             </a:r>
             <a:r>
-              <a:rPr kumimoji="1" lang="ja-JP" altLang="en-US"/>
+              <a:rPr lang="ja-JP" altLang="en-US"/>
               <a:t>レベル</a:t>
             </a:r>
           </a:p>
           <a:p>
             <a:pPr lvl="4"/>
             <a:r>
-              <a:rPr kumimoji="1" lang="ja-JP" altLang="en-US"/>
+              <a:rPr lang="ja-JP" altLang="en-US"/>
               <a:t>第 </a:t>
             </a:r>
             <a:r>
-              <a:rPr kumimoji="1" lang="en-US" altLang="ja-JP"/>
+              <a:rPr lang="en-US" altLang="ja-JP"/>
               <a:t>5 </a:t>
             </a:r>
             <a:r>
-              <a:rPr kumimoji="1" lang="ja-JP" altLang="en-US"/>
+              <a:rPr lang="ja-JP" altLang="en-US"/>
               <a:t>レベル</a:t>
             </a:r>
-          </a:p>
-        </p:txBody>
-      </p:sp>
-      <p:sp>
-        <p:nvSpPr>
-          <p:cNvPr id="4" name="テキスト プレースホルダー 3">
-            <a:extLst>
-              <a:ext uri="{FF2B5EF4-FFF2-40B4-BE49-F238E27FC236}">
-                <a16:creationId xmlns:a16="http://schemas.microsoft.com/office/drawing/2014/main" id="{0C57169F-AF3E-40FA-8A06-C9DEB641D7BC}"/>
-              </a:ext>
-            </a:extLst>
-          </p:cNvPr>
+            <a:endParaRPr lang="en-US" dirty="0"/>
+          </a:p>
+        </p:txBody>
+      </p:sp>
+      <p:sp>
+        <p:nvSpPr>
+          <p:cNvPr id="4" name="Text Placeholder 3"/>
           <p:cNvSpPr>
             <a:spLocks noGrp="1"/>
           </p:cNvSpPr>
@@ -2575,14 +5335,14 @@
         </p:nvSpPr>
         <p:spPr>
           <a:xfrm>
-            <a:off x="839788" y="2057400"/>
-            <a:ext cx="3932237" cy="3811588"/>
+            <a:off x="913774" y="2632852"/>
+            <a:ext cx="3935689" cy="3158348"/>
           </a:xfrm>
         </p:spPr>
         <p:txBody>
           <a:bodyPr/>
           <a:lstStyle>
-            <a:lvl1pPr marL="0" indent="0">
+            <a:lvl1pPr marL="0" indent="0" algn="ctr">
               <a:buNone/>
               <a:defRPr sz="1600"/>
             </a:lvl1pPr>
@@ -2622,7 +5382,7 @@
           <a:p>
             <a:pPr lvl="0"/>
             <a:r>
-              <a:rPr kumimoji="1" lang="ja-JP" altLang="en-US"/>
+              <a:rPr lang="ja-JP" altLang="en-US"/>
               <a:t>マスター テキストの書式設定</a:t>
             </a:r>
           </a:p>
@@ -2630,13 +5390,7 @@
       </p:sp>
       <p:sp>
         <p:nvSpPr>
-          <p:cNvPr id="5" name="日付プレースホルダー 4">
-            <a:extLst>
-              <a:ext uri="{FF2B5EF4-FFF2-40B4-BE49-F238E27FC236}">
-                <a16:creationId xmlns:a16="http://schemas.microsoft.com/office/drawing/2014/main" id="{DBA823EC-AA05-446D-9048-64D67452AA31}"/>
-              </a:ext>
-            </a:extLst>
-          </p:cNvPr>
+          <p:cNvPr id="5" name="Date Placeholder 4"/>
           <p:cNvSpPr>
             <a:spLocks noGrp="1"/>
           </p:cNvSpPr>
@@ -2659,13 +5413,7 @@
       </p:sp>
       <p:sp>
         <p:nvSpPr>
-          <p:cNvPr id="6" name="フッター プレースホルダー 5">
-            <a:extLst>
-              <a:ext uri="{FF2B5EF4-FFF2-40B4-BE49-F238E27FC236}">
-                <a16:creationId xmlns:a16="http://schemas.microsoft.com/office/drawing/2014/main" id="{9A4CA88A-F40A-4B9C-9A15-73AF76BB73D1}"/>
-              </a:ext>
-            </a:extLst>
-          </p:cNvPr>
+          <p:cNvPr id="6" name="Footer Placeholder 5"/>
           <p:cNvSpPr>
             <a:spLocks noGrp="1"/>
           </p:cNvSpPr>
@@ -2684,13 +5432,7 @@
       </p:sp>
       <p:sp>
         <p:nvSpPr>
-          <p:cNvPr id="7" name="スライド番号プレースホルダー 6">
-            <a:extLst>
-              <a:ext uri="{FF2B5EF4-FFF2-40B4-BE49-F238E27FC236}">
-                <a16:creationId xmlns:a16="http://schemas.microsoft.com/office/drawing/2014/main" id="{DFFE2204-24E5-45C2-8C8F-BA76DC30321C}"/>
-              </a:ext>
-            </a:extLst>
-          </p:cNvPr>
+          <p:cNvPr id="7" name="Slide Number Placeholder 6"/>
           <p:cNvSpPr>
             <a:spLocks noGrp="1"/>
           </p:cNvSpPr>
@@ -2714,7 +5456,7 @@
     </p:spTree>
     <p:extLst>
       <p:ext uri="{BB962C8B-B14F-4D97-AF65-F5344CB8AC3E}">
-        <p14:creationId xmlns:p14="http://schemas.microsoft.com/office/powerpoint/2010/main" val="1292941394"/>
+        <p14:creationId xmlns:p14="http://schemas.microsoft.com/office/powerpoint/2010/main" val="2909935753"/>
       </p:ext>
     </p:extLst>
   </p:cSld>
@@ -2741,54 +5483,73 @@
           <a:chExt cx="0" cy="0"/>
         </a:xfrm>
       </p:grpSpPr>
-      <p:sp>
-        <p:nvSpPr>
-          <p:cNvPr id="2" name="タイトル 1">
+      <p:pic>
+        <p:nvPicPr>
+          <p:cNvPr id="10" name="Picture 9" descr="Droplets-HD-Content-R1d.png"/>
+          <p:cNvPicPr>
+            <a:picLocks noChangeAspect="1"/>
+          </p:cNvPicPr>
+          <p:nvPr/>
+        </p:nvPicPr>
+        <p:blipFill>
+          <a:blip r:embed="rId2">
             <a:extLst>
-              <a:ext uri="{FF2B5EF4-FFF2-40B4-BE49-F238E27FC236}">
-                <a16:creationId xmlns:a16="http://schemas.microsoft.com/office/drawing/2014/main" id="{268A8A1D-4E50-4811-8280-4A46639E3CC1}"/>
+              <a:ext uri="{28A0092B-C50C-407E-A947-70E740481C1C}">
+                <a14:useLocalDpi xmlns:a14="http://schemas.microsoft.com/office/drawing/2010/main" val="0"/>
               </a:ext>
             </a:extLst>
-          </p:cNvPr>
-          <p:cNvSpPr>
-            <a:spLocks noGrp="1"/>
-          </p:cNvSpPr>
-          <p:nvPr>
-            <p:ph type="title"/>
-          </p:nvPr>
-        </p:nvSpPr>
+          </a:blip>
+          <a:stretch>
+            <a:fillRect/>
+          </a:stretch>
+        </p:blipFill>
         <p:spPr>
           <a:xfrm>
-            <a:off x="839788" y="457200"/>
-            <a:ext cx="3932237" cy="1600200"/>
+            <a:off x="0" y="0"/>
+            <a:ext cx="12192000" cy="6858000"/>
+          </a:xfrm>
+          <a:prstGeom prst="rect">
+            <a:avLst/>
+          </a:prstGeom>
+        </p:spPr>
+      </p:pic>
+      <p:sp>
+        <p:nvSpPr>
+          <p:cNvPr id="2" name="Title 1"/>
+          <p:cNvSpPr>
+            <a:spLocks noGrp="1"/>
+          </p:cNvSpPr>
+          <p:nvPr>
+            <p:ph type="title"/>
+          </p:nvPr>
+        </p:nvSpPr>
+        <p:spPr>
+          <a:xfrm>
+            <a:off x="913774" y="609600"/>
+            <a:ext cx="5934969" cy="2023254"/>
           </a:xfrm>
         </p:spPr>
         <p:txBody>
           <a:bodyPr anchor="b"/>
           <a:lstStyle>
-            <a:lvl1pPr>
+            <a:lvl1pPr algn="ctr">
               <a:defRPr sz="3200"/>
             </a:lvl1pPr>
           </a:lstStyle>
           <a:p>
             <a:r>
-              <a:rPr kumimoji="1" lang="ja-JP" altLang="en-US"/>
+              <a:rPr lang="ja-JP" altLang="en-US"/>
               <a:t>マスター タイトルの書式設定</a:t>
             </a:r>
-          </a:p>
-        </p:txBody>
-      </p:sp>
-      <p:sp>
-        <p:nvSpPr>
-          <p:cNvPr id="3" name="図プレースホルダー 2">
-            <a:extLst>
-              <a:ext uri="{FF2B5EF4-FFF2-40B4-BE49-F238E27FC236}">
-                <a16:creationId xmlns:a16="http://schemas.microsoft.com/office/drawing/2014/main" id="{B79A30F3-A02B-440D-8199-5EA8CA86DC6E}"/>
-              </a:ext>
-            </a:extLst>
-          </p:cNvPr>
-          <p:cNvSpPr>
-            <a:spLocks noGrp="1"/>
+            <a:endParaRPr lang="en-US" dirty="0"/>
+          </a:p>
+        </p:txBody>
+      </p:sp>
+      <p:sp>
+        <p:nvSpPr>
+          <p:cNvPr id="3" name="Picture Placeholder 2"/>
+          <p:cNvSpPr>
+            <a:spLocks noGrp="1" noChangeAspect="1"/>
           </p:cNvSpPr>
           <p:nvPr>
             <p:ph type="pic" idx="1"/>
@@ -2796,12 +5557,37 @@
         </p:nvSpPr>
         <p:spPr>
           <a:xfrm>
-            <a:off x="5183188" y="987425"/>
-            <a:ext cx="6172200" cy="4873625"/>
+            <a:off x="7424803" y="609601"/>
+            <a:ext cx="3255358" cy="5181600"/>
           </a:xfrm>
+          <a:prstGeom prst="roundRect">
+            <a:avLst>
+              <a:gd name="adj" fmla="val 4943"/>
+            </a:avLst>
+          </a:prstGeom>
+          <a:noFill/>
+          <a:ln w="82550" cap="sq">
+            <a:solidFill>
+              <a:srgbClr val="EAEAEA"/>
+            </a:solidFill>
+            <a:miter lim="800000"/>
+          </a:ln>
+          <a:effectLst/>
+          <a:scene3d>
+            <a:camera prst="orthographicFront"/>
+            <a:lightRig rig="threePt" dir="t">
+              <a:rot lat="0" lon="0" rev="2700000"/>
+            </a:lightRig>
+          </a:scene3d>
+          <a:sp3d contourW="6350">
+            <a:bevelT h="38100"/>
+            <a:contourClr>
+              <a:srgbClr val="C0C0C0"/>
+            </a:contourClr>
+          </a:sp3d>
         </p:spPr>
         <p:txBody>
-          <a:bodyPr/>
+          <a:bodyPr anchor="t"/>
           <a:lstStyle>
             <a:lvl1pPr marL="0" indent="0">
               <a:buNone/>
@@ -2841,19 +5627,17 @@
             </a:lvl9pPr>
           </a:lstStyle>
           <a:p>
-            <a:endParaRPr kumimoji="1" lang="ja-JP" altLang="en-US"/>
-          </a:p>
-        </p:txBody>
-      </p:sp>
-      <p:sp>
-        <p:nvSpPr>
-          <p:cNvPr id="4" name="テキスト プレースホルダー 3">
-            <a:extLst>
-              <a:ext uri="{FF2B5EF4-FFF2-40B4-BE49-F238E27FC236}">
-                <a16:creationId xmlns:a16="http://schemas.microsoft.com/office/drawing/2014/main" id="{10E93996-211E-428B-91B0-D1AA8E39736F}"/>
-              </a:ext>
-            </a:extLst>
-          </p:cNvPr>
+            <a:r>
+              <a:rPr lang="ja-JP" altLang="en-US"/>
+              <a:t>アイコンをクリックして図を追加</a:t>
+            </a:r>
+            <a:endParaRPr lang="en-US" dirty="0"/>
+          </a:p>
+        </p:txBody>
+      </p:sp>
+      <p:sp>
+        <p:nvSpPr>
+          <p:cNvPr id="4" name="Text Placeholder 3"/>
           <p:cNvSpPr>
             <a:spLocks noGrp="1"/>
           </p:cNvSpPr>
@@ -2863,14 +5647,14 @@
         </p:nvSpPr>
         <p:spPr>
           <a:xfrm>
-            <a:off x="839788" y="2057400"/>
-            <a:ext cx="3932237" cy="3811588"/>
+            <a:off x="913794" y="2632852"/>
+            <a:ext cx="5934949" cy="3158347"/>
           </a:xfrm>
         </p:spPr>
         <p:txBody>
           <a:bodyPr/>
           <a:lstStyle>
-            <a:lvl1pPr marL="0" indent="0">
+            <a:lvl1pPr marL="0" indent="0" algn="ctr">
               <a:buNone/>
               <a:defRPr sz="1600"/>
             </a:lvl1pPr>
@@ -2910,7 +5694,7 @@
           <a:p>
             <a:pPr lvl="0"/>
             <a:r>
-              <a:rPr kumimoji="1" lang="ja-JP" altLang="en-US"/>
+              <a:rPr lang="ja-JP" altLang="en-US"/>
               <a:t>マスター テキストの書式設定</a:t>
             </a:r>
           </a:p>
@@ -2918,13 +5702,7 @@
       </p:sp>
       <p:sp>
         <p:nvSpPr>
-          <p:cNvPr id="5" name="日付プレースホルダー 4">
-            <a:extLst>
-              <a:ext uri="{FF2B5EF4-FFF2-40B4-BE49-F238E27FC236}">
-                <a16:creationId xmlns:a16="http://schemas.microsoft.com/office/drawing/2014/main" id="{EEC26DCB-2B61-4433-9BE0-4C3B83E346F3}"/>
-              </a:ext>
-            </a:extLst>
-          </p:cNvPr>
+          <p:cNvPr id="5" name="Date Placeholder 4"/>
           <p:cNvSpPr>
             <a:spLocks noGrp="1"/>
           </p:cNvSpPr>
@@ -2947,13 +5725,7 @@
       </p:sp>
       <p:sp>
         <p:nvSpPr>
-          <p:cNvPr id="6" name="フッター プレースホルダー 5">
-            <a:extLst>
-              <a:ext uri="{FF2B5EF4-FFF2-40B4-BE49-F238E27FC236}">
-                <a16:creationId xmlns:a16="http://schemas.microsoft.com/office/drawing/2014/main" id="{56F03695-DF91-4CD8-9843-9F3EC01BADA9}"/>
-              </a:ext>
-            </a:extLst>
-          </p:cNvPr>
+          <p:cNvPr id="6" name="Footer Placeholder 5"/>
           <p:cNvSpPr>
             <a:spLocks noGrp="1"/>
           </p:cNvSpPr>
@@ -2972,13 +5744,7 @@
       </p:sp>
       <p:sp>
         <p:nvSpPr>
-          <p:cNvPr id="7" name="スライド番号プレースホルダー 6">
-            <a:extLst>
-              <a:ext uri="{FF2B5EF4-FFF2-40B4-BE49-F238E27FC236}">
-                <a16:creationId xmlns:a16="http://schemas.microsoft.com/office/drawing/2014/main" id="{124D6466-4A0B-438F-8509-38F1B47D908C}"/>
-              </a:ext>
-            </a:extLst>
-          </p:cNvPr>
+          <p:cNvPr id="7" name="Slide Number Placeholder 6"/>
           <p:cNvSpPr>
             <a:spLocks noGrp="1"/>
           </p:cNvSpPr>
@@ -3002,7 +5768,7 @@
     </p:spTree>
     <p:extLst>
       <p:ext uri="{BB962C8B-B14F-4D97-AF65-F5344CB8AC3E}">
-        <p14:creationId xmlns:p14="http://schemas.microsoft.com/office/powerpoint/2010/main" val="3595903330"/>
+        <p14:creationId xmlns:p14="http://schemas.microsoft.com/office/powerpoint/2010/main" val="1915044484"/>
       </p:ext>
     </p:extLst>
   </p:cSld>
@@ -3016,7 +5782,7 @@
 <p:sldMaster xmlns:a="http://schemas.openxmlformats.org/drawingml/2006/main" xmlns:r="http://schemas.openxmlformats.org/officeDocument/2006/relationships" xmlns:p="http://schemas.openxmlformats.org/presentationml/2006/main">
   <p:cSld>
     <p:bg>
-      <p:bgRef idx="1001">
+      <p:bgRef idx="1002">
         <a:schemeClr val="bg1"/>
       </p:bgRef>
     </p:bg>
@@ -3034,15 +5800,51 @@
           <a:chExt cx="0" cy="0"/>
         </a:xfrm>
       </p:grpSpPr>
-      <p:sp>
-        <p:nvSpPr>
-          <p:cNvPr id="2" name="タイトル プレースホルダー 1">
+      <p:pic>
+        <p:nvPicPr>
+          <p:cNvPr id="1026" name="Picture 2" descr="\\DROBO-FS\QuickDrops\JB\PPTX NG\Droplets\LightingOverlay.png"/>
+          <p:cNvPicPr>
+            <a:picLocks noChangeAspect="1" noChangeArrowheads="1"/>
+          </p:cNvPicPr>
+          <p:nvPr/>
+        </p:nvPicPr>
+        <p:blipFill>
+          <a:blip r:embed="rId19">
+            <a:alphaModFix/>
             <a:extLst>
-              <a:ext uri="{FF2B5EF4-FFF2-40B4-BE49-F238E27FC236}">
-                <a16:creationId xmlns:a16="http://schemas.microsoft.com/office/drawing/2014/main" id="{96CFC1E4-0808-4869-AAE7-3F52F8155BA8}"/>
+              <a:ext uri="{28A0092B-C50C-407E-A947-70E740481C1C}">
+                <a14:useLocalDpi xmlns:a14="http://schemas.microsoft.com/office/drawing/2010/main" val="0"/>
               </a:ext>
             </a:extLst>
-          </p:cNvPr>
+          </a:blip>
+          <a:srcRect/>
+          <a:stretch>
+            <a:fillRect/>
+          </a:stretch>
+        </p:blipFill>
+        <p:spPr bwMode="auto">
+          <a:xfrm>
+            <a:off x="0" y="-1"/>
+            <a:ext cx="12192003" cy="6858001"/>
+          </a:xfrm>
+          <a:prstGeom prst="rect">
+            <a:avLst/>
+          </a:prstGeom>
+          <a:noFill/>
+          <a:extLst>
+            <a:ext uri="{909E8E84-426E-40DD-AFC4-6F175D3DCCD1}">
+              <a14:hiddenFill xmlns:a14="http://schemas.microsoft.com/office/drawing/2010/main">
+                <a:solidFill>
+                  <a:srgbClr val="FFFFFF"/>
+                </a:solidFill>
+              </a14:hiddenFill>
+            </a:ext>
+          </a:extLst>
+        </p:spPr>
+      </p:pic>
+      <p:sp>
+        <p:nvSpPr>
+          <p:cNvPr id="2" name="Title Placeholder 1"/>
           <p:cNvSpPr>
             <a:spLocks noGrp="1"/>
           </p:cNvSpPr>
@@ -3052,8 +5854,8 @@
         </p:nvSpPr>
         <p:spPr>
           <a:xfrm>
-            <a:off x="838200" y="365125"/>
-            <a:ext cx="10515600" cy="1325563"/>
+            <a:off x="913775" y="618517"/>
+            <a:ext cx="10364451" cy="1596177"/>
           </a:xfrm>
           <a:prstGeom prst="rect">
             <a:avLst/>
@@ -3066,21 +5868,16 @@
           <a:lstStyle/>
           <a:p>
             <a:r>
-              <a:rPr kumimoji="1" lang="ja-JP" altLang="en-US"/>
+              <a:rPr lang="ja-JP" altLang="en-US"/>
               <a:t>マスター タイトルの書式設定</a:t>
             </a:r>
-          </a:p>
-        </p:txBody>
-      </p:sp>
-      <p:sp>
-        <p:nvSpPr>
-          <p:cNvPr id="3" name="テキスト プレースホルダー 2">
-            <a:extLst>
-              <a:ext uri="{FF2B5EF4-FFF2-40B4-BE49-F238E27FC236}">
-                <a16:creationId xmlns:a16="http://schemas.microsoft.com/office/drawing/2014/main" id="{24EBDD21-1749-41E2-B30B-987370A8F12C}"/>
-              </a:ext>
-            </a:extLst>
-          </p:cNvPr>
+            <a:endParaRPr lang="en-US" dirty="0"/>
+          </a:p>
+        </p:txBody>
+      </p:sp>
+      <p:sp>
+        <p:nvSpPr>
+          <p:cNvPr id="3" name="Text Placeholder 2"/>
           <p:cNvSpPr>
             <a:spLocks noGrp="1"/>
           </p:cNvSpPr>
@@ -3090,8 +5887,8 @@
         </p:nvSpPr>
         <p:spPr>
           <a:xfrm>
-            <a:off x="838200" y="1825625"/>
-            <a:ext cx="10515600" cy="4351338"/>
+            <a:off x="913775" y="2367093"/>
+            <a:ext cx="10364452" cy="3424107"/>
           </a:xfrm>
           <a:prstGeom prst="rect">
             <a:avLst/>
@@ -3105,81 +5902,76 @@
           <a:p>
             <a:pPr lvl="0"/>
             <a:r>
-              <a:rPr kumimoji="1" lang="ja-JP" altLang="en-US"/>
+              <a:rPr lang="ja-JP" altLang="en-US"/>
               <a:t>マスター テキストの書式設定</a:t>
             </a:r>
           </a:p>
           <a:p>
             <a:pPr lvl="1"/>
             <a:r>
-              <a:rPr kumimoji="1" lang="ja-JP" altLang="en-US"/>
+              <a:rPr lang="ja-JP" altLang="en-US"/>
               <a:t>第 </a:t>
             </a:r>
             <a:r>
-              <a:rPr kumimoji="1" lang="en-US" altLang="ja-JP"/>
+              <a:rPr lang="en-US" altLang="ja-JP"/>
               <a:t>2 </a:t>
             </a:r>
             <a:r>
-              <a:rPr kumimoji="1" lang="ja-JP" altLang="en-US"/>
+              <a:rPr lang="ja-JP" altLang="en-US"/>
               <a:t>レベル</a:t>
             </a:r>
           </a:p>
           <a:p>
             <a:pPr lvl="2"/>
             <a:r>
-              <a:rPr kumimoji="1" lang="ja-JP" altLang="en-US"/>
+              <a:rPr lang="ja-JP" altLang="en-US"/>
               <a:t>第 </a:t>
             </a:r>
             <a:r>
-              <a:rPr kumimoji="1" lang="en-US" altLang="ja-JP"/>
+              <a:rPr lang="en-US" altLang="ja-JP"/>
               <a:t>3 </a:t>
             </a:r>
             <a:r>
-              <a:rPr kumimoji="1" lang="ja-JP" altLang="en-US"/>
+              <a:rPr lang="ja-JP" altLang="en-US"/>
               <a:t>レベル</a:t>
             </a:r>
           </a:p>
           <a:p>
             <a:pPr lvl="3"/>
             <a:r>
-              <a:rPr kumimoji="1" lang="ja-JP" altLang="en-US"/>
+              <a:rPr lang="ja-JP" altLang="en-US"/>
               <a:t>第 </a:t>
             </a:r>
             <a:r>
-              <a:rPr kumimoji="1" lang="en-US" altLang="ja-JP"/>
+              <a:rPr lang="en-US" altLang="ja-JP"/>
               <a:t>4 </a:t>
             </a:r>
             <a:r>
-              <a:rPr kumimoji="1" lang="ja-JP" altLang="en-US"/>
+              <a:rPr lang="ja-JP" altLang="en-US"/>
               <a:t>レベル</a:t>
             </a:r>
           </a:p>
           <a:p>
             <a:pPr lvl="4"/>
             <a:r>
-              <a:rPr kumimoji="1" lang="ja-JP" altLang="en-US"/>
+              <a:rPr lang="ja-JP" altLang="en-US"/>
               <a:t>第 </a:t>
             </a:r>
             <a:r>
-              <a:rPr kumimoji="1" lang="en-US" altLang="ja-JP"/>
+              <a:rPr lang="en-US" altLang="ja-JP"/>
               <a:t>5 </a:t>
             </a:r>
             <a:r>
-              <a:rPr kumimoji="1" lang="ja-JP" altLang="en-US"/>
+              <a:rPr lang="ja-JP" altLang="en-US"/>
               <a:t>レベル</a:t>
             </a:r>
-          </a:p>
-        </p:txBody>
-      </p:sp>
-      <p:sp>
-        <p:nvSpPr>
-          <p:cNvPr id="4" name="日付プレースホルダー 3">
-            <a:extLst>
-              <a:ext uri="{FF2B5EF4-FFF2-40B4-BE49-F238E27FC236}">
-                <a16:creationId xmlns:a16="http://schemas.microsoft.com/office/drawing/2014/main" id="{F23D687C-3FDE-4060-A854-97236D73F63C}"/>
-              </a:ext>
-            </a:extLst>
-          </p:cNvPr>
+            <a:endParaRPr lang="en-US" dirty="0"/>
+          </a:p>
+        </p:txBody>
+      </p:sp>
+      <p:sp>
+        <p:nvSpPr>
+          <p:cNvPr id="4" name="Date Placeholder 3"/>
           <p:cNvSpPr>
             <a:spLocks noGrp="1"/>
           </p:cNvSpPr>
@@ -3189,7 +5981,7 @@
         </p:nvSpPr>
         <p:spPr>
           <a:xfrm>
-            <a:off x="838200" y="6356350"/>
+            <a:off x="7678737" y="5883275"/>
             <a:ext cx="2743200" cy="365125"/>
           </a:xfrm>
           <a:prstGeom prst="rect">
@@ -3199,12 +5991,10 @@
         <p:txBody>
           <a:bodyPr vert="horz" lIns="91440" tIns="45720" rIns="91440" bIns="45720" rtlCol="0" anchor="ctr"/>
           <a:lstStyle>
-            <a:lvl1pPr algn="l">
-              <a:defRPr sz="1200">
+            <a:lvl1pPr algn="r">
+              <a:defRPr sz="1000">
                 <a:solidFill>
-                  <a:schemeClr val="tx1">
-                    <a:tint val="75000"/>
-                  </a:schemeClr>
+                  <a:schemeClr val="tx1"/>
                 </a:solidFill>
               </a:defRPr>
             </a:lvl1pPr>
@@ -3220,13 +6010,7 @@
       </p:sp>
       <p:sp>
         <p:nvSpPr>
-          <p:cNvPr id="5" name="フッター プレースホルダー 4">
-            <a:extLst>
-              <a:ext uri="{FF2B5EF4-FFF2-40B4-BE49-F238E27FC236}">
-                <a16:creationId xmlns:a16="http://schemas.microsoft.com/office/drawing/2014/main" id="{BE686551-68EE-406A-A089-58957230DB75}"/>
-              </a:ext>
-            </a:extLst>
-          </p:cNvPr>
+          <p:cNvPr id="5" name="Footer Placeholder 4"/>
           <p:cNvSpPr>
             <a:spLocks noGrp="1"/>
           </p:cNvSpPr>
@@ -3236,8 +6020,8 @@
         </p:nvSpPr>
         <p:spPr>
           <a:xfrm>
-            <a:off x="4038600" y="6356350"/>
-            <a:ext cx="4114800" cy="365125"/>
+            <a:off x="913774" y="5883275"/>
+            <a:ext cx="6672887" cy="365125"/>
           </a:xfrm>
           <a:prstGeom prst="rect">
             <a:avLst/>
@@ -3246,12 +6030,10 @@
         <p:txBody>
           <a:bodyPr vert="horz" lIns="91440" tIns="45720" rIns="91440" bIns="45720" rtlCol="0" anchor="ctr"/>
           <a:lstStyle>
-            <a:lvl1pPr algn="ctr">
-              <a:defRPr sz="1200">
+            <a:lvl1pPr algn="l">
+              <a:defRPr sz="1000">
                 <a:solidFill>
-                  <a:schemeClr val="tx1">
-                    <a:tint val="75000"/>
-                  </a:schemeClr>
+                  <a:schemeClr val="tx1"/>
                 </a:solidFill>
               </a:defRPr>
             </a:lvl1pPr>
@@ -3263,13 +6045,7 @@
       </p:sp>
       <p:sp>
         <p:nvSpPr>
-          <p:cNvPr id="6" name="スライド番号プレースホルダー 5">
-            <a:extLst>
-              <a:ext uri="{FF2B5EF4-FFF2-40B4-BE49-F238E27FC236}">
-                <a16:creationId xmlns:a16="http://schemas.microsoft.com/office/drawing/2014/main" id="{8A6CD82B-1817-4D47-8781-844F575F3B94}"/>
-              </a:ext>
-            </a:extLst>
-          </p:cNvPr>
+          <p:cNvPr id="6" name="Slide Number Placeholder 5"/>
           <p:cNvSpPr>
             <a:spLocks noGrp="1"/>
           </p:cNvSpPr>
@@ -3279,8 +6055,8 @@
         </p:nvSpPr>
         <p:spPr>
           <a:xfrm>
-            <a:off x="8610600" y="6356350"/>
-            <a:ext cx="2743200" cy="365125"/>
+            <a:off x="10514011" y="5883275"/>
+            <a:ext cx="764215" cy="365125"/>
           </a:xfrm>
           <a:prstGeom prst="rect">
             <a:avLst/>
@@ -3290,11 +6066,9 @@
           <a:bodyPr vert="horz" lIns="91440" tIns="45720" rIns="91440" bIns="45720" rtlCol="0" anchor="ctr"/>
           <a:lstStyle>
             <a:lvl1pPr algn="r">
-              <a:defRPr sz="1200">
+              <a:defRPr sz="1000">
                 <a:solidFill>
-                  <a:schemeClr val="tx1">
-                    <a:tint val="75000"/>
-                  </a:schemeClr>
+                  <a:schemeClr val="tx1"/>
                 </a:solidFill>
               </a:defRPr>
             </a:lvl1pPr>
@@ -3311,27 +6085,33 @@
     </p:spTree>
     <p:extLst>
       <p:ext uri="{BB962C8B-B14F-4D97-AF65-F5344CB8AC3E}">
-        <p14:creationId xmlns:p14="http://schemas.microsoft.com/office/powerpoint/2010/main" val="2980724059"/>
+        <p14:creationId xmlns:p14="http://schemas.microsoft.com/office/powerpoint/2010/main" val="241790736"/>
       </p:ext>
     </p:extLst>
   </p:cSld>
   <p:clrMap bg1="lt1" tx1="dk1" bg2="lt2" tx2="dk2" accent1="accent1" accent2="accent2" accent3="accent3" accent4="accent4" accent5="accent5" accent6="accent6" hlink="hlink" folHlink="folHlink"/>
   <p:sldLayoutIdLst>
-    <p:sldLayoutId id="2147483778" r:id="rId1"/>
-    <p:sldLayoutId id="2147483779" r:id="rId2"/>
-    <p:sldLayoutId id="2147483780" r:id="rId3"/>
-    <p:sldLayoutId id="2147483781" r:id="rId4"/>
-    <p:sldLayoutId id="2147483782" r:id="rId5"/>
-    <p:sldLayoutId id="2147483783" r:id="rId6"/>
-    <p:sldLayoutId id="2147483784" r:id="rId7"/>
-    <p:sldLayoutId id="2147483785" r:id="rId8"/>
-    <p:sldLayoutId id="2147483786" r:id="rId9"/>
-    <p:sldLayoutId id="2147483787" r:id="rId10"/>
-    <p:sldLayoutId id="2147483788" r:id="rId11"/>
+    <p:sldLayoutId id="2147483912" r:id="rId1"/>
+    <p:sldLayoutId id="2147483913" r:id="rId2"/>
+    <p:sldLayoutId id="2147483914" r:id="rId3"/>
+    <p:sldLayoutId id="2147483915" r:id="rId4"/>
+    <p:sldLayoutId id="2147483916" r:id="rId5"/>
+    <p:sldLayoutId id="2147483917" r:id="rId6"/>
+    <p:sldLayoutId id="2147483918" r:id="rId7"/>
+    <p:sldLayoutId id="2147483919" r:id="rId8"/>
+    <p:sldLayoutId id="2147483920" r:id="rId9"/>
+    <p:sldLayoutId id="2147483921" r:id="rId10"/>
+    <p:sldLayoutId id="2147483922" r:id="rId11"/>
+    <p:sldLayoutId id="2147483923" r:id="rId12"/>
+    <p:sldLayoutId id="2147483924" r:id="rId13"/>
+    <p:sldLayoutId id="2147483925" r:id="rId14"/>
+    <p:sldLayoutId id="2147483926" r:id="rId15"/>
+    <p:sldLayoutId id="2147483927" r:id="rId16"/>
+    <p:sldLayoutId id="2147483928" r:id="rId17"/>
   </p:sldLayoutIdLst>
   <p:txStyles>
     <p:titleStyle>
-      <a:lvl1pPr algn="l" defTabSz="914400" rtl="0" eaLnBrk="1" latinLnBrk="0" hangingPunct="1">
+      <a:lvl1pPr algn="ctr" defTabSz="914400" rtl="0" eaLnBrk="1" latinLnBrk="0" hangingPunct="1">
         <a:lnSpc>
           <a:spcPct val="90000"/>
         </a:lnSpc>
@@ -3339,10 +6119,11 @@
           <a:spcPct val="0"/>
         </a:spcBef>
         <a:buNone/>
-        <a:defRPr kumimoji="1" sz="4400" kern="1200">
+        <a:defRPr kumimoji="1" sz="3600" kern="1200" cap="all" baseline="0">
           <a:solidFill>
             <a:schemeClr val="tx1"/>
           </a:solidFill>
+          <a:effectLst/>
           <a:latin typeface="+mj-lt"/>
           <a:ea typeface="+mj-ea"/>
           <a:cs typeface="+mj-cs"/>
@@ -3352,17 +6133,21 @@
     <p:bodyStyle>
       <a:lvl1pPr marL="228600" indent="-228600" algn="l" defTabSz="914400" rtl="0" eaLnBrk="1" latinLnBrk="0" hangingPunct="1">
         <a:lnSpc>
-          <a:spcPct val="90000"/>
+          <a:spcPct val="120000"/>
         </a:lnSpc>
         <a:spcBef>
           <a:spcPts val="1000"/>
         </a:spcBef>
+        <a:buClr>
+          <a:schemeClr val="tx1"/>
+        </a:buClr>
         <a:buFont typeface="Arial" panose="020B0604020202020204" pitchFamily="34" charset="0"/>
         <a:buChar char="•"/>
-        <a:defRPr kumimoji="1" sz="2800" kern="1200">
+        <a:defRPr kumimoji="1" sz="2000" kern="1200" cap="all" baseline="0">
           <a:solidFill>
             <a:schemeClr val="tx1"/>
           </a:solidFill>
+          <a:effectLst/>
           <a:latin typeface="+mn-lt"/>
           <a:ea typeface="+mn-ea"/>
           <a:cs typeface="+mn-cs"/>
@@ -3370,17 +6155,21 @@
       </a:lvl1pPr>
       <a:lvl2pPr marL="685800" indent="-228600" algn="l" defTabSz="914400" rtl="0" eaLnBrk="1" latinLnBrk="0" hangingPunct="1">
         <a:lnSpc>
-          <a:spcPct val="90000"/>
+          <a:spcPct val="120000"/>
         </a:lnSpc>
         <a:spcBef>
           <a:spcPts val="500"/>
         </a:spcBef>
+        <a:buClr>
+          <a:schemeClr val="tx1"/>
+        </a:buClr>
         <a:buFont typeface="Arial" panose="020B0604020202020204" pitchFamily="34" charset="0"/>
         <a:buChar char="•"/>
-        <a:defRPr kumimoji="1" sz="2400" kern="1200">
+        <a:defRPr kumimoji="1" sz="1800" kern="1200" cap="all" baseline="0">
           <a:solidFill>
             <a:schemeClr val="tx1"/>
           </a:solidFill>
+          <a:effectLst/>
           <a:latin typeface="+mn-lt"/>
           <a:ea typeface="+mn-ea"/>
           <a:cs typeface="+mn-cs"/>
@@ -3388,17 +6177,21 @@
       </a:lvl2pPr>
       <a:lvl3pPr marL="1143000" indent="-228600" algn="l" defTabSz="914400" rtl="0" eaLnBrk="1" latinLnBrk="0" hangingPunct="1">
         <a:lnSpc>
-          <a:spcPct val="90000"/>
+          <a:spcPct val="120000"/>
         </a:lnSpc>
         <a:spcBef>
           <a:spcPts val="500"/>
         </a:spcBef>
+        <a:buClr>
+          <a:schemeClr val="tx1"/>
+        </a:buClr>
         <a:buFont typeface="Arial" panose="020B0604020202020204" pitchFamily="34" charset="0"/>
         <a:buChar char="•"/>
-        <a:defRPr kumimoji="1" sz="2000" kern="1200">
+        <a:defRPr kumimoji="1" sz="1600" kern="1200" cap="all" baseline="0">
           <a:solidFill>
             <a:schemeClr val="tx1"/>
           </a:solidFill>
+          <a:effectLst/>
           <a:latin typeface="+mn-lt"/>
           <a:ea typeface="+mn-ea"/>
           <a:cs typeface="+mn-cs"/>
@@ -3406,17 +6199,21 @@
       </a:lvl3pPr>
       <a:lvl4pPr marL="1600200" indent="-228600" algn="l" defTabSz="914400" rtl="0" eaLnBrk="1" latinLnBrk="0" hangingPunct="1">
         <a:lnSpc>
-          <a:spcPct val="90000"/>
+          <a:spcPct val="120000"/>
         </a:lnSpc>
         <a:spcBef>
           <a:spcPts val="500"/>
         </a:spcBef>
+        <a:buClr>
+          <a:schemeClr val="tx1"/>
+        </a:buClr>
         <a:buFont typeface="Arial" panose="020B0604020202020204" pitchFamily="34" charset="0"/>
         <a:buChar char="•"/>
-        <a:defRPr kumimoji="1" sz="1800" kern="1200">
+        <a:defRPr kumimoji="1" sz="1400" kern="1200" cap="all" baseline="0">
           <a:solidFill>
             <a:schemeClr val="tx1"/>
           </a:solidFill>
+          <a:effectLst/>
           <a:latin typeface="+mn-lt"/>
           <a:ea typeface="+mn-ea"/>
           <a:cs typeface="+mn-cs"/>
@@ -3424,17 +6221,21 @@
       </a:lvl4pPr>
       <a:lvl5pPr marL="2057400" indent="-228600" algn="l" defTabSz="914400" rtl="0" eaLnBrk="1" latinLnBrk="0" hangingPunct="1">
         <a:lnSpc>
-          <a:spcPct val="90000"/>
+          <a:spcPct val="120000"/>
         </a:lnSpc>
         <a:spcBef>
           <a:spcPts val="500"/>
         </a:spcBef>
+        <a:buClr>
+          <a:schemeClr val="tx1"/>
+        </a:buClr>
         <a:buFont typeface="Arial" panose="020B0604020202020204" pitchFamily="34" charset="0"/>
         <a:buChar char="•"/>
-        <a:defRPr kumimoji="1" sz="1800" kern="1200">
+        <a:defRPr kumimoji="1" sz="1400" kern="1200" cap="all" baseline="0">
           <a:solidFill>
             <a:schemeClr val="tx1"/>
           </a:solidFill>
+          <a:effectLst/>
           <a:latin typeface="+mn-lt"/>
           <a:ea typeface="+mn-ea"/>
           <a:cs typeface="+mn-cs"/>
@@ -3442,17 +6243,21 @@
       </a:lvl5pPr>
       <a:lvl6pPr marL="2514600" indent="-228600" algn="l" defTabSz="914400" rtl="0" eaLnBrk="1" latinLnBrk="0" hangingPunct="1">
         <a:lnSpc>
-          <a:spcPct val="90000"/>
+          <a:spcPct val="120000"/>
         </a:lnSpc>
         <a:spcBef>
           <a:spcPts val="500"/>
         </a:spcBef>
+        <a:buClr>
+          <a:schemeClr val="tx1"/>
+        </a:buClr>
         <a:buFont typeface="Arial" panose="020B0604020202020204" pitchFamily="34" charset="0"/>
         <a:buChar char="•"/>
-        <a:defRPr kumimoji="1" sz="1800" kern="1200">
+        <a:defRPr kumimoji="1" sz="1400" kern="1200" cap="all" baseline="0">
           <a:solidFill>
             <a:schemeClr val="tx1"/>
           </a:solidFill>
+          <a:effectLst/>
           <a:latin typeface="+mn-lt"/>
           <a:ea typeface="+mn-ea"/>
           <a:cs typeface="+mn-cs"/>
@@ -3460,17 +6265,21 @@
       </a:lvl6pPr>
       <a:lvl7pPr marL="2971800" indent="-228600" algn="l" defTabSz="914400" rtl="0" eaLnBrk="1" latinLnBrk="0" hangingPunct="1">
         <a:lnSpc>
-          <a:spcPct val="90000"/>
+          <a:spcPct val="120000"/>
         </a:lnSpc>
         <a:spcBef>
           <a:spcPts val="500"/>
         </a:spcBef>
+        <a:buClr>
+          <a:schemeClr val="tx1"/>
+        </a:buClr>
         <a:buFont typeface="Arial" panose="020B0604020202020204" pitchFamily="34" charset="0"/>
         <a:buChar char="•"/>
-        <a:defRPr kumimoji="1" sz="1800" kern="1200">
+        <a:defRPr kumimoji="1" sz="1400" kern="1200" cap="all" baseline="0">
           <a:solidFill>
             <a:schemeClr val="tx1"/>
           </a:solidFill>
+          <a:effectLst/>
           <a:latin typeface="+mn-lt"/>
           <a:ea typeface="+mn-ea"/>
           <a:cs typeface="+mn-cs"/>
@@ -3478,17 +6287,21 @@
       </a:lvl7pPr>
       <a:lvl8pPr marL="3429000" indent="-228600" algn="l" defTabSz="914400" rtl="0" eaLnBrk="1" latinLnBrk="0" hangingPunct="1">
         <a:lnSpc>
-          <a:spcPct val="90000"/>
+          <a:spcPct val="120000"/>
         </a:lnSpc>
         <a:spcBef>
           <a:spcPts val="500"/>
         </a:spcBef>
+        <a:buClr>
+          <a:schemeClr val="tx1"/>
+        </a:buClr>
         <a:buFont typeface="Arial" panose="020B0604020202020204" pitchFamily="34" charset="0"/>
         <a:buChar char="•"/>
-        <a:defRPr kumimoji="1" sz="1800" kern="1200">
+        <a:defRPr kumimoji="1" sz="1400" kern="1200" cap="all" baseline="0">
           <a:solidFill>
             <a:schemeClr val="tx1"/>
           </a:solidFill>
+          <a:effectLst/>
           <a:latin typeface="+mn-lt"/>
           <a:ea typeface="+mn-ea"/>
           <a:cs typeface="+mn-cs"/>
@@ -3496,17 +6309,21 @@
       </a:lvl8pPr>
       <a:lvl9pPr marL="3886200" indent="-228600" algn="l" defTabSz="914400" rtl="0" eaLnBrk="1" latinLnBrk="0" hangingPunct="1">
         <a:lnSpc>
-          <a:spcPct val="90000"/>
+          <a:spcPct val="120000"/>
         </a:lnSpc>
         <a:spcBef>
           <a:spcPts val="500"/>
         </a:spcBef>
+        <a:buClr>
+          <a:schemeClr val="tx1"/>
+        </a:buClr>
         <a:buFont typeface="Arial" panose="020B0604020202020204" pitchFamily="34" charset="0"/>
         <a:buChar char="•"/>
-        <a:defRPr kumimoji="1" sz="1800" kern="1200">
+        <a:defRPr kumimoji="1" sz="1400" kern="1200" cap="all" baseline="0">
           <a:solidFill>
             <a:schemeClr val="tx1"/>
           </a:solidFill>
+          <a:effectLst/>
           <a:latin typeface="+mn-lt"/>
           <a:ea typeface="+mn-ea"/>
           <a:cs typeface="+mn-cs"/>
@@ -3515,7 +6332,7 @@
     </p:bodyStyle>
     <p:otherStyle>
       <a:defPPr>
-        <a:defRPr lang="ja-JP"/>
+        <a:defRPr lang="en-US"/>
       </a:defPPr>
       <a:lvl1pPr marL="0" algn="l" defTabSz="914400" rtl="0" eaLnBrk="1" latinLnBrk="0" hangingPunct="1">
         <a:defRPr kumimoji="1" sz="1800" kern="1200">
@@ -3647,7 +6464,7 @@
         </p:spPr>
         <p:txBody>
           <a:bodyPr>
-            <a:normAutofit fontScale="90000"/>
+            <a:normAutofit/>
           </a:bodyPr>
           <a:lstStyle/>
           <a:p>
@@ -3690,6 +6507,9 @@
             <a:pPr algn="l"/>
             <a:r>
               <a:rPr lang="ja-JP" altLang="en-US" sz="3200" dirty="0">
+                <a:solidFill>
+                  <a:schemeClr val="tx1"/>
+                </a:solidFill>
                 <a:ea typeface="ＭＳ Ｐゴシック"/>
                 <a:cs typeface="Calibri"/>
               </a:rPr>
@@ -3700,6 +6520,9 @@
             <a:pPr algn="l"/>
             <a:r>
               <a:rPr lang="ja-JP" altLang="en-US" sz="3200" dirty="0">
+                <a:solidFill>
+                  <a:schemeClr val="tx1"/>
+                </a:solidFill>
                 <a:ea typeface="ＭＳ Ｐゴシック"/>
                 <a:cs typeface="Calibri"/>
               </a:rPr>
@@ -3710,10 +6533,13 @@
             <a:pPr algn="l"/>
             <a:r>
               <a:rPr lang="ja-JP" altLang="en-US" sz="3200" dirty="0">
+                <a:solidFill>
+                  <a:schemeClr val="tx1"/>
+                </a:solidFill>
                 <a:ea typeface="ＭＳ Ｐゴシック"/>
                 <a:cs typeface="Calibri"/>
               </a:rPr>
-              <a:t>・</a:t>
+              <a:t>・モデルの複雑さとデータセットの大きさ</a:t>
             </a:r>
           </a:p>
         </p:txBody>
@@ -3722,6 +6548,82 @@
     <p:extLst>
       <p:ext uri="{BB962C8B-B14F-4D97-AF65-F5344CB8AC3E}">
         <p14:creationId xmlns:p14="http://schemas.microsoft.com/office/powerpoint/2010/main" val="2128380218"/>
+      </p:ext>
+    </p:extLst>
+  </p:cSld>
+  <p:clrMapOvr>
+    <a:masterClrMapping/>
+  </p:clrMapOvr>
+</p:sld>
+</file>
+
+<file path=ppt/slides/slide10.xml><?xml version="1.0" encoding="utf-8"?>
+<p:sld xmlns:a="http://schemas.openxmlformats.org/drawingml/2006/main" xmlns:r="http://schemas.openxmlformats.org/officeDocument/2006/relationships" xmlns:p="http://schemas.openxmlformats.org/presentationml/2006/main">
+  <p:cSld>
+    <p:spTree>
+      <p:nvGrpSpPr>
+        <p:cNvPr id="1" name=""/>
+        <p:cNvGrpSpPr/>
+        <p:nvPr/>
+      </p:nvGrpSpPr>
+      <p:grpSpPr>
+        <a:xfrm>
+          <a:off x="0" y="0"/>
+          <a:ext cx="0" cy="0"/>
+          <a:chOff x="0" y="0"/>
+          <a:chExt cx="0" cy="0"/>
+        </a:xfrm>
+      </p:grpSpPr>
+      <p:sp>
+        <p:nvSpPr>
+          <p:cNvPr id="3" name="テキスト ボックス 2">
+            <a:extLst>
+              <a:ext uri="{FF2B5EF4-FFF2-40B4-BE49-F238E27FC236}">
+                <a16:creationId xmlns:a16="http://schemas.microsoft.com/office/drawing/2014/main" id="{38FBAABC-8C6A-4B43-AF79-E73F84AFB8D6}"/>
+              </a:ext>
+            </a:extLst>
+          </p:cNvPr>
+          <p:cNvSpPr txBox="1"/>
+          <p:nvPr/>
+        </p:nvSpPr>
+        <p:spPr>
+          <a:xfrm>
+            <a:off x="2511552" y="1929307"/>
+            <a:ext cx="6790944" cy="923330"/>
+          </a:xfrm>
+          <a:prstGeom prst="rect">
+            <a:avLst/>
+          </a:prstGeom>
+          <a:noFill/>
+        </p:spPr>
+        <p:txBody>
+          <a:bodyPr wrap="square">
+            <a:spAutoFit/>
+          </a:bodyPr>
+          <a:lstStyle/>
+          <a:p>
+            <a:r>
+              <a:rPr lang="ja-JP" altLang="en-US" dirty="0"/>
+              <a:t>参考文献</a:t>
+            </a:r>
+            <a:endParaRPr lang="en-US" altLang="ja-JP" dirty="0"/>
+          </a:p>
+          <a:p>
+            <a:endParaRPr lang="en-US" altLang="ja-JP" dirty="0"/>
+          </a:p>
+          <a:p>
+            <a:r>
+              <a:rPr lang="en-US" altLang="ja-JP" dirty="0"/>
+              <a:t>https://qiita.com/kotamatsuoka/items/1ccb41ca278e400b6197</a:t>
+            </a:r>
+            <a:endParaRPr lang="ja-JP" altLang="en-US" dirty="0"/>
+          </a:p>
+        </p:txBody>
+      </p:sp>
+    </p:spTree>
+    <p:extLst>
+      <p:ext uri="{BB962C8B-B14F-4D97-AF65-F5344CB8AC3E}">
+        <p14:creationId xmlns:p14="http://schemas.microsoft.com/office/powerpoint/2010/main" val="1009633511"/>
       </p:ext>
     </p:extLst>
   </p:cSld>
@@ -3846,7 +6748,7 @@
                 <a:ea typeface="ＭＳ Ｐゴシック"/>
                 <a:cs typeface="Calibri" panose="020F0502020204030204"/>
               </a:rPr>
-              <a:t>目的:　選択肢の中からクラスラベルを予測すること</a:t>
+              <a:t>目的:　選択肢の中から予測すること</a:t>
             </a:r>
           </a:p>
           <a:p>
@@ -3936,7 +6838,7 @@
                 <a:ea typeface="ＭＳ Ｐゴシック"/>
                 <a:cs typeface="Calibri" panose="020F0502020204030204"/>
               </a:rPr>
-              <a:t>→　多クラス分(setosa/versicolor/virgi</a:t>
+              <a:t>→　多クラス分類(setosa/versicolor/virgi</a:t>
             </a:r>
             <a:r>
               <a:rPr lang="en-US" altLang="ja-JP" sz="4000" dirty="0">
@@ -4161,7 +7063,7 @@
           <p:cNvPr id="3" name="タイトル 1">
             <a:extLst>
               <a:ext uri="{FF2B5EF4-FFF2-40B4-BE49-F238E27FC236}">
-                <a16:creationId xmlns:a16="http://schemas.microsoft.com/office/drawing/2014/main" id="{C3EC8240-1C68-47C8-874B-1170401E5375}"/>
+                <a16:creationId xmlns:a16="http://schemas.microsoft.com/office/drawing/2014/main" id="{610F4B84-309D-4FF7-8C52-077956EA6892}"/>
               </a:ext>
             </a:extLst>
           </p:cNvPr>
@@ -4172,7 +7074,7 @@
         </p:nvSpPr>
         <p:spPr>
           <a:xfrm>
-            <a:off x="1524000" y="10617"/>
+            <a:off x="1524000" y="59385"/>
             <a:ext cx="9144000" cy="907322"/>
           </a:xfrm>
           <a:prstGeom prst="rect">
@@ -4214,6 +7116,167 @@
           </a:p>
         </p:txBody>
       </p:sp>
+      <p:sp>
+        <p:nvSpPr>
+          <p:cNvPr id="5" name="テキスト ボックス 4">
+            <a:extLst>
+              <a:ext uri="{FF2B5EF4-FFF2-40B4-BE49-F238E27FC236}">
+                <a16:creationId xmlns:a16="http://schemas.microsoft.com/office/drawing/2014/main" id="{3AFCC58E-C5D7-4C63-AA6F-C04C58BE8991}"/>
+              </a:ext>
+            </a:extLst>
+          </p:cNvPr>
+          <p:cNvSpPr txBox="1"/>
+          <p:nvPr/>
+        </p:nvSpPr>
+        <p:spPr>
+          <a:xfrm>
+            <a:off x="333532" y="966707"/>
+            <a:ext cx="11524936" cy="4770537"/>
+          </a:xfrm>
+          <a:prstGeom prst="rect">
+            <a:avLst/>
+          </a:prstGeom>
+          <a:noFill/>
+        </p:spPr>
+        <p:txBody>
+          <a:bodyPr rot="0" spcFirstLastPara="0" vertOverflow="overflow" horzOverflow="overflow" vert="horz" wrap="square" lIns="91440" tIns="45720" rIns="91440" bIns="45720" numCol="1" spcCol="0" rtlCol="0" fromWordArt="0" anchor="t" anchorCtr="0" forceAA="0" compatLnSpc="1">
+            <a:prstTxWarp prst="textNoShape">
+              <a:avLst/>
+            </a:prstTxWarp>
+            <a:spAutoFit/>
+          </a:bodyPr>
+          <a:lstStyle/>
+          <a:p>
+            <a:r>
+              <a:rPr lang="ja-JP" altLang="en-US" sz="3200" b="1" dirty="0">
+                <a:ea typeface="ＭＳ Ｐゴシック"/>
+                <a:cs typeface="Calibri" panose="020F0502020204030204"/>
+              </a:rPr>
+              <a:t>汎化</a:t>
+            </a:r>
+            <a:endParaRPr lang="en-US" altLang="ja-JP" sz="3200" b="1" dirty="0">
+              <a:ea typeface="ＭＳ Ｐゴシック"/>
+              <a:cs typeface="Calibri" panose="020F0502020204030204"/>
+            </a:endParaRPr>
+          </a:p>
+          <a:p>
+            <a:r>
+              <a:rPr lang="ja-JP" altLang="en-US" sz="2800" dirty="0">
+                <a:ea typeface="ＭＳ Ｐゴシック"/>
+                <a:cs typeface="Calibri" panose="020F0502020204030204"/>
+              </a:rPr>
+              <a:t>訓練データに基づいて構築されたデータが未見のデータに対して正確な予想ができている</a:t>
+            </a:r>
+            <a:endParaRPr lang="en-US" altLang="ja-JP" sz="2800" dirty="0">
+              <a:ea typeface="ＭＳ Ｐゴシック"/>
+              <a:cs typeface="Calibri" panose="020F0502020204030204"/>
+            </a:endParaRPr>
+          </a:p>
+          <a:p>
+            <a:r>
+              <a:rPr lang="ja-JP" altLang="en-US" sz="2800" dirty="0">
+                <a:ea typeface="ＭＳ Ｐゴシック"/>
+                <a:cs typeface="Calibri" panose="020F0502020204030204"/>
+              </a:rPr>
+              <a:t>→汎化できている</a:t>
+            </a:r>
+            <a:endParaRPr lang="en-US" altLang="ja-JP" sz="2800" dirty="0">
+              <a:ea typeface="ＭＳ Ｐゴシック"/>
+              <a:cs typeface="Calibri" panose="020F0502020204030204"/>
+            </a:endParaRPr>
+          </a:p>
+          <a:p>
+            <a:endParaRPr lang="en-US" altLang="ja-JP" sz="2400" dirty="0">
+              <a:ea typeface="ＭＳ Ｐゴシック"/>
+              <a:cs typeface="Calibri" panose="020F0502020204030204"/>
+            </a:endParaRPr>
+          </a:p>
+          <a:p>
+            <a:r>
+              <a:rPr lang="ja-JP" altLang="en-US" sz="3200" b="1" dirty="0">
+                <a:ea typeface="ＭＳ Ｐゴシック"/>
+                <a:cs typeface="Calibri" panose="020F0502020204030204"/>
+              </a:rPr>
+              <a:t>過剰適合</a:t>
+            </a:r>
+            <a:endParaRPr lang="en-US" altLang="ja-JP" sz="3200" b="1" dirty="0">
+              <a:ea typeface="ＭＳ Ｐゴシック"/>
+              <a:cs typeface="Calibri" panose="020F0502020204030204"/>
+            </a:endParaRPr>
+          </a:p>
+          <a:p>
+            <a:r>
+              <a:rPr lang="ja-JP" altLang="en-US" sz="2800" dirty="0">
+                <a:ea typeface="ＭＳ Ｐゴシック"/>
+                <a:cs typeface="Calibri" panose="020F0502020204030204"/>
+              </a:rPr>
+              <a:t>持っている情報に比べて過度に複雑なモデルを作ること</a:t>
+            </a:r>
+            <a:endParaRPr lang="en-US" altLang="ja-JP" sz="2800" dirty="0">
+              <a:ea typeface="ＭＳ Ｐゴシック"/>
+              <a:cs typeface="Calibri" panose="020F0502020204030204"/>
+            </a:endParaRPr>
+          </a:p>
+          <a:p>
+            <a:endParaRPr lang="en-US" altLang="ja-JP" sz="4000" dirty="0">
+              <a:ea typeface="ＭＳ Ｐゴシック"/>
+              <a:cs typeface="Calibri" panose="020F0502020204030204"/>
+            </a:endParaRPr>
+          </a:p>
+          <a:p>
+            <a:r>
+              <a:rPr lang="ja-JP" altLang="en-US" sz="3200" b="1" dirty="0">
+                <a:ea typeface="ＭＳ Ｐゴシック"/>
+                <a:cs typeface="Calibri" panose="020F0502020204030204"/>
+              </a:rPr>
+              <a:t>適合不足</a:t>
+            </a:r>
+            <a:endParaRPr lang="en-US" altLang="ja-JP" sz="3200" b="1" dirty="0">
+              <a:ea typeface="ＭＳ Ｐゴシック"/>
+              <a:cs typeface="Calibri" panose="020F0502020204030204"/>
+            </a:endParaRPr>
+          </a:p>
+          <a:p>
+            <a:r>
+              <a:rPr lang="ja-JP" altLang="en-US" sz="2800" dirty="0">
+                <a:ea typeface="ＭＳ Ｐゴシック"/>
+                <a:cs typeface="Calibri" panose="020F0502020204030204"/>
+              </a:rPr>
+              <a:t>単純すぎるモデルを作ること</a:t>
+            </a:r>
+          </a:p>
+        </p:txBody>
+      </p:sp>
+    </p:spTree>
+    <p:extLst>
+      <p:ext uri="{BB962C8B-B14F-4D97-AF65-F5344CB8AC3E}">
+        <p14:creationId xmlns:p14="http://schemas.microsoft.com/office/powerpoint/2010/main" val="376893047"/>
+      </p:ext>
+    </p:extLst>
+  </p:cSld>
+  <p:clrMapOvr>
+    <a:masterClrMapping/>
+  </p:clrMapOvr>
+</p:sld>
+</file>
+
+<file path=ppt/slides/slide5.xml><?xml version="1.0" encoding="utf-8"?>
+<p:sld xmlns:a="http://schemas.openxmlformats.org/drawingml/2006/main" xmlns:r="http://schemas.openxmlformats.org/officeDocument/2006/relationships" xmlns:p="http://schemas.openxmlformats.org/presentationml/2006/main">
+  <p:cSld>
+    <p:spTree>
+      <p:nvGrpSpPr>
+        <p:cNvPr id="1" name=""/>
+        <p:cNvGrpSpPr/>
+        <p:nvPr/>
+      </p:nvGrpSpPr>
+      <p:grpSpPr>
+        <a:xfrm>
+          <a:off x="0" y="0"/>
+          <a:ext cx="0" cy="0"/>
+          <a:chOff x="0" y="0"/>
+          <a:chExt cx="0" cy="0"/>
+        </a:xfrm>
+      </p:grpSpPr>
       <p:graphicFrame>
         <p:nvGraphicFramePr>
           <p:cNvPr id="2" name="表 3">
@@ -4229,14 +7292,14 @@
           <p:nvPr>
             <p:extLst>
               <p:ext uri="{D42A27DB-BD31-4B8C-83A1-F6EECF244321}">
-                <p14:modId xmlns:p14="http://schemas.microsoft.com/office/powerpoint/2010/main" val="3628771150"/>
+                <p14:modId xmlns:p14="http://schemas.microsoft.com/office/powerpoint/2010/main" val="3124667847"/>
               </p:ext>
             </p:extLst>
           </p:nvPr>
         </p:nvGraphicFramePr>
         <p:xfrm>
-          <a:off x="97537" y="1548383"/>
-          <a:ext cx="6699504" cy="5044488"/>
+          <a:off x="1005842" y="788671"/>
+          <a:ext cx="9771888" cy="4529826"/>
         </p:xfrm>
         <a:graphic>
           <a:graphicData uri="http://schemas.openxmlformats.org/drawingml/2006/table">
@@ -4245,49 +7308,42 @@
                 <a:tableStyleId>{21E4AEA4-8DFA-4A89-87EB-49C32662AFE0}</a:tableStyleId>
               </a:tblPr>
               <a:tblGrid>
-                <a:gridCol w="957072">
+                <a:gridCol w="1628648">
                   <a:extLst>
                     <a:ext uri="{9D8B030D-6E8A-4147-A177-3AD203B41FA5}">
                       <a16:colId xmlns:a16="http://schemas.microsoft.com/office/drawing/2014/main" val="647585348"/>
                     </a:ext>
                   </a:extLst>
                 </a:gridCol>
-                <a:gridCol w="957072">
+                <a:gridCol w="1628648">
                   <a:extLst>
                     <a:ext uri="{9D8B030D-6E8A-4147-A177-3AD203B41FA5}">
                       <a16:colId xmlns:a16="http://schemas.microsoft.com/office/drawing/2014/main" val="1711573195"/>
                     </a:ext>
                   </a:extLst>
                 </a:gridCol>
-                <a:gridCol w="957072">
+                <a:gridCol w="1628648">
                   <a:extLst>
                     <a:ext uri="{9D8B030D-6E8A-4147-A177-3AD203B41FA5}">
                       <a16:colId xmlns:a16="http://schemas.microsoft.com/office/drawing/2014/main" val="780240096"/>
                     </a:ext>
                   </a:extLst>
                 </a:gridCol>
-                <a:gridCol w="957072">
+                <a:gridCol w="1628648">
                   <a:extLst>
                     <a:ext uri="{9D8B030D-6E8A-4147-A177-3AD203B41FA5}">
                       <a16:colId xmlns:a16="http://schemas.microsoft.com/office/drawing/2014/main" val="3513820759"/>
                     </a:ext>
                   </a:extLst>
                 </a:gridCol>
-                <a:gridCol w="957072">
+                <a:gridCol w="1628648">
                   <a:extLst>
                     <a:ext uri="{9D8B030D-6E8A-4147-A177-3AD203B41FA5}">
                       <a16:colId xmlns:a16="http://schemas.microsoft.com/office/drawing/2014/main" val="247338351"/>
                     </a:ext>
                   </a:extLst>
                 </a:gridCol>
-                <a:gridCol w="957072">
-                  <a:extLst>
-                    <a:ext uri="{9D8B030D-6E8A-4147-A177-3AD203B41FA5}">
-                      <a16:colId xmlns:a16="http://schemas.microsoft.com/office/drawing/2014/main" val="2597464679"/>
-                    </a:ext>
-                  </a:extLst>
-                </a:gridCol>
-                <a:gridCol w="957072">
+                <a:gridCol w="1628648">
                   <a:extLst>
                     <a:ext uri="{9D8B030D-6E8A-4147-A177-3AD203B41FA5}">
                       <a16:colId xmlns:a16="http://schemas.microsoft.com/office/drawing/2014/main" val="1962803889"/>
@@ -4295,7 +7351,98 @@
                   </a:extLst>
                 </a:gridCol>
               </a:tblGrid>
-              <a:tr h="633511">
+              <a:tr h="809597">
+                <a:tc>
+                  <a:txBody>
+                    <a:bodyPr/>
+                    <a:lstStyle/>
+                    <a:p>
+                      <a:pPr algn="l"/>
+                      <a:r>
+                        <a:rPr kumimoji="1" lang="ja-JP" altLang="en-US" sz="2400" dirty="0"/>
+                        <a:t>年齢</a:t>
+                      </a:r>
+                    </a:p>
+                  </a:txBody>
+                  <a:tcPr/>
+                </a:tc>
+                <a:tc>
+                  <a:txBody>
+                    <a:bodyPr/>
+                    <a:lstStyle/>
+                    <a:p>
+                      <a:pPr algn="l"/>
+                      <a:r>
+                        <a:rPr kumimoji="1" lang="ja-JP" altLang="en-US" sz="2400" dirty="0"/>
+                        <a:t>自動車保有数</a:t>
+                      </a:r>
+                    </a:p>
+                  </a:txBody>
+                  <a:tcPr/>
+                </a:tc>
+                <a:tc>
+                  <a:txBody>
+                    <a:bodyPr/>
+                    <a:lstStyle/>
+                    <a:p>
+                      <a:pPr algn="l"/>
+                      <a:r>
+                        <a:rPr kumimoji="1" lang="ja-JP" altLang="en-US" sz="2400" dirty="0"/>
+                        <a:t>持ち家か</a:t>
+                      </a:r>
+                    </a:p>
+                  </a:txBody>
+                  <a:tcPr/>
+                </a:tc>
+                <a:tc>
+                  <a:txBody>
+                    <a:bodyPr/>
+                    <a:lstStyle/>
+                    <a:p>
+                      <a:pPr algn="l"/>
+                      <a:r>
+                        <a:rPr kumimoji="1" lang="ja-JP" altLang="en-US" sz="2400" dirty="0"/>
+                        <a:t>子供の数</a:t>
+                      </a:r>
+                    </a:p>
+                  </a:txBody>
+                  <a:tcPr/>
+                </a:tc>
+                <a:tc>
+                  <a:txBody>
+                    <a:bodyPr/>
+                    <a:lstStyle/>
+                    <a:p>
+                      <a:pPr algn="l"/>
+                      <a:r>
+                        <a:rPr kumimoji="1" lang="ja-JP" altLang="en-US" sz="2400" dirty="0"/>
+                        <a:t>婚姻状況</a:t>
+                      </a:r>
+                    </a:p>
+                  </a:txBody>
+                  <a:tcPr/>
+                </a:tc>
+                <a:tc>
+                  <a:txBody>
+                    <a:bodyPr/>
+                    <a:lstStyle/>
+                    <a:p>
+                      <a:pPr algn="l"/>
+                      <a:r>
+                        <a:rPr kumimoji="1" lang="ja-JP" altLang="en-US" sz="2400" dirty="0"/>
+                        <a:t>ボートを購入</a:t>
+                      </a:r>
+                    </a:p>
+                  </a:txBody>
+                  <a:tcPr/>
+                </a:tc>
+                <a:extLst>
+                  <a:ext uri="{0D108BD9-81ED-4DB2-BD59-A6C34878D82A}">
+                    <a16:rowId xmlns:a16="http://schemas.microsoft.com/office/drawing/2014/main" val="1937868114"/>
+                  </a:ext>
+                </a:extLst>
+              </a:tr>
+              <a:tr h="464238">
                 <a:tc>
                   <a:txBody>
                     <a:bodyPr/>
@@ -4303,8 +7450,8 @@
                     <a:p>
                       <a:pPr algn="ctr"/>
                       <a:r>
-                        <a:rPr kumimoji="1" lang="ja-JP" altLang="en-US" dirty="0"/>
-                        <a:t>年齢</a:t>
+                        <a:rPr kumimoji="1" lang="en-US" altLang="ja-JP" sz="2400" dirty="0"/>
+                        <a:t>66</a:t>
                       </a:r>
                     </a:p>
                   </a:txBody>
@@ -4317,8 +7464,53 @@
                     <a:p>
                       <a:pPr algn="ctr"/>
                       <a:r>
-                        <a:rPr kumimoji="1" lang="ja-JP" altLang="en-US" dirty="0"/>
-                        <a:t>自動車保有数</a:t>
+                        <a:rPr kumimoji="1" lang="en-US" altLang="ja-JP" sz="2400" dirty="0"/>
+                        <a:t>1</a:t>
+                      </a:r>
+                      <a:endParaRPr kumimoji="1" lang="ja-JP" altLang="en-US" sz="2400" dirty="0"/>
+                    </a:p>
+                  </a:txBody>
+                  <a:tcPr/>
+                </a:tc>
+                <a:tc>
+                  <a:txBody>
+                    <a:bodyPr/>
+                    <a:lstStyle/>
+                    <a:p>
+                      <a:pPr algn="ctr"/>
+                      <a:r>
+                        <a:rPr kumimoji="1" lang="en-US" altLang="ja-JP" sz="2400" dirty="0"/>
+                        <a:t>yes</a:t>
+                      </a:r>
+                      <a:endParaRPr kumimoji="1" lang="ja-JP" altLang="en-US" sz="2400" dirty="0"/>
+                    </a:p>
+                  </a:txBody>
+                  <a:tcPr/>
+                </a:tc>
+                <a:tc>
+                  <a:txBody>
+                    <a:bodyPr/>
+                    <a:lstStyle/>
+                    <a:p>
+                      <a:pPr algn="ctr"/>
+                      <a:r>
+                        <a:rPr kumimoji="1" lang="en-US" altLang="ja-JP" sz="2400" dirty="0"/>
+                        <a:t>2</a:t>
+                      </a:r>
+                      <a:endParaRPr kumimoji="1" lang="ja-JP" altLang="en-US" sz="2400" dirty="0"/>
+                    </a:p>
+                  </a:txBody>
+                  <a:tcPr/>
+                </a:tc>
+                <a:tc>
+                  <a:txBody>
+                    <a:bodyPr/>
+                    <a:lstStyle/>
+                    <a:p>
+                      <a:pPr algn="ctr"/>
+                      <a:r>
+                        <a:rPr kumimoji="1" lang="ja-JP" altLang="en-US" sz="2400" dirty="0"/>
+                        <a:t>未亡人</a:t>
                       </a:r>
                     </a:p>
                   </a:txBody>
@@ -4331,8 +7523,90 @@
                     <a:p>
                       <a:pPr algn="ctr"/>
                       <a:r>
-                        <a:rPr kumimoji="1" lang="ja-JP" altLang="en-US" dirty="0"/>
-                        <a:t>持ち家か</a:t>
+                        <a:rPr kumimoji="1" lang="en-US" altLang="ja-JP" sz="2400" dirty="0"/>
+                        <a:t>yes</a:t>
+                      </a:r>
+                      <a:endParaRPr kumimoji="1" lang="ja-JP" altLang="en-US" sz="2400" dirty="0"/>
+                    </a:p>
+                  </a:txBody>
+                  <a:tcPr/>
+                </a:tc>
+                <a:extLst>
+                  <a:ext uri="{0D108BD9-81ED-4DB2-BD59-A6C34878D82A}">
+                    <a16:rowId xmlns:a16="http://schemas.microsoft.com/office/drawing/2014/main" val="2898746166"/>
+                  </a:ext>
+                </a:extLst>
+              </a:tr>
+              <a:tr h="464238">
+                <a:tc>
+                  <a:txBody>
+                    <a:bodyPr/>
+                    <a:lstStyle/>
+                    <a:p>
+                      <a:pPr algn="ctr"/>
+                      <a:r>
+                        <a:rPr kumimoji="1" lang="en-US" altLang="ja-JP" sz="2400" dirty="0"/>
+                        <a:t>52</a:t>
+                      </a:r>
+                      <a:endParaRPr kumimoji="1" lang="ja-JP" altLang="en-US" sz="2400" dirty="0"/>
+                    </a:p>
+                  </a:txBody>
+                  <a:tcPr/>
+                </a:tc>
+                <a:tc>
+                  <a:txBody>
+                    <a:bodyPr/>
+                    <a:lstStyle/>
+                    <a:p>
+                      <a:pPr algn="ctr"/>
+                      <a:r>
+                        <a:rPr kumimoji="1" lang="en-US" altLang="ja-JP" sz="2400" dirty="0"/>
+                        <a:t>2</a:t>
+                      </a:r>
+                      <a:endParaRPr kumimoji="1" lang="ja-JP" altLang="en-US" sz="2400" dirty="0"/>
+                    </a:p>
+                  </a:txBody>
+                  <a:tcPr/>
+                </a:tc>
+                <a:tc>
+                  <a:txBody>
+                    <a:bodyPr/>
+                    <a:lstStyle/>
+                    <a:p>
+                      <a:pPr algn="ctr"/>
+                      <a:r>
+                        <a:rPr kumimoji="1" lang="en-US" altLang="ja-JP" sz="2400" dirty="0"/>
+                        <a:t>yes</a:t>
+                      </a:r>
+                      <a:endParaRPr kumimoji="1" lang="ja-JP" altLang="en-US" sz="2400" dirty="0"/>
+                    </a:p>
+                  </a:txBody>
+                  <a:tcPr/>
+                </a:tc>
+                <a:tc>
+                  <a:txBody>
+                    <a:bodyPr/>
+                    <a:lstStyle/>
+                    <a:p>
+                      <a:pPr algn="ctr"/>
+                      <a:r>
+                        <a:rPr kumimoji="1" lang="en-US" altLang="ja-JP" sz="2400" dirty="0"/>
+                        <a:t>3</a:t>
+                      </a:r>
+                      <a:endParaRPr kumimoji="1" lang="ja-JP" altLang="en-US" sz="2400" dirty="0"/>
+                    </a:p>
+                  </a:txBody>
+                  <a:tcPr/>
+                </a:tc>
+                <a:tc>
+                  <a:txBody>
+                    <a:bodyPr/>
+                    <a:lstStyle/>
+                    <a:p>
+                      <a:pPr algn="ctr"/>
+                      <a:r>
+                        <a:rPr kumimoji="1" lang="ja-JP" altLang="en-US" sz="2400" dirty="0"/>
+                        <a:t>結婚</a:t>
                       </a:r>
                     </a:p>
                   </a:txBody>
@@ -4345,8 +7619,90 @@
                     <a:p>
                       <a:pPr algn="ctr"/>
                       <a:r>
-                        <a:rPr kumimoji="1" lang="ja-JP" altLang="en-US" dirty="0"/>
-                        <a:t>子供の数</a:t>
+                        <a:rPr kumimoji="1" lang="en-US" altLang="ja-JP" sz="2400" dirty="0"/>
+                        <a:t>yes</a:t>
+                      </a:r>
+                      <a:endParaRPr kumimoji="1" lang="ja-JP" altLang="en-US" sz="2400" dirty="0"/>
+                    </a:p>
+                  </a:txBody>
+                  <a:tcPr/>
+                </a:tc>
+                <a:extLst>
+                  <a:ext uri="{0D108BD9-81ED-4DB2-BD59-A6C34878D82A}">
+                    <a16:rowId xmlns:a16="http://schemas.microsoft.com/office/drawing/2014/main" val="99730002"/>
+                  </a:ext>
+                </a:extLst>
+              </a:tr>
+              <a:tr h="464238">
+                <a:tc>
+                  <a:txBody>
+                    <a:bodyPr/>
+                    <a:lstStyle/>
+                    <a:p>
+                      <a:pPr algn="ctr"/>
+                      <a:r>
+                        <a:rPr kumimoji="1" lang="en-US" altLang="ja-JP" sz="2400" dirty="0"/>
+                        <a:t>22</a:t>
+                      </a:r>
+                      <a:endParaRPr kumimoji="1" lang="ja-JP" altLang="en-US" sz="2400" dirty="0"/>
+                    </a:p>
+                  </a:txBody>
+                  <a:tcPr/>
+                </a:tc>
+                <a:tc>
+                  <a:txBody>
+                    <a:bodyPr/>
+                    <a:lstStyle/>
+                    <a:p>
+                      <a:pPr algn="ctr"/>
+                      <a:r>
+                        <a:rPr kumimoji="1" lang="en-US" altLang="ja-JP" sz="2400" dirty="0"/>
+                        <a:t>0</a:t>
+                      </a:r>
+                      <a:endParaRPr kumimoji="1" lang="ja-JP" altLang="en-US" sz="2400" dirty="0"/>
+                    </a:p>
+                  </a:txBody>
+                  <a:tcPr/>
+                </a:tc>
+                <a:tc>
+                  <a:txBody>
+                    <a:bodyPr/>
+                    <a:lstStyle/>
+                    <a:p>
+                      <a:pPr algn="ctr"/>
+                      <a:r>
+                        <a:rPr kumimoji="1" lang="en-US" altLang="ja-JP" sz="2400" dirty="0"/>
+                        <a:t>no</a:t>
+                      </a:r>
+                      <a:endParaRPr kumimoji="1" lang="ja-JP" altLang="en-US" sz="2400" dirty="0"/>
+                    </a:p>
+                  </a:txBody>
+                  <a:tcPr/>
+                </a:tc>
+                <a:tc>
+                  <a:txBody>
+                    <a:bodyPr/>
+                    <a:lstStyle/>
+                    <a:p>
+                      <a:pPr algn="ctr"/>
+                      <a:r>
+                        <a:rPr kumimoji="1" lang="en-US" altLang="ja-JP" sz="2400" dirty="0"/>
+                        <a:t>0</a:t>
+                      </a:r>
+                      <a:endParaRPr kumimoji="1" lang="ja-JP" altLang="en-US" sz="2400" dirty="0"/>
+                    </a:p>
+                  </a:txBody>
+                  <a:tcPr/>
+                </a:tc>
+                <a:tc>
+                  <a:txBody>
+                    <a:bodyPr/>
+                    <a:lstStyle/>
+                    <a:p>
+                      <a:pPr algn="ctr"/>
+                      <a:r>
+                        <a:rPr kumimoji="1" lang="ja-JP" altLang="en-US" sz="2400" dirty="0"/>
+                        <a:t>結婚</a:t>
                       </a:r>
                     </a:p>
                   </a:txBody>
@@ -4359,8 +7715,90 @@
                     <a:p>
                       <a:pPr algn="ctr"/>
                       <a:r>
-                        <a:rPr kumimoji="1" lang="ja-JP" altLang="en-US" dirty="0"/>
-                        <a:t>婚姻状況</a:t>
+                        <a:rPr kumimoji="1" lang="en-US" altLang="ja-JP" sz="2400" dirty="0"/>
+                        <a:t>no</a:t>
+                      </a:r>
+                      <a:endParaRPr kumimoji="1" lang="ja-JP" altLang="en-US" sz="2400" dirty="0"/>
+                    </a:p>
+                  </a:txBody>
+                  <a:tcPr/>
+                </a:tc>
+                <a:extLst>
+                  <a:ext uri="{0D108BD9-81ED-4DB2-BD59-A6C34878D82A}">
+                    <a16:rowId xmlns:a16="http://schemas.microsoft.com/office/drawing/2014/main" val="3816981607"/>
+                  </a:ext>
+                </a:extLst>
+              </a:tr>
+              <a:tr h="464238">
+                <a:tc>
+                  <a:txBody>
+                    <a:bodyPr/>
+                    <a:lstStyle/>
+                    <a:p>
+                      <a:pPr algn="ctr"/>
+                      <a:r>
+                        <a:rPr kumimoji="1" lang="en-US" altLang="ja-JP" sz="2400" dirty="0"/>
+                        <a:t>40</a:t>
+                      </a:r>
+                      <a:endParaRPr kumimoji="1" lang="ja-JP" altLang="en-US" sz="2400" dirty="0"/>
+                    </a:p>
+                  </a:txBody>
+                  <a:tcPr/>
+                </a:tc>
+                <a:tc>
+                  <a:txBody>
+                    <a:bodyPr/>
+                    <a:lstStyle/>
+                    <a:p>
+                      <a:pPr algn="ctr"/>
+                      <a:r>
+                        <a:rPr kumimoji="1" lang="en-US" altLang="ja-JP" sz="2400" dirty="0"/>
+                        <a:t>3</a:t>
+                      </a:r>
+                      <a:endParaRPr kumimoji="1" lang="ja-JP" altLang="en-US" sz="2400" dirty="0"/>
+                    </a:p>
+                  </a:txBody>
+                  <a:tcPr/>
+                </a:tc>
+                <a:tc>
+                  <a:txBody>
+                    <a:bodyPr/>
+                    <a:lstStyle/>
+                    <a:p>
+                      <a:pPr algn="ctr"/>
+                      <a:r>
+                        <a:rPr kumimoji="1" lang="en-US" altLang="ja-JP" sz="2400" dirty="0"/>
+                        <a:t>yes</a:t>
+                      </a:r>
+                      <a:endParaRPr kumimoji="1" lang="ja-JP" altLang="en-US" sz="2400" dirty="0"/>
+                    </a:p>
+                  </a:txBody>
+                  <a:tcPr/>
+                </a:tc>
+                <a:tc>
+                  <a:txBody>
+                    <a:bodyPr/>
+                    <a:lstStyle/>
+                    <a:p>
+                      <a:pPr algn="ctr"/>
+                      <a:r>
+                        <a:rPr kumimoji="1" lang="en-US" altLang="ja-JP" sz="2400" dirty="0"/>
+                        <a:t>1</a:t>
+                      </a:r>
+                      <a:endParaRPr kumimoji="1" lang="ja-JP" altLang="en-US" sz="2400" dirty="0"/>
+                    </a:p>
+                  </a:txBody>
+                  <a:tcPr/>
+                </a:tc>
+                <a:tc>
+                  <a:txBody>
+                    <a:bodyPr/>
+                    <a:lstStyle/>
+                    <a:p>
+                      <a:pPr algn="ctr"/>
+                      <a:r>
+                        <a:rPr kumimoji="1" lang="ja-JP" altLang="en-US" sz="2400" dirty="0"/>
+                        <a:t>結婚</a:t>
                       </a:r>
                     </a:p>
                   </a:txBody>
@@ -4373,8 +7811,187 @@
                     <a:p>
                       <a:pPr algn="ctr"/>
                       <a:r>
-                        <a:rPr kumimoji="1" lang="ja-JP" altLang="en-US" dirty="0"/>
-                        <a:t>犬を飼育</a:t>
+                        <a:rPr kumimoji="1" lang="en-US" altLang="ja-JP" sz="2400" dirty="0"/>
+                        <a:t>no</a:t>
+                      </a:r>
+                      <a:endParaRPr kumimoji="1" lang="ja-JP" altLang="en-US" sz="2400" dirty="0"/>
+                    </a:p>
+                  </a:txBody>
+                  <a:tcPr/>
+                </a:tc>
+                <a:extLst>
+                  <a:ext uri="{0D108BD9-81ED-4DB2-BD59-A6C34878D82A}">
+                    <a16:rowId xmlns:a16="http://schemas.microsoft.com/office/drawing/2014/main" val="941100787"/>
+                  </a:ext>
+                </a:extLst>
+              </a:tr>
+              <a:tr h="464238">
+                <a:tc>
+                  <a:txBody>
+                    <a:bodyPr/>
+                    <a:lstStyle/>
+                    <a:p>
+                      <a:pPr algn="ctr"/>
+                      <a:r>
+                        <a:rPr kumimoji="1" lang="en-US" altLang="ja-JP" sz="2400" dirty="0"/>
+                        <a:t>53</a:t>
+                      </a:r>
+                      <a:endParaRPr kumimoji="1" lang="ja-JP" altLang="en-US" sz="2400" dirty="0"/>
+                    </a:p>
+                  </a:txBody>
+                  <a:tcPr/>
+                </a:tc>
+                <a:tc>
+                  <a:txBody>
+                    <a:bodyPr/>
+                    <a:lstStyle/>
+                    <a:p>
+                      <a:pPr algn="ctr"/>
+                      <a:r>
+                        <a:rPr kumimoji="1" lang="en-US" altLang="ja-JP" sz="2400" dirty="0"/>
+                        <a:t>2</a:t>
+                      </a:r>
+                      <a:endParaRPr kumimoji="1" lang="ja-JP" altLang="en-US" sz="2400" dirty="0"/>
+                    </a:p>
+                  </a:txBody>
+                  <a:tcPr/>
+                </a:tc>
+                <a:tc>
+                  <a:txBody>
+                    <a:bodyPr/>
+                    <a:lstStyle/>
+                    <a:p>
+                      <a:pPr algn="ctr"/>
+                      <a:r>
+                        <a:rPr kumimoji="1" lang="en-US" altLang="ja-JP" sz="2400" dirty="0"/>
+                        <a:t>yes</a:t>
+                      </a:r>
+                      <a:endParaRPr kumimoji="1" lang="ja-JP" altLang="en-US" sz="2400" dirty="0"/>
+                    </a:p>
+                  </a:txBody>
+                  <a:tcPr/>
+                </a:tc>
+                <a:tc>
+                  <a:txBody>
+                    <a:bodyPr/>
+                    <a:lstStyle/>
+                    <a:p>
+                      <a:pPr algn="ctr"/>
+                      <a:r>
+                        <a:rPr kumimoji="1" lang="en-US" altLang="ja-JP" sz="2400" dirty="0"/>
+                        <a:t>2</a:t>
+                      </a:r>
+                      <a:endParaRPr kumimoji="1" lang="ja-JP" altLang="en-US" sz="2400" dirty="0"/>
+                    </a:p>
+                  </a:txBody>
+                  <a:tcPr/>
+                </a:tc>
+                <a:tc>
+                  <a:txBody>
+                    <a:bodyPr/>
+                    <a:lstStyle/>
+                    <a:p>
+                      <a:pPr algn="ctr"/>
+                      <a:r>
+                        <a:rPr kumimoji="1" lang="ja-JP" altLang="en-US" sz="2400" dirty="0"/>
+                        <a:t>離婚</a:t>
+                      </a:r>
+                      <a:endParaRPr kumimoji="1" lang="en-US" altLang="ja-JP" sz="2400" dirty="0"/>
+                    </a:p>
+                  </a:txBody>
+                  <a:tcPr/>
+                </a:tc>
+                <a:tc>
+                  <a:txBody>
+                    <a:bodyPr/>
+                    <a:lstStyle/>
+                    <a:p>
+                      <a:pPr algn="ctr"/>
+                      <a:r>
+                        <a:rPr kumimoji="1" lang="en-US" altLang="ja-JP" sz="2400" dirty="0"/>
+                        <a:t>yes</a:t>
+                      </a:r>
+                      <a:endParaRPr kumimoji="1" lang="ja-JP" altLang="en-US" sz="2400" dirty="0"/>
+                    </a:p>
+                  </a:txBody>
+                  <a:tcPr/>
+                </a:tc>
+                <a:extLst>
+                  <a:ext uri="{0D108BD9-81ED-4DB2-BD59-A6C34878D82A}">
+                    <a16:rowId xmlns:a16="http://schemas.microsoft.com/office/drawing/2014/main" val="947630472"/>
+                  </a:ext>
+                </a:extLst>
+              </a:tr>
+              <a:tr h="464238">
+                <a:tc>
+                  <a:txBody>
+                    <a:bodyPr/>
+                    <a:lstStyle/>
+                    <a:p>
+                      <a:pPr algn="ctr"/>
+                      <a:r>
+                        <a:rPr kumimoji="1" lang="en-US" altLang="ja-JP" sz="2400" dirty="0"/>
+                        <a:t>64</a:t>
+                      </a:r>
+                      <a:endParaRPr kumimoji="1" lang="ja-JP" altLang="en-US" sz="2400" dirty="0"/>
+                    </a:p>
+                  </a:txBody>
+                  <a:tcPr/>
+                </a:tc>
+                <a:tc>
+                  <a:txBody>
+                    <a:bodyPr/>
+                    <a:lstStyle/>
+                    <a:p>
+                      <a:pPr algn="ctr"/>
+                      <a:r>
+                        <a:rPr kumimoji="1" lang="en-US" altLang="ja-JP" sz="2400" dirty="0"/>
+                        <a:t>2</a:t>
+                      </a:r>
+                      <a:endParaRPr kumimoji="1" lang="ja-JP" altLang="en-US" sz="2400" dirty="0"/>
+                    </a:p>
+                  </a:txBody>
+                  <a:tcPr/>
+                </a:tc>
+                <a:tc>
+                  <a:txBody>
+                    <a:bodyPr/>
+                    <a:lstStyle/>
+                    <a:p>
+                      <a:pPr algn="ctr"/>
+                      <a:r>
+                        <a:rPr kumimoji="1" lang="en-US" altLang="ja-JP" sz="2400" dirty="0"/>
+                        <a:t>yes</a:t>
+                      </a:r>
+                      <a:endParaRPr kumimoji="1" lang="ja-JP" altLang="en-US" sz="2400" dirty="0"/>
+                    </a:p>
+                  </a:txBody>
+                  <a:tcPr/>
+                </a:tc>
+                <a:tc>
+                  <a:txBody>
+                    <a:bodyPr/>
+                    <a:lstStyle/>
+                    <a:p>
+                      <a:pPr algn="ctr"/>
+                      <a:r>
+                        <a:rPr kumimoji="1" lang="en-US" altLang="ja-JP" sz="2400" dirty="0"/>
+                        <a:t>3</a:t>
+                      </a:r>
+                      <a:endParaRPr kumimoji="1" lang="ja-JP" altLang="en-US" sz="2400" dirty="0"/>
+                    </a:p>
+                  </a:txBody>
+                  <a:tcPr/>
+                </a:tc>
+                <a:tc>
+                  <a:txBody>
+                    <a:bodyPr/>
+                    <a:lstStyle/>
+                    <a:p>
+                      <a:pPr algn="ctr"/>
+                      <a:r>
+                        <a:rPr kumimoji="1" lang="ja-JP" altLang="en-US" sz="2400" dirty="0"/>
+                        <a:t>離婚</a:t>
                       </a:r>
                     </a:p>
                   </a:txBody>
@@ -4387,29 +8004,32 @@
                     <a:p>
                       <a:pPr algn="ctr"/>
                       <a:r>
-                        <a:rPr kumimoji="1" lang="ja-JP" altLang="en-US" dirty="0"/>
-                        <a:t>ボートを購入</a:t>
+                        <a:rPr kumimoji="1" lang="en-US" altLang="ja-JP" sz="2400" dirty="0"/>
+                        <a:t>no</a:t>
                       </a:r>
+                      <a:endParaRPr kumimoji="1" lang="ja-JP" altLang="en-US" sz="2400" dirty="0"/>
                     </a:p>
                   </a:txBody>
                   <a:tcPr/>
                 </a:tc>
                 <a:extLst>
                   <a:ext uri="{0D108BD9-81ED-4DB2-BD59-A6C34878D82A}">
-                    <a16:rowId xmlns:a16="http://schemas.microsoft.com/office/drawing/2014/main" val="1937868114"/>
+                    <a16:rowId xmlns:a16="http://schemas.microsoft.com/office/drawing/2014/main" val="1827174516"/>
                   </a:ext>
                 </a:extLst>
               </a:tr>
-              <a:tr h="367034">
+              <a:tr h="464238">
                 <a:tc>
                   <a:txBody>
                     <a:bodyPr/>
                     <a:lstStyle/>
                     <a:p>
+                      <a:pPr algn="ctr"/>
                       <a:r>
-                        <a:rPr kumimoji="1" lang="en-US" altLang="ja-JP" dirty="0"/>
-                        <a:t>66</a:t>
+                        <a:rPr kumimoji="1" lang="en-US" altLang="ja-JP" sz="2400" dirty="0"/>
+                        <a:t>58</a:t>
                       </a:r>
+                      <a:endParaRPr kumimoji="1" lang="ja-JP" altLang="en-US" sz="2400" dirty="0"/>
                     </a:p>
                   </a:txBody>
                   <a:tcPr/>
@@ -4419,11 +8039,12 @@
                     <a:bodyPr/>
                     <a:lstStyle/>
                     <a:p>
+                      <a:pPr algn="ctr"/>
                       <a:r>
-                        <a:rPr kumimoji="1" lang="en-US" altLang="ja-JP" dirty="0"/>
-                        <a:t>1</a:t>
+                        <a:rPr kumimoji="1" lang="en-US" altLang="ja-JP" sz="2400" dirty="0"/>
+                        <a:t>2</a:t>
                       </a:r>
-                      <a:endParaRPr kumimoji="1" lang="ja-JP" altLang="en-US" dirty="0"/>
+                      <a:endParaRPr kumimoji="1" lang="ja-JP" altLang="en-US" sz="2400" dirty="0"/>
                     </a:p>
                   </a:txBody>
                   <a:tcPr/>
@@ -4433,11 +8054,12 @@
                     <a:bodyPr/>
                     <a:lstStyle/>
                     <a:p>
+                      <a:pPr algn="ctr"/>
                       <a:r>
-                        <a:rPr kumimoji="1" lang="en-US" altLang="ja-JP" dirty="0"/>
+                        <a:rPr kumimoji="1" lang="en-US" altLang="ja-JP" sz="2400" dirty="0"/>
                         <a:t>yes</a:t>
                       </a:r>
-                      <a:endParaRPr kumimoji="1" lang="ja-JP" altLang="en-US" dirty="0"/>
+                      <a:endParaRPr kumimoji="1" lang="ja-JP" altLang="en-US" sz="2400" dirty="0"/>
                     </a:p>
                   </a:txBody>
                   <a:tcPr/>
@@ -4447,11 +8069,12 @@
                     <a:bodyPr/>
                     <a:lstStyle/>
                     <a:p>
+                      <a:pPr algn="ctr"/>
                       <a:r>
-                        <a:rPr kumimoji="1" lang="en-US" altLang="ja-JP" dirty="0"/>
+                        <a:rPr kumimoji="1" lang="en-US" altLang="ja-JP" sz="2400" dirty="0"/>
                         <a:t>2</a:t>
                       </a:r>
-                      <a:endParaRPr kumimoji="1" lang="ja-JP" altLang="en-US" dirty="0"/>
+                      <a:endParaRPr kumimoji="1" lang="ja-JP" altLang="en-US" sz="2400" dirty="0"/>
                     </a:p>
                   </a:txBody>
                   <a:tcPr/>
@@ -4461,112 +8084,9 @@
                     <a:bodyPr/>
                     <a:lstStyle/>
                     <a:p>
+                      <a:pPr algn="ctr"/>
                       <a:r>
-                        <a:rPr kumimoji="1" lang="ja-JP" altLang="en-US" dirty="0"/>
-                        <a:t>未亡人</a:t>
-                      </a:r>
-                    </a:p>
-                  </a:txBody>
-                  <a:tcPr/>
-                </a:tc>
-                <a:tc>
-                  <a:txBody>
-                    <a:bodyPr/>
-                    <a:lstStyle/>
-                    <a:p>
-                      <a:r>
-                        <a:rPr kumimoji="1" lang="en-US" altLang="ja-JP" dirty="0"/>
-                        <a:t>no</a:t>
-                      </a:r>
-                      <a:endParaRPr kumimoji="1" lang="ja-JP" altLang="en-US" dirty="0"/>
-                    </a:p>
-                  </a:txBody>
-                  <a:tcPr/>
-                </a:tc>
-                <a:tc>
-                  <a:txBody>
-                    <a:bodyPr/>
-                    <a:lstStyle/>
-                    <a:p>
-                      <a:r>
-                        <a:rPr kumimoji="1" lang="en-US" altLang="ja-JP" dirty="0"/>
-                        <a:t>yes</a:t>
-                      </a:r>
-                      <a:endParaRPr kumimoji="1" lang="ja-JP" altLang="en-US" dirty="0"/>
-                    </a:p>
-                  </a:txBody>
-                  <a:tcPr/>
-                </a:tc>
-                <a:extLst>
-                  <a:ext uri="{0D108BD9-81ED-4DB2-BD59-A6C34878D82A}">
-                    <a16:rowId xmlns:a16="http://schemas.microsoft.com/office/drawing/2014/main" val="2898746166"/>
-                  </a:ext>
-                </a:extLst>
-              </a:tr>
-              <a:tr h="367034">
-                <a:tc>
-                  <a:txBody>
-                    <a:bodyPr/>
-                    <a:lstStyle/>
-                    <a:p>
-                      <a:r>
-                        <a:rPr kumimoji="1" lang="en-US" altLang="ja-JP" dirty="0"/>
-                        <a:t>52</a:t>
-                      </a:r>
-                      <a:endParaRPr kumimoji="1" lang="ja-JP" altLang="en-US" dirty="0"/>
-                    </a:p>
-                  </a:txBody>
-                  <a:tcPr/>
-                </a:tc>
-                <a:tc>
-                  <a:txBody>
-                    <a:bodyPr/>
-                    <a:lstStyle/>
-                    <a:p>
-                      <a:r>
-                        <a:rPr kumimoji="1" lang="en-US" altLang="ja-JP" dirty="0"/>
-                        <a:t>2</a:t>
-                      </a:r>
-                      <a:endParaRPr kumimoji="1" lang="ja-JP" altLang="en-US" dirty="0"/>
-                    </a:p>
-                  </a:txBody>
-                  <a:tcPr/>
-                </a:tc>
-                <a:tc>
-                  <a:txBody>
-                    <a:bodyPr/>
-                    <a:lstStyle/>
-                    <a:p>
-                      <a:r>
-                        <a:rPr kumimoji="1" lang="en-US" altLang="ja-JP" dirty="0"/>
-                        <a:t>yes</a:t>
-                      </a:r>
-                      <a:endParaRPr kumimoji="1" lang="ja-JP" altLang="en-US" dirty="0"/>
-                    </a:p>
-                  </a:txBody>
-                  <a:tcPr/>
-                </a:tc>
-                <a:tc>
-                  <a:txBody>
-                    <a:bodyPr/>
-                    <a:lstStyle/>
-                    <a:p>
-                      <a:r>
-                        <a:rPr kumimoji="1" lang="en-US" altLang="ja-JP" dirty="0"/>
-                        <a:t>3</a:t>
-                      </a:r>
-                      <a:endParaRPr kumimoji="1" lang="ja-JP" altLang="en-US" dirty="0"/>
-                    </a:p>
-                  </a:txBody>
-                  <a:tcPr/>
-                </a:tc>
-                <a:tc>
-                  <a:txBody>
-                    <a:bodyPr/>
-                    <a:lstStyle/>
-                    <a:p>
-                      <a:r>
-                        <a:rPr kumimoji="1" lang="ja-JP" altLang="en-US" dirty="0"/>
+                        <a:rPr kumimoji="1" lang="ja-JP" altLang="en-US" sz="2400" dirty="0"/>
                         <a:t>結婚</a:t>
                       </a:r>
                     </a:p>
@@ -4578,11 +8098,34 @@
                     <a:bodyPr/>
                     <a:lstStyle/>
                     <a:p>
+                      <a:pPr algn="ctr"/>
                       <a:r>
-                        <a:rPr kumimoji="1" lang="en-US" altLang="ja-JP" dirty="0"/>
-                        <a:t>no</a:t>
+                        <a:rPr kumimoji="1" lang="en-US" altLang="ja-JP" sz="2400" dirty="0"/>
+                        <a:t>yes</a:t>
                       </a:r>
-                      <a:endParaRPr kumimoji="1" lang="ja-JP" altLang="en-US" dirty="0"/>
+                      <a:endParaRPr kumimoji="1" lang="ja-JP" altLang="en-US" sz="2400" dirty="0"/>
+                    </a:p>
+                  </a:txBody>
+                  <a:tcPr/>
+                </a:tc>
+                <a:extLst>
+                  <a:ext uri="{0D108BD9-81ED-4DB2-BD59-A6C34878D82A}">
+                    <a16:rowId xmlns:a16="http://schemas.microsoft.com/office/drawing/2014/main" val="2250612606"/>
+                  </a:ext>
+                </a:extLst>
+              </a:tr>
+              <a:tr h="400723">
+                <a:tc>
+                  <a:txBody>
+                    <a:bodyPr/>
+                    <a:lstStyle/>
+                    <a:p>
+                      <a:pPr algn="ctr"/>
+                      <a:r>
+                        <a:rPr kumimoji="1" lang="en-US" altLang="ja-JP" sz="2400" dirty="0"/>
+                        <a:t>33</a:t>
+                      </a:r>
+                      <a:endParaRPr kumimoji="1" lang="ja-JP" altLang="en-US" sz="2400" dirty="0"/>
                     </a:p>
                   </a:txBody>
                   <a:tcPr/>
@@ -4592,32 +8135,12 @@
                     <a:bodyPr/>
                     <a:lstStyle/>
                     <a:p>
+                      <a:pPr algn="ctr"/>
                       <a:r>
-                        <a:rPr kumimoji="1" lang="en-US" altLang="ja-JP" dirty="0"/>
-                        <a:t>yes</a:t>
+                        <a:rPr kumimoji="1" lang="en-US" altLang="ja-JP" sz="2400" dirty="0"/>
+                        <a:t>1</a:t>
                       </a:r>
-                      <a:endParaRPr kumimoji="1" lang="ja-JP" altLang="en-US" dirty="0"/>
-                    </a:p>
-                  </a:txBody>
-                  <a:tcPr/>
-                </a:tc>
-                <a:extLst>
-                  <a:ext uri="{0D108BD9-81ED-4DB2-BD59-A6C34878D82A}">
-                    <a16:rowId xmlns:a16="http://schemas.microsoft.com/office/drawing/2014/main" val="99730002"/>
-                  </a:ext>
-                </a:extLst>
-              </a:tr>
-              <a:tr h="367034">
-                <a:tc>
-                  <a:txBody>
-                    <a:bodyPr/>
-                    <a:lstStyle/>
-                    <a:p>
-                      <a:r>
-                        <a:rPr kumimoji="1" lang="en-US" altLang="ja-JP" dirty="0"/>
-                        <a:t>22</a:t>
-                      </a:r>
-                      <a:endParaRPr kumimoji="1" lang="ja-JP" altLang="en-US" dirty="0"/>
+                      <a:endParaRPr kumimoji="1" lang="ja-JP" altLang="en-US" sz="2400" dirty="0"/>
                     </a:p>
                   </a:txBody>
                   <a:tcPr/>
@@ -4627,11 +8150,12 @@
                     <a:bodyPr/>
                     <a:lstStyle/>
                     <a:p>
+                      <a:pPr algn="ctr"/>
                       <a:r>
-                        <a:rPr kumimoji="1" lang="en-US" altLang="ja-JP" dirty="0"/>
-                        <a:t>0</a:t>
+                        <a:rPr kumimoji="1" lang="en-US" altLang="ja-JP" sz="2400" dirty="0"/>
+                        <a:t>no</a:t>
                       </a:r>
-                      <a:endParaRPr kumimoji="1" lang="ja-JP" altLang="en-US" dirty="0"/>
+                      <a:endParaRPr kumimoji="1" lang="ja-JP" altLang="en-US" sz="2400" dirty="0"/>
                     </a:p>
                   </a:txBody>
                   <a:tcPr/>
@@ -4641,11 +8165,12 @@
                     <a:bodyPr/>
                     <a:lstStyle/>
                     <a:p>
+                      <a:pPr algn="ctr"/>
                       <a:r>
-                        <a:rPr kumimoji="1" lang="en-US" altLang="ja-JP" dirty="0"/>
-                        <a:t>no</a:t>
+                        <a:rPr kumimoji="1" lang="en-US" altLang="ja-JP" sz="2400" dirty="0"/>
+                        <a:t>1</a:t>
                       </a:r>
-                      <a:endParaRPr kumimoji="1" lang="ja-JP" altLang="en-US" dirty="0"/>
+                      <a:endParaRPr kumimoji="1" lang="ja-JP" altLang="en-US" sz="2400" dirty="0"/>
                     </a:p>
                   </a:txBody>
                   <a:tcPr/>
@@ -4655,440 +8180,9 @@
                     <a:bodyPr/>
                     <a:lstStyle/>
                     <a:p>
+                      <a:pPr algn="ctr"/>
                       <a:r>
-                        <a:rPr kumimoji="1" lang="en-US" altLang="ja-JP" dirty="0"/>
-                        <a:t>0</a:t>
-                      </a:r>
-                      <a:endParaRPr kumimoji="1" lang="ja-JP" altLang="en-US" dirty="0"/>
-                    </a:p>
-                  </a:txBody>
-                  <a:tcPr/>
-                </a:tc>
-                <a:tc>
-                  <a:txBody>
-                    <a:bodyPr/>
-                    <a:lstStyle/>
-                    <a:p>
-                      <a:r>
-                        <a:rPr kumimoji="1" lang="ja-JP" altLang="en-US" dirty="0"/>
-                        <a:t>結婚</a:t>
-                      </a:r>
-                    </a:p>
-                  </a:txBody>
-                  <a:tcPr/>
-                </a:tc>
-                <a:tc>
-                  <a:txBody>
-                    <a:bodyPr/>
-                    <a:lstStyle/>
-                    <a:p>
-                      <a:r>
-                        <a:rPr kumimoji="1" lang="en-US" altLang="ja-JP" dirty="0"/>
-                        <a:t>yes</a:t>
-                      </a:r>
-                      <a:endParaRPr kumimoji="1" lang="ja-JP" altLang="en-US" dirty="0"/>
-                    </a:p>
-                  </a:txBody>
-                  <a:tcPr/>
-                </a:tc>
-                <a:tc>
-                  <a:txBody>
-                    <a:bodyPr/>
-                    <a:lstStyle/>
-                    <a:p>
-                      <a:r>
-                        <a:rPr kumimoji="1" lang="en-US" altLang="ja-JP" dirty="0"/>
-                        <a:t>no</a:t>
-                      </a:r>
-                      <a:endParaRPr kumimoji="1" lang="ja-JP" altLang="en-US" dirty="0"/>
-                    </a:p>
-                  </a:txBody>
-                  <a:tcPr/>
-                </a:tc>
-                <a:extLst>
-                  <a:ext uri="{0D108BD9-81ED-4DB2-BD59-A6C34878D82A}">
-                    <a16:rowId xmlns:a16="http://schemas.microsoft.com/office/drawing/2014/main" val="3816981607"/>
-                  </a:ext>
-                </a:extLst>
-              </a:tr>
-              <a:tr h="367034">
-                <a:tc>
-                  <a:txBody>
-                    <a:bodyPr/>
-                    <a:lstStyle/>
-                    <a:p>
-                      <a:r>
-                        <a:rPr kumimoji="1" lang="en-US" altLang="ja-JP" dirty="0"/>
-                        <a:t>25</a:t>
-                      </a:r>
-                      <a:endParaRPr kumimoji="1" lang="ja-JP" altLang="en-US" dirty="0"/>
-                    </a:p>
-                  </a:txBody>
-                  <a:tcPr/>
-                </a:tc>
-                <a:tc>
-                  <a:txBody>
-                    <a:bodyPr/>
-                    <a:lstStyle/>
-                    <a:p>
-                      <a:r>
-                        <a:rPr kumimoji="1" lang="en-US" altLang="ja-JP" dirty="0"/>
-                        <a:t>1</a:t>
-                      </a:r>
-                      <a:endParaRPr kumimoji="1" lang="ja-JP" altLang="en-US" dirty="0"/>
-                    </a:p>
-                  </a:txBody>
-                  <a:tcPr/>
-                </a:tc>
-                <a:tc>
-                  <a:txBody>
-                    <a:bodyPr/>
-                    <a:lstStyle/>
-                    <a:p>
-                      <a:r>
-                        <a:rPr kumimoji="1" lang="en-US" altLang="ja-JP" dirty="0"/>
-                        <a:t>no</a:t>
-                      </a:r>
-                      <a:endParaRPr kumimoji="1" lang="ja-JP" altLang="en-US" dirty="0"/>
-                    </a:p>
-                  </a:txBody>
-                  <a:tcPr/>
-                </a:tc>
-                <a:tc>
-                  <a:txBody>
-                    <a:bodyPr/>
-                    <a:lstStyle/>
-                    <a:p>
-                      <a:r>
-                        <a:rPr kumimoji="1" lang="en-US" altLang="ja-JP" dirty="0"/>
-                        <a:t>1</a:t>
-                      </a:r>
-                      <a:endParaRPr kumimoji="1" lang="ja-JP" altLang="en-US" dirty="0"/>
-                    </a:p>
-                  </a:txBody>
-                  <a:tcPr/>
-                </a:tc>
-                <a:tc>
-                  <a:txBody>
-                    <a:bodyPr/>
-                    <a:lstStyle/>
-                    <a:p>
-                      <a:r>
-                        <a:rPr kumimoji="1" lang="ja-JP" altLang="en-US" dirty="0"/>
-                        <a:t>独身</a:t>
-                      </a:r>
-                      <a:endParaRPr kumimoji="1" lang="en-US" altLang="ja-JP" dirty="0"/>
-                    </a:p>
-                  </a:txBody>
-                  <a:tcPr/>
-                </a:tc>
-                <a:tc>
-                  <a:txBody>
-                    <a:bodyPr/>
-                    <a:lstStyle/>
-                    <a:p>
-                      <a:r>
-                        <a:rPr kumimoji="1" lang="en-US" altLang="ja-JP" dirty="0"/>
-                        <a:t>no</a:t>
-                      </a:r>
-                      <a:endParaRPr kumimoji="1" lang="ja-JP" altLang="en-US" dirty="0"/>
-                    </a:p>
-                  </a:txBody>
-                  <a:tcPr/>
-                </a:tc>
-                <a:tc>
-                  <a:txBody>
-                    <a:bodyPr/>
-                    <a:lstStyle/>
-                    <a:p>
-                      <a:r>
-                        <a:rPr kumimoji="1" lang="en-US" altLang="ja-JP" dirty="0"/>
-                        <a:t>no</a:t>
-                      </a:r>
-                      <a:endParaRPr kumimoji="1" lang="ja-JP" altLang="en-US" dirty="0"/>
-                    </a:p>
-                  </a:txBody>
-                  <a:tcPr/>
-                </a:tc>
-                <a:extLst>
-                  <a:ext uri="{0D108BD9-81ED-4DB2-BD59-A6C34878D82A}">
-                    <a16:rowId xmlns:a16="http://schemas.microsoft.com/office/drawing/2014/main" val="4202270874"/>
-                  </a:ext>
-                </a:extLst>
-              </a:tr>
-              <a:tr h="367034">
-                <a:tc>
-                  <a:txBody>
-                    <a:bodyPr/>
-                    <a:lstStyle/>
-                    <a:p>
-                      <a:r>
-                        <a:rPr kumimoji="1" lang="en-US" altLang="ja-JP" dirty="0"/>
-                        <a:t>44</a:t>
-                      </a:r>
-                      <a:endParaRPr kumimoji="1" lang="ja-JP" altLang="en-US" dirty="0"/>
-                    </a:p>
-                  </a:txBody>
-                  <a:tcPr/>
-                </a:tc>
-                <a:tc>
-                  <a:txBody>
-                    <a:bodyPr/>
-                    <a:lstStyle/>
-                    <a:p>
-                      <a:r>
-                        <a:rPr kumimoji="1" lang="en-US" altLang="ja-JP" dirty="0"/>
-                        <a:t>0</a:t>
-                      </a:r>
-                      <a:endParaRPr kumimoji="1" lang="ja-JP" altLang="en-US" dirty="0"/>
-                    </a:p>
-                  </a:txBody>
-                  <a:tcPr/>
-                </a:tc>
-                <a:tc>
-                  <a:txBody>
-                    <a:bodyPr/>
-                    <a:lstStyle/>
-                    <a:p>
-                      <a:r>
-                        <a:rPr kumimoji="1" lang="en-US" altLang="ja-JP" dirty="0"/>
-                        <a:t>no</a:t>
-                      </a:r>
-                      <a:endParaRPr kumimoji="1" lang="ja-JP" altLang="en-US" dirty="0"/>
-                    </a:p>
-                  </a:txBody>
-                  <a:tcPr/>
-                </a:tc>
-                <a:tc>
-                  <a:txBody>
-                    <a:bodyPr/>
-                    <a:lstStyle/>
-                    <a:p>
-                      <a:r>
-                        <a:rPr kumimoji="1" lang="en-US" altLang="ja-JP" dirty="0"/>
-                        <a:t>2</a:t>
-                      </a:r>
-                      <a:endParaRPr kumimoji="1" lang="ja-JP" altLang="en-US" dirty="0"/>
-                    </a:p>
-                  </a:txBody>
-                  <a:tcPr/>
-                </a:tc>
-                <a:tc>
-                  <a:txBody>
-                    <a:bodyPr/>
-                    <a:lstStyle/>
-                    <a:p>
-                      <a:r>
-                        <a:rPr kumimoji="1" lang="ja-JP" altLang="en-US" dirty="0"/>
-                        <a:t>離婚</a:t>
-                      </a:r>
-                      <a:endParaRPr kumimoji="1" lang="en-US" altLang="ja-JP" dirty="0"/>
-                    </a:p>
-                  </a:txBody>
-                  <a:tcPr/>
-                </a:tc>
-                <a:tc>
-                  <a:txBody>
-                    <a:bodyPr/>
-                    <a:lstStyle/>
-                    <a:p>
-                      <a:r>
-                        <a:rPr kumimoji="1" lang="en-US" altLang="ja-JP" dirty="0"/>
-                        <a:t>yes</a:t>
-                      </a:r>
-                      <a:endParaRPr kumimoji="1" lang="ja-JP" altLang="en-US" dirty="0"/>
-                    </a:p>
-                  </a:txBody>
-                  <a:tcPr/>
-                </a:tc>
-                <a:tc>
-                  <a:txBody>
-                    <a:bodyPr/>
-                    <a:lstStyle/>
-                    <a:p>
-                      <a:r>
-                        <a:rPr kumimoji="1" lang="en-US" altLang="ja-JP" dirty="0"/>
-                        <a:t>no</a:t>
-                      </a:r>
-                      <a:endParaRPr kumimoji="1" lang="ja-JP" altLang="en-US" dirty="0"/>
-                    </a:p>
-                  </a:txBody>
-                  <a:tcPr/>
-                </a:tc>
-                <a:extLst>
-                  <a:ext uri="{0D108BD9-81ED-4DB2-BD59-A6C34878D82A}">
-                    <a16:rowId xmlns:a16="http://schemas.microsoft.com/office/drawing/2014/main" val="3923268144"/>
-                  </a:ext>
-                </a:extLst>
-              </a:tr>
-              <a:tr h="367034">
-                <a:tc>
-                  <a:txBody>
-                    <a:bodyPr/>
-                    <a:lstStyle/>
-                    <a:p>
-                      <a:r>
-                        <a:rPr kumimoji="1" lang="en-US" altLang="ja-JP" dirty="0"/>
-                        <a:t>39</a:t>
-                      </a:r>
-                      <a:endParaRPr kumimoji="1" lang="ja-JP" altLang="en-US" dirty="0"/>
-                    </a:p>
-                  </a:txBody>
-                  <a:tcPr/>
-                </a:tc>
-                <a:tc>
-                  <a:txBody>
-                    <a:bodyPr/>
-                    <a:lstStyle/>
-                    <a:p>
-                      <a:r>
-                        <a:rPr kumimoji="1" lang="en-US" altLang="ja-JP" dirty="0"/>
-                        <a:t>1</a:t>
-                      </a:r>
-                      <a:endParaRPr kumimoji="1" lang="ja-JP" altLang="en-US" dirty="0"/>
-                    </a:p>
-                  </a:txBody>
-                  <a:tcPr/>
-                </a:tc>
-                <a:tc>
-                  <a:txBody>
-                    <a:bodyPr/>
-                    <a:lstStyle/>
-                    <a:p>
-                      <a:r>
-                        <a:rPr kumimoji="1" lang="en-US" altLang="ja-JP" dirty="0"/>
-                        <a:t>yes</a:t>
-                      </a:r>
-                      <a:endParaRPr kumimoji="1" lang="ja-JP" altLang="en-US" dirty="0"/>
-                    </a:p>
-                  </a:txBody>
-                  <a:tcPr/>
-                </a:tc>
-                <a:tc>
-                  <a:txBody>
-                    <a:bodyPr/>
-                    <a:lstStyle/>
-                    <a:p>
-                      <a:r>
-                        <a:rPr kumimoji="1" lang="en-US" altLang="ja-JP" dirty="0"/>
-                        <a:t>2</a:t>
-                      </a:r>
-                      <a:endParaRPr kumimoji="1" lang="ja-JP" altLang="en-US" dirty="0"/>
-                    </a:p>
-                  </a:txBody>
-                  <a:tcPr/>
-                </a:tc>
-                <a:tc>
-                  <a:txBody>
-                    <a:bodyPr/>
-                    <a:lstStyle/>
-                    <a:p>
-                      <a:r>
-                        <a:rPr kumimoji="1" lang="ja-JP" altLang="en-US" dirty="0"/>
-                        <a:t>結婚</a:t>
-                      </a:r>
-                    </a:p>
-                  </a:txBody>
-                  <a:tcPr/>
-                </a:tc>
-                <a:tc>
-                  <a:txBody>
-                    <a:bodyPr/>
-                    <a:lstStyle/>
-                    <a:p>
-                      <a:r>
-                        <a:rPr kumimoji="1" lang="en-US" altLang="ja-JP" dirty="0"/>
-                        <a:t>yes</a:t>
-                      </a:r>
-                      <a:endParaRPr kumimoji="1" lang="ja-JP" altLang="en-US" dirty="0"/>
-                    </a:p>
-                  </a:txBody>
-                  <a:tcPr/>
-                </a:tc>
-                <a:tc>
-                  <a:txBody>
-                    <a:bodyPr/>
-                    <a:lstStyle/>
-                    <a:p>
-                      <a:r>
-                        <a:rPr kumimoji="1" lang="en-US" altLang="ja-JP" dirty="0"/>
-                        <a:t>no</a:t>
-                      </a:r>
-                      <a:endParaRPr kumimoji="1" lang="ja-JP" altLang="en-US" dirty="0"/>
-                    </a:p>
-                  </a:txBody>
-                  <a:tcPr/>
-                </a:tc>
-                <a:extLst>
-                  <a:ext uri="{0D108BD9-81ED-4DB2-BD59-A6C34878D82A}">
-                    <a16:rowId xmlns:a16="http://schemas.microsoft.com/office/drawing/2014/main" val="4286827444"/>
-                  </a:ext>
-                </a:extLst>
-              </a:tr>
-              <a:tr h="367034">
-                <a:tc>
-                  <a:txBody>
-                    <a:bodyPr/>
-                    <a:lstStyle/>
-                    <a:p>
-                      <a:r>
-                        <a:rPr kumimoji="1" lang="en-US" altLang="ja-JP" dirty="0"/>
-                        <a:t>26</a:t>
-                      </a:r>
-                      <a:endParaRPr kumimoji="1" lang="ja-JP" altLang="en-US" dirty="0"/>
-                    </a:p>
-                  </a:txBody>
-                  <a:tcPr/>
-                </a:tc>
-                <a:tc>
-                  <a:txBody>
-                    <a:bodyPr/>
-                    <a:lstStyle/>
-                    <a:p>
-                      <a:r>
-                        <a:rPr kumimoji="1" lang="en-US" altLang="ja-JP" dirty="0"/>
-                        <a:t>1</a:t>
-                      </a:r>
-                      <a:endParaRPr kumimoji="1" lang="ja-JP" altLang="en-US" dirty="0"/>
-                    </a:p>
-                  </a:txBody>
-                  <a:tcPr/>
-                </a:tc>
-                <a:tc>
-                  <a:txBody>
-                    <a:bodyPr/>
-                    <a:lstStyle/>
-                    <a:p>
-                      <a:r>
-                        <a:rPr kumimoji="1" lang="en-US" altLang="ja-JP" dirty="0"/>
-                        <a:t>no</a:t>
-                      </a:r>
-                      <a:endParaRPr kumimoji="1" lang="ja-JP" altLang="en-US" dirty="0"/>
-                    </a:p>
-                  </a:txBody>
-                  <a:tcPr/>
-                </a:tc>
-                <a:tc>
-                  <a:txBody>
-                    <a:bodyPr/>
-                    <a:lstStyle/>
-                    <a:p>
-                      <a:r>
-                        <a:rPr kumimoji="1" lang="en-US" altLang="ja-JP" dirty="0"/>
-                        <a:t>2</a:t>
-                      </a:r>
-                      <a:endParaRPr kumimoji="1" lang="ja-JP" altLang="en-US" dirty="0"/>
-                    </a:p>
-                  </a:txBody>
-                  <a:tcPr/>
-                </a:tc>
-                <a:tc>
-                  <a:txBody>
-                    <a:bodyPr/>
-                    <a:lstStyle/>
-                    <a:p>
-                      <a:r>
-                        <a:rPr kumimoji="1" lang="ja-JP" altLang="en-US" dirty="0"/>
+                        <a:rPr kumimoji="1" lang="ja-JP" altLang="en-US" sz="2400" dirty="0"/>
                         <a:t>独身</a:t>
                       </a:r>
                     </a:p>
@@ -5100,546 +8194,12 @@
                     <a:bodyPr/>
                     <a:lstStyle/>
                     <a:p>
+                      <a:pPr algn="ctr"/>
                       <a:r>
-                        <a:rPr kumimoji="1" lang="en-US" altLang="ja-JP" dirty="0"/>
+                        <a:rPr kumimoji="1" lang="en-US" altLang="ja-JP" sz="2400" dirty="0"/>
                         <a:t>no</a:t>
                       </a:r>
-                      <a:endParaRPr kumimoji="1" lang="ja-JP" altLang="en-US" dirty="0"/>
-                    </a:p>
-                  </a:txBody>
-                  <a:tcPr/>
-                </a:tc>
-                <a:tc>
-                  <a:txBody>
-                    <a:bodyPr/>
-                    <a:lstStyle/>
-                    <a:p>
-                      <a:r>
-                        <a:rPr kumimoji="1" lang="en-US" altLang="ja-JP" dirty="0"/>
-                        <a:t>no</a:t>
-                      </a:r>
-                      <a:endParaRPr kumimoji="1" lang="ja-JP" altLang="en-US" dirty="0"/>
-                    </a:p>
-                  </a:txBody>
-                  <a:tcPr/>
-                </a:tc>
-                <a:extLst>
-                  <a:ext uri="{0D108BD9-81ED-4DB2-BD59-A6C34878D82A}">
-                    <a16:rowId xmlns:a16="http://schemas.microsoft.com/office/drawing/2014/main" val="2297101947"/>
-                  </a:ext>
-                </a:extLst>
-              </a:tr>
-              <a:tr h="367034">
-                <a:tc>
-                  <a:txBody>
-                    <a:bodyPr/>
-                    <a:lstStyle/>
-                    <a:p>
-                      <a:r>
-                        <a:rPr kumimoji="1" lang="en-US" altLang="ja-JP" dirty="0"/>
-                        <a:t>40</a:t>
-                      </a:r>
-                      <a:endParaRPr kumimoji="1" lang="ja-JP" altLang="en-US" dirty="0"/>
-                    </a:p>
-                  </a:txBody>
-                  <a:tcPr/>
-                </a:tc>
-                <a:tc>
-                  <a:txBody>
-                    <a:bodyPr/>
-                    <a:lstStyle/>
-                    <a:p>
-                      <a:r>
-                        <a:rPr kumimoji="1" lang="en-US" altLang="ja-JP" dirty="0"/>
-                        <a:t>3</a:t>
-                      </a:r>
-                      <a:endParaRPr kumimoji="1" lang="ja-JP" altLang="en-US" dirty="0"/>
-                    </a:p>
-                  </a:txBody>
-                  <a:tcPr/>
-                </a:tc>
-                <a:tc>
-                  <a:txBody>
-                    <a:bodyPr/>
-                    <a:lstStyle/>
-                    <a:p>
-                      <a:r>
-                        <a:rPr kumimoji="1" lang="en-US" altLang="ja-JP" dirty="0"/>
-                        <a:t>yes</a:t>
-                      </a:r>
-                      <a:endParaRPr kumimoji="1" lang="ja-JP" altLang="en-US" dirty="0"/>
-                    </a:p>
-                  </a:txBody>
-                  <a:tcPr/>
-                </a:tc>
-                <a:tc>
-                  <a:txBody>
-                    <a:bodyPr/>
-                    <a:lstStyle/>
-                    <a:p>
-                      <a:r>
-                        <a:rPr kumimoji="1" lang="en-US" altLang="ja-JP" dirty="0"/>
-                        <a:t>1</a:t>
-                      </a:r>
-                      <a:endParaRPr kumimoji="1" lang="ja-JP" altLang="en-US" dirty="0"/>
-                    </a:p>
-                  </a:txBody>
-                  <a:tcPr/>
-                </a:tc>
-                <a:tc>
-                  <a:txBody>
-                    <a:bodyPr/>
-                    <a:lstStyle/>
-                    <a:p>
-                      <a:r>
-                        <a:rPr kumimoji="1" lang="ja-JP" altLang="en-US" dirty="0"/>
-                        <a:t>結婚</a:t>
-                      </a:r>
-                    </a:p>
-                  </a:txBody>
-                  <a:tcPr/>
-                </a:tc>
-                <a:tc>
-                  <a:txBody>
-                    <a:bodyPr/>
-                    <a:lstStyle/>
-                    <a:p>
-                      <a:r>
-                        <a:rPr kumimoji="1" lang="en-US" altLang="ja-JP" dirty="0"/>
-                        <a:t>yes</a:t>
-                      </a:r>
-                      <a:endParaRPr kumimoji="1" lang="ja-JP" altLang="en-US" dirty="0"/>
-                    </a:p>
-                  </a:txBody>
-                  <a:tcPr/>
-                </a:tc>
-                <a:tc>
-                  <a:txBody>
-                    <a:bodyPr/>
-                    <a:lstStyle/>
-                    <a:p>
-                      <a:r>
-                        <a:rPr kumimoji="1" lang="en-US" altLang="ja-JP" dirty="0"/>
-                        <a:t>no</a:t>
-                      </a:r>
-                      <a:endParaRPr kumimoji="1" lang="ja-JP" altLang="en-US" dirty="0"/>
-                    </a:p>
-                  </a:txBody>
-                  <a:tcPr/>
-                </a:tc>
-                <a:extLst>
-                  <a:ext uri="{0D108BD9-81ED-4DB2-BD59-A6C34878D82A}">
-                    <a16:rowId xmlns:a16="http://schemas.microsoft.com/office/drawing/2014/main" val="941100787"/>
-                  </a:ext>
-                </a:extLst>
-              </a:tr>
-              <a:tr h="367034">
-                <a:tc>
-                  <a:txBody>
-                    <a:bodyPr/>
-                    <a:lstStyle/>
-                    <a:p>
-                      <a:r>
-                        <a:rPr kumimoji="1" lang="en-US" altLang="ja-JP" dirty="0"/>
-                        <a:t>53</a:t>
-                      </a:r>
-                      <a:endParaRPr kumimoji="1" lang="ja-JP" altLang="en-US" dirty="0"/>
-                    </a:p>
-                  </a:txBody>
-                  <a:tcPr/>
-                </a:tc>
-                <a:tc>
-                  <a:txBody>
-                    <a:bodyPr/>
-                    <a:lstStyle/>
-                    <a:p>
-                      <a:r>
-                        <a:rPr kumimoji="1" lang="en-US" altLang="ja-JP" dirty="0"/>
-                        <a:t>2</a:t>
-                      </a:r>
-                      <a:endParaRPr kumimoji="1" lang="ja-JP" altLang="en-US" dirty="0"/>
-                    </a:p>
-                  </a:txBody>
-                  <a:tcPr/>
-                </a:tc>
-                <a:tc>
-                  <a:txBody>
-                    <a:bodyPr/>
-                    <a:lstStyle/>
-                    <a:p>
-                      <a:r>
-                        <a:rPr kumimoji="1" lang="en-US" altLang="ja-JP" dirty="0"/>
-                        <a:t>yes</a:t>
-                      </a:r>
-                      <a:endParaRPr kumimoji="1" lang="ja-JP" altLang="en-US" dirty="0"/>
-                    </a:p>
-                  </a:txBody>
-                  <a:tcPr/>
-                </a:tc>
-                <a:tc>
-                  <a:txBody>
-                    <a:bodyPr/>
-                    <a:lstStyle/>
-                    <a:p>
-                      <a:r>
-                        <a:rPr kumimoji="1" lang="en-US" altLang="ja-JP" dirty="0"/>
-                        <a:t>2</a:t>
-                      </a:r>
-                      <a:endParaRPr kumimoji="1" lang="ja-JP" altLang="en-US" dirty="0"/>
-                    </a:p>
-                  </a:txBody>
-                  <a:tcPr/>
-                </a:tc>
-                <a:tc>
-                  <a:txBody>
-                    <a:bodyPr/>
-                    <a:lstStyle/>
-                    <a:p>
-                      <a:r>
-                        <a:rPr kumimoji="1" lang="ja-JP" altLang="en-US" dirty="0"/>
-                        <a:t>離婚</a:t>
-                      </a:r>
-                      <a:endParaRPr kumimoji="1" lang="en-US" altLang="ja-JP" dirty="0"/>
-                    </a:p>
-                  </a:txBody>
-                  <a:tcPr/>
-                </a:tc>
-                <a:tc>
-                  <a:txBody>
-                    <a:bodyPr/>
-                    <a:lstStyle/>
-                    <a:p>
-                      <a:r>
-                        <a:rPr kumimoji="1" lang="en-US" altLang="ja-JP" dirty="0"/>
-                        <a:t>no</a:t>
-                      </a:r>
-                      <a:endParaRPr kumimoji="1" lang="ja-JP" altLang="en-US" dirty="0"/>
-                    </a:p>
-                  </a:txBody>
-                  <a:tcPr/>
-                </a:tc>
-                <a:tc>
-                  <a:txBody>
-                    <a:bodyPr/>
-                    <a:lstStyle/>
-                    <a:p>
-                      <a:r>
-                        <a:rPr kumimoji="1" lang="en-US" altLang="ja-JP" dirty="0"/>
-                        <a:t>yes</a:t>
-                      </a:r>
-                      <a:endParaRPr kumimoji="1" lang="ja-JP" altLang="en-US" dirty="0"/>
-                    </a:p>
-                  </a:txBody>
-                  <a:tcPr/>
-                </a:tc>
-                <a:extLst>
-                  <a:ext uri="{0D108BD9-81ED-4DB2-BD59-A6C34878D82A}">
-                    <a16:rowId xmlns:a16="http://schemas.microsoft.com/office/drawing/2014/main" val="947630472"/>
-                  </a:ext>
-                </a:extLst>
-              </a:tr>
-              <a:tr h="367034">
-                <a:tc>
-                  <a:txBody>
-                    <a:bodyPr/>
-                    <a:lstStyle/>
-                    <a:p>
-                      <a:r>
-                        <a:rPr kumimoji="1" lang="en-US" altLang="ja-JP" dirty="0"/>
-                        <a:t>64</a:t>
-                      </a:r>
-                      <a:endParaRPr kumimoji="1" lang="ja-JP" altLang="en-US" dirty="0"/>
-                    </a:p>
-                  </a:txBody>
-                  <a:tcPr/>
-                </a:tc>
-                <a:tc>
-                  <a:txBody>
-                    <a:bodyPr/>
-                    <a:lstStyle/>
-                    <a:p>
-                      <a:r>
-                        <a:rPr kumimoji="1" lang="en-US" altLang="ja-JP" dirty="0"/>
-                        <a:t>2</a:t>
-                      </a:r>
-                      <a:endParaRPr kumimoji="1" lang="ja-JP" altLang="en-US" dirty="0"/>
-                    </a:p>
-                  </a:txBody>
-                  <a:tcPr/>
-                </a:tc>
-                <a:tc>
-                  <a:txBody>
-                    <a:bodyPr/>
-                    <a:lstStyle/>
-                    <a:p>
-                      <a:r>
-                        <a:rPr kumimoji="1" lang="en-US" altLang="ja-JP" dirty="0"/>
-                        <a:t>yes</a:t>
-                      </a:r>
-                      <a:endParaRPr kumimoji="1" lang="ja-JP" altLang="en-US" dirty="0"/>
-                    </a:p>
-                  </a:txBody>
-                  <a:tcPr/>
-                </a:tc>
-                <a:tc>
-                  <a:txBody>
-                    <a:bodyPr/>
-                    <a:lstStyle/>
-                    <a:p>
-                      <a:r>
-                        <a:rPr kumimoji="1" lang="en-US" altLang="ja-JP" dirty="0"/>
-                        <a:t>3</a:t>
-                      </a:r>
-                      <a:endParaRPr kumimoji="1" lang="ja-JP" altLang="en-US" dirty="0"/>
-                    </a:p>
-                  </a:txBody>
-                  <a:tcPr/>
-                </a:tc>
-                <a:tc>
-                  <a:txBody>
-                    <a:bodyPr/>
-                    <a:lstStyle/>
-                    <a:p>
-                      <a:r>
-                        <a:rPr kumimoji="1" lang="ja-JP" altLang="en-US" dirty="0"/>
-                        <a:t>離婚</a:t>
-                      </a:r>
-                    </a:p>
-                  </a:txBody>
-                  <a:tcPr/>
-                </a:tc>
-                <a:tc>
-                  <a:txBody>
-                    <a:bodyPr/>
-                    <a:lstStyle/>
-                    <a:p>
-                      <a:r>
-                        <a:rPr kumimoji="1" lang="en-US" altLang="ja-JP" dirty="0"/>
-                        <a:t>no</a:t>
-                      </a:r>
-                      <a:endParaRPr kumimoji="1" lang="ja-JP" altLang="en-US" dirty="0"/>
-                    </a:p>
-                  </a:txBody>
-                  <a:tcPr/>
-                </a:tc>
-                <a:tc>
-                  <a:txBody>
-                    <a:bodyPr/>
-                    <a:lstStyle/>
-                    <a:p>
-                      <a:r>
-                        <a:rPr kumimoji="1" lang="en-US" altLang="ja-JP" dirty="0"/>
-                        <a:t>no</a:t>
-                      </a:r>
-                      <a:endParaRPr kumimoji="1" lang="ja-JP" altLang="en-US" dirty="0"/>
-                    </a:p>
-                  </a:txBody>
-                  <a:tcPr/>
-                </a:tc>
-                <a:extLst>
-                  <a:ext uri="{0D108BD9-81ED-4DB2-BD59-A6C34878D82A}">
-                    <a16:rowId xmlns:a16="http://schemas.microsoft.com/office/drawing/2014/main" val="1827174516"/>
-                  </a:ext>
-                </a:extLst>
-              </a:tr>
-              <a:tr h="367034">
-                <a:tc>
-                  <a:txBody>
-                    <a:bodyPr/>
-                    <a:lstStyle/>
-                    <a:p>
-                      <a:r>
-                        <a:rPr kumimoji="1" lang="en-US" altLang="ja-JP" dirty="0"/>
-                        <a:t>58</a:t>
-                      </a:r>
-                      <a:endParaRPr kumimoji="1" lang="ja-JP" altLang="en-US" dirty="0"/>
-                    </a:p>
-                  </a:txBody>
-                  <a:tcPr/>
-                </a:tc>
-                <a:tc>
-                  <a:txBody>
-                    <a:bodyPr/>
-                    <a:lstStyle/>
-                    <a:p>
-                      <a:r>
-                        <a:rPr kumimoji="1" lang="en-US" altLang="ja-JP" dirty="0"/>
-                        <a:t>2</a:t>
-                      </a:r>
-                      <a:endParaRPr kumimoji="1" lang="ja-JP" altLang="en-US" dirty="0"/>
-                    </a:p>
-                  </a:txBody>
-                  <a:tcPr/>
-                </a:tc>
-                <a:tc>
-                  <a:txBody>
-                    <a:bodyPr/>
-                    <a:lstStyle/>
-                    <a:p>
-                      <a:r>
-                        <a:rPr kumimoji="1" lang="en-US" altLang="ja-JP" dirty="0"/>
-                        <a:t>yes</a:t>
-                      </a:r>
-                      <a:endParaRPr kumimoji="1" lang="ja-JP" altLang="en-US" dirty="0"/>
-                    </a:p>
-                  </a:txBody>
-                  <a:tcPr/>
-                </a:tc>
-                <a:tc>
-                  <a:txBody>
-                    <a:bodyPr/>
-                    <a:lstStyle/>
-                    <a:p>
-                      <a:r>
-                        <a:rPr kumimoji="1" lang="en-US" altLang="ja-JP" dirty="0"/>
-                        <a:t>2</a:t>
-                      </a:r>
-                      <a:endParaRPr kumimoji="1" lang="ja-JP" altLang="en-US" dirty="0"/>
-                    </a:p>
-                  </a:txBody>
-                  <a:tcPr/>
-                </a:tc>
-                <a:tc>
-                  <a:txBody>
-                    <a:bodyPr/>
-                    <a:lstStyle/>
-                    <a:p>
-                      <a:r>
-                        <a:rPr kumimoji="1" lang="ja-JP" altLang="en-US" dirty="0"/>
-                        <a:t>結婚</a:t>
-                      </a:r>
-                    </a:p>
-                  </a:txBody>
-                  <a:tcPr/>
-                </a:tc>
-                <a:tc>
-                  <a:txBody>
-                    <a:bodyPr/>
-                    <a:lstStyle/>
-                    <a:p>
-                      <a:r>
-                        <a:rPr kumimoji="1" lang="en-US" altLang="ja-JP" dirty="0"/>
-                        <a:t>yes</a:t>
-                      </a:r>
-                      <a:endParaRPr kumimoji="1" lang="ja-JP" altLang="en-US" dirty="0"/>
-                    </a:p>
-                  </a:txBody>
-                  <a:tcPr/>
-                </a:tc>
-                <a:tc>
-                  <a:txBody>
-                    <a:bodyPr/>
-                    <a:lstStyle/>
-                    <a:p>
-                      <a:r>
-                        <a:rPr kumimoji="1" lang="en-US" altLang="ja-JP" dirty="0"/>
-                        <a:t>yes</a:t>
-                      </a:r>
-                      <a:endParaRPr kumimoji="1" lang="ja-JP" altLang="en-US" dirty="0"/>
-                    </a:p>
-                  </a:txBody>
-                  <a:tcPr/>
-                </a:tc>
-                <a:extLst>
-                  <a:ext uri="{0D108BD9-81ED-4DB2-BD59-A6C34878D82A}">
-                    <a16:rowId xmlns:a16="http://schemas.microsoft.com/office/drawing/2014/main" val="2250612606"/>
-                  </a:ext>
-                </a:extLst>
-              </a:tr>
-              <a:tr h="367034">
-                <a:tc>
-                  <a:txBody>
-                    <a:bodyPr/>
-                    <a:lstStyle/>
-                    <a:p>
-                      <a:r>
-                        <a:rPr kumimoji="1" lang="en-US" altLang="ja-JP" dirty="0"/>
-                        <a:t>33</a:t>
-                      </a:r>
-                      <a:endParaRPr kumimoji="1" lang="ja-JP" altLang="en-US" dirty="0"/>
-                    </a:p>
-                  </a:txBody>
-                  <a:tcPr/>
-                </a:tc>
-                <a:tc>
-                  <a:txBody>
-                    <a:bodyPr/>
-                    <a:lstStyle/>
-                    <a:p>
-                      <a:r>
-                        <a:rPr kumimoji="1" lang="en-US" altLang="ja-JP" dirty="0"/>
-                        <a:t>1</a:t>
-                      </a:r>
-                      <a:endParaRPr kumimoji="1" lang="ja-JP" altLang="en-US" dirty="0"/>
-                    </a:p>
-                  </a:txBody>
-                  <a:tcPr/>
-                </a:tc>
-                <a:tc>
-                  <a:txBody>
-                    <a:bodyPr/>
-                    <a:lstStyle/>
-                    <a:p>
-                      <a:r>
-                        <a:rPr kumimoji="1" lang="en-US" altLang="ja-JP" dirty="0"/>
-                        <a:t>no</a:t>
-                      </a:r>
-                      <a:endParaRPr kumimoji="1" lang="ja-JP" altLang="en-US" dirty="0"/>
-                    </a:p>
-                  </a:txBody>
-                  <a:tcPr/>
-                </a:tc>
-                <a:tc>
-                  <a:txBody>
-                    <a:bodyPr/>
-                    <a:lstStyle/>
-                    <a:p>
-                      <a:r>
-                        <a:rPr kumimoji="1" lang="en-US" altLang="ja-JP" dirty="0"/>
-                        <a:t>1</a:t>
-                      </a:r>
-                      <a:endParaRPr kumimoji="1" lang="ja-JP" altLang="en-US" dirty="0"/>
-                    </a:p>
-                  </a:txBody>
-                  <a:tcPr/>
-                </a:tc>
-                <a:tc>
-                  <a:txBody>
-                    <a:bodyPr/>
-                    <a:lstStyle/>
-                    <a:p>
-                      <a:r>
-                        <a:rPr kumimoji="1" lang="ja-JP" altLang="en-US" dirty="0"/>
-                        <a:t>独身</a:t>
-                      </a:r>
-                    </a:p>
-                  </a:txBody>
-                  <a:tcPr/>
-                </a:tc>
-                <a:tc>
-                  <a:txBody>
-                    <a:bodyPr/>
-                    <a:lstStyle/>
-                    <a:p>
-                      <a:r>
-                        <a:rPr kumimoji="1" lang="en-US" altLang="ja-JP" dirty="0"/>
-                        <a:t>no</a:t>
-                      </a:r>
-                      <a:endParaRPr kumimoji="1" lang="ja-JP" altLang="en-US" dirty="0"/>
-                    </a:p>
-                  </a:txBody>
-                  <a:tcPr/>
-                </a:tc>
-                <a:tc>
-                  <a:txBody>
-                    <a:bodyPr/>
-                    <a:lstStyle/>
-                    <a:p>
-                      <a:r>
-                        <a:rPr kumimoji="1" lang="en-US" altLang="ja-JP" dirty="0"/>
-                        <a:t>no</a:t>
-                      </a:r>
-                      <a:endParaRPr kumimoji="1" lang="ja-JP" altLang="en-US" dirty="0"/>
+                      <a:endParaRPr kumimoji="1" lang="ja-JP" altLang="en-US" sz="2400" dirty="0"/>
                     </a:p>
                   </a:txBody>
                   <a:tcPr/>
@@ -5668,8 +8228,8 @@
         </p:nvSpPr>
         <p:spPr>
           <a:xfrm>
-            <a:off x="97537" y="1025163"/>
-            <a:ext cx="6699504" cy="523220"/>
+            <a:off x="1005842" y="168023"/>
+            <a:ext cx="9771887" cy="523220"/>
           </a:xfrm>
           <a:prstGeom prst="rect">
             <a:avLst/>
@@ -5711,10 +8271,535 @@
 </p:sld>
 </file>
 
+<file path=ppt/slides/slide6.xml><?xml version="1.0" encoding="utf-8"?>
+<p:sld xmlns:a="http://schemas.openxmlformats.org/drawingml/2006/main" xmlns:r="http://schemas.openxmlformats.org/officeDocument/2006/relationships" xmlns:p="http://schemas.openxmlformats.org/presentationml/2006/main">
+  <p:cSld>
+    <p:spTree>
+      <p:nvGrpSpPr>
+        <p:cNvPr id="1" name=""/>
+        <p:cNvGrpSpPr/>
+        <p:nvPr/>
+      </p:nvGrpSpPr>
+      <p:grpSpPr>
+        <a:xfrm>
+          <a:off x="0" y="0"/>
+          <a:ext cx="0" cy="0"/>
+          <a:chOff x="0" y="0"/>
+          <a:chExt cx="0" cy="0"/>
+        </a:xfrm>
+      </p:grpSpPr>
+      <p:sp>
+        <p:nvSpPr>
+          <p:cNvPr id="3" name="テキスト ボックス 2">
+            <a:extLst>
+              <a:ext uri="{FF2B5EF4-FFF2-40B4-BE49-F238E27FC236}">
+                <a16:creationId xmlns:a16="http://schemas.microsoft.com/office/drawing/2014/main" id="{4BA7D1DB-4D4F-4A3D-98E8-E26E641CA04F}"/>
+              </a:ext>
+            </a:extLst>
+          </p:cNvPr>
+          <p:cNvSpPr txBox="1"/>
+          <p:nvPr/>
+        </p:nvSpPr>
+        <p:spPr>
+          <a:xfrm>
+            <a:off x="333532" y="1216302"/>
+            <a:ext cx="11524936" cy="3093154"/>
+          </a:xfrm>
+          <a:prstGeom prst="rect">
+            <a:avLst/>
+          </a:prstGeom>
+          <a:noFill/>
+        </p:spPr>
+        <p:txBody>
+          <a:bodyPr rot="0" spcFirstLastPara="0" vertOverflow="overflow" horzOverflow="overflow" vert="horz" wrap="square" lIns="91440" tIns="45720" rIns="91440" bIns="45720" numCol="1" spcCol="0" rtlCol="0" fromWordArt="0" anchor="t" anchorCtr="0" forceAA="0" compatLnSpc="1">
+            <a:prstTxWarp prst="textNoShape">
+              <a:avLst/>
+            </a:prstTxWarp>
+            <a:spAutoFit/>
+          </a:bodyPr>
+          <a:lstStyle/>
+          <a:p>
+            <a:pPr algn="ctr"/>
+            <a:r>
+              <a:rPr lang="ja-JP" altLang="en-US" sz="4000" b="1" dirty="0">
+                <a:ea typeface="ＭＳ Ｐゴシック"/>
+                <a:cs typeface="Calibri" panose="020F0502020204030204"/>
+              </a:rPr>
+              <a:t>表</a:t>
+            </a:r>
+            <a:r>
+              <a:rPr lang="en-US" altLang="ja-JP" sz="4000" b="1" dirty="0">
+                <a:ea typeface="ＭＳ Ｐゴシック"/>
+                <a:cs typeface="Calibri" panose="020F0502020204030204"/>
+              </a:rPr>
+              <a:t>1</a:t>
+            </a:r>
+            <a:r>
+              <a:rPr lang="ja-JP" altLang="en-US" sz="4000" b="1" dirty="0">
+                <a:ea typeface="ＭＳ Ｐゴシック"/>
+                <a:cs typeface="Calibri" panose="020F0502020204030204"/>
+              </a:rPr>
+              <a:t>における過剰適合、適合不足の例</a:t>
+            </a:r>
+            <a:endParaRPr lang="en-US" altLang="ja-JP" sz="4000" b="1" dirty="0">
+              <a:ea typeface="ＭＳ Ｐゴシック"/>
+              <a:cs typeface="Calibri" panose="020F0502020204030204"/>
+            </a:endParaRPr>
+          </a:p>
+          <a:p>
+            <a:pPr algn="ctr"/>
+            <a:endParaRPr lang="en-US" altLang="ja-JP" sz="3200" b="1" dirty="0">
+              <a:ea typeface="ＭＳ Ｐゴシック"/>
+              <a:cs typeface="Calibri" panose="020F0502020204030204"/>
+            </a:endParaRPr>
+          </a:p>
+          <a:p>
+            <a:r>
+              <a:rPr lang="ja-JP" altLang="en-US" sz="3200" dirty="0">
+                <a:ea typeface="ＭＳ Ｐゴシック"/>
+                <a:cs typeface="Calibri" panose="020F0502020204030204"/>
+              </a:rPr>
+              <a:t>例</a:t>
+            </a:r>
+            <a:r>
+              <a:rPr lang="en-US" altLang="ja-JP" sz="3200" dirty="0">
+                <a:ea typeface="ＭＳ Ｐゴシック"/>
+                <a:cs typeface="Calibri" panose="020F0502020204030204"/>
+              </a:rPr>
+              <a:t>1  45</a:t>
+            </a:r>
+            <a:r>
+              <a:rPr lang="ja-JP" altLang="en-US" sz="3200" dirty="0">
+                <a:ea typeface="ＭＳ Ｐゴシック"/>
+                <a:cs typeface="Calibri" panose="020F0502020204030204"/>
+              </a:rPr>
+              <a:t>歳より年上で、子供が</a:t>
+            </a:r>
+            <a:r>
+              <a:rPr lang="en-US" altLang="ja-JP" sz="3200" dirty="0">
+                <a:ea typeface="ＭＳ Ｐゴシック"/>
+                <a:cs typeface="Calibri" panose="020F0502020204030204"/>
+              </a:rPr>
+              <a:t>3</a:t>
+            </a:r>
+            <a:r>
+              <a:rPr lang="ja-JP" altLang="en-US" sz="3200" dirty="0">
+                <a:ea typeface="ＭＳ Ｐゴシック"/>
+                <a:cs typeface="Calibri" panose="020F0502020204030204"/>
+              </a:rPr>
+              <a:t>人より少ないか、もしくは離婚して  </a:t>
+            </a:r>
+            <a:endParaRPr lang="en-US" altLang="ja-JP" sz="3200" dirty="0">
+              <a:ea typeface="ＭＳ Ｐゴシック"/>
+              <a:cs typeface="Calibri" panose="020F0502020204030204"/>
+            </a:endParaRPr>
+          </a:p>
+          <a:p>
+            <a:r>
+              <a:rPr lang="en-US" altLang="ja-JP" sz="3200" dirty="0">
+                <a:ea typeface="ＭＳ Ｐゴシック"/>
+                <a:cs typeface="Calibri" panose="020F0502020204030204"/>
+              </a:rPr>
+              <a:t>       </a:t>
+            </a:r>
+            <a:r>
+              <a:rPr lang="ja-JP" altLang="en-US" sz="3200" dirty="0">
+                <a:ea typeface="ＭＳ Ｐゴシック"/>
+                <a:cs typeface="Calibri" panose="020F0502020204030204"/>
+              </a:rPr>
+              <a:t>いない 顧客はボートを買いたがる　→　過剰適合</a:t>
+            </a:r>
+            <a:endParaRPr lang="en-US" altLang="ja-JP" sz="800" dirty="0">
+              <a:ea typeface="ＭＳ Ｐゴシック"/>
+              <a:cs typeface="Calibri" panose="020F0502020204030204"/>
+            </a:endParaRPr>
+          </a:p>
+          <a:p>
+            <a:endParaRPr lang="en-US" altLang="ja-JP" sz="800" dirty="0">
+              <a:ea typeface="ＭＳ Ｐゴシック"/>
+              <a:cs typeface="Calibri" panose="020F0502020204030204"/>
+            </a:endParaRPr>
+          </a:p>
+          <a:p>
+            <a:endParaRPr lang="en-US" altLang="ja-JP" sz="800" dirty="0">
+              <a:ea typeface="ＭＳ Ｐゴシック"/>
+              <a:cs typeface="Calibri" panose="020F0502020204030204"/>
+            </a:endParaRPr>
+          </a:p>
+          <a:p>
+            <a:endParaRPr lang="en-US" altLang="ja-JP" sz="1100" dirty="0">
+              <a:ea typeface="ＭＳ Ｐゴシック"/>
+              <a:cs typeface="Calibri" panose="020F0502020204030204"/>
+            </a:endParaRPr>
+          </a:p>
+          <a:p>
+            <a:r>
+              <a:rPr lang="ja-JP" altLang="en-US" sz="3200" dirty="0">
+                <a:ea typeface="ＭＳ Ｐゴシック"/>
+                <a:cs typeface="Calibri" panose="020F0502020204030204"/>
+              </a:rPr>
+              <a:t>例</a:t>
+            </a:r>
+            <a:r>
+              <a:rPr lang="en-US" altLang="ja-JP" sz="3200" dirty="0">
+                <a:ea typeface="ＭＳ Ｐゴシック"/>
+                <a:cs typeface="Calibri" panose="020F0502020204030204"/>
+              </a:rPr>
+              <a:t>2  </a:t>
+            </a:r>
+            <a:r>
+              <a:rPr lang="ja-JP" altLang="en-US" sz="3200" dirty="0">
+                <a:ea typeface="ＭＳ Ｐゴシック"/>
+                <a:cs typeface="Calibri" panose="020F0502020204030204"/>
+              </a:rPr>
+              <a:t>家を持っている人はボートを買いたがる　→　適合不足</a:t>
+            </a:r>
+            <a:endParaRPr lang="en-US" altLang="ja-JP" sz="3200" dirty="0">
+              <a:ea typeface="ＭＳ Ｐゴシック"/>
+              <a:cs typeface="Calibri" panose="020F0502020204030204"/>
+            </a:endParaRPr>
+          </a:p>
+        </p:txBody>
+      </p:sp>
+    </p:spTree>
+    <p:extLst>
+      <p:ext uri="{BB962C8B-B14F-4D97-AF65-F5344CB8AC3E}">
+        <p14:creationId xmlns:p14="http://schemas.microsoft.com/office/powerpoint/2010/main" val="648391550"/>
+      </p:ext>
+    </p:extLst>
+  </p:cSld>
+  <p:clrMapOvr>
+    <a:masterClrMapping/>
+  </p:clrMapOvr>
+</p:sld>
+</file>
+
+<file path=ppt/slides/slide7.xml><?xml version="1.0" encoding="utf-8"?>
+<p:sld xmlns:a="http://schemas.openxmlformats.org/drawingml/2006/main" xmlns:r="http://schemas.openxmlformats.org/officeDocument/2006/relationships" xmlns:p="http://schemas.openxmlformats.org/presentationml/2006/main">
+  <p:cSld>
+    <p:spTree>
+      <p:nvGrpSpPr>
+        <p:cNvPr id="1" name=""/>
+        <p:cNvGrpSpPr/>
+        <p:nvPr/>
+      </p:nvGrpSpPr>
+      <p:grpSpPr>
+        <a:xfrm>
+          <a:off x="0" y="0"/>
+          <a:ext cx="0" cy="0"/>
+          <a:chOff x="0" y="0"/>
+          <a:chExt cx="0" cy="0"/>
+        </a:xfrm>
+      </p:grpSpPr>
+      <p:pic>
+        <p:nvPicPr>
+          <p:cNvPr id="3" name="図 2" descr="ダイアグラム&#10;&#10;自動的に生成された説明">
+            <a:extLst>
+              <a:ext uri="{FF2B5EF4-FFF2-40B4-BE49-F238E27FC236}">
+                <a16:creationId xmlns:a16="http://schemas.microsoft.com/office/drawing/2014/main" id="{ED2CF6CB-5E41-4678-BF55-6D349A1EB155}"/>
+              </a:ext>
+            </a:extLst>
+          </p:cNvPr>
+          <p:cNvPicPr>
+            <a:picLocks noChangeAspect="1"/>
+          </p:cNvPicPr>
+          <p:nvPr/>
+        </p:nvPicPr>
+        <p:blipFill rotWithShape="1">
+          <a:blip r:embed="rId2">
+            <a:extLst>
+              <a:ext uri="{28A0092B-C50C-407E-A947-70E740481C1C}">
+                <a14:useLocalDpi xmlns:a14="http://schemas.microsoft.com/office/drawing/2010/main" val="0"/>
+              </a:ext>
+            </a:extLst>
+          </a:blip>
+          <a:srcRect t="14008"/>
+          <a:stretch/>
+        </p:blipFill>
+        <p:spPr>
+          <a:xfrm>
+            <a:off x="2340102" y="257068"/>
+            <a:ext cx="6803898" cy="3667125"/>
+          </a:xfrm>
+          <a:prstGeom prst="rect">
+            <a:avLst/>
+          </a:prstGeom>
+        </p:spPr>
+      </p:pic>
+      <p:sp>
+        <p:nvSpPr>
+          <p:cNvPr id="5" name="テキスト ボックス 4">
+            <a:extLst>
+              <a:ext uri="{FF2B5EF4-FFF2-40B4-BE49-F238E27FC236}">
+                <a16:creationId xmlns:a16="http://schemas.microsoft.com/office/drawing/2014/main" id="{46FC2E62-D06E-4945-97B8-C3A8AB769ACC}"/>
+              </a:ext>
+            </a:extLst>
+          </p:cNvPr>
+          <p:cNvSpPr txBox="1"/>
+          <p:nvPr/>
+        </p:nvSpPr>
+        <p:spPr>
+          <a:xfrm>
+            <a:off x="2340102" y="4069463"/>
+            <a:ext cx="6803898" cy="523220"/>
+          </a:xfrm>
+          <a:prstGeom prst="rect">
+            <a:avLst/>
+          </a:prstGeom>
+          <a:noFill/>
+        </p:spPr>
+        <p:txBody>
+          <a:bodyPr wrap="square" rtlCol="0">
+            <a:spAutoFit/>
+          </a:bodyPr>
+          <a:lstStyle/>
+          <a:p>
+            <a:pPr algn="ctr"/>
+            <a:r>
+              <a:rPr kumimoji="1" lang="ja-JP" altLang="en-US" sz="2800" b="1" dirty="0"/>
+              <a:t>図</a:t>
+            </a:r>
+            <a:r>
+              <a:rPr kumimoji="1" lang="en-US" altLang="ja-JP" sz="2800" b="1" dirty="0"/>
+              <a:t>1: </a:t>
+            </a:r>
+            <a:r>
+              <a:rPr kumimoji="1" lang="ja-JP" altLang="en-US" sz="2800" b="1" dirty="0"/>
+              <a:t>モデルの複雑さと精度</a:t>
+            </a:r>
+          </a:p>
+        </p:txBody>
+      </p:sp>
+      <p:sp>
+        <p:nvSpPr>
+          <p:cNvPr id="7" name="テキスト ボックス 6">
+            <a:extLst>
+              <a:ext uri="{FF2B5EF4-FFF2-40B4-BE49-F238E27FC236}">
+                <a16:creationId xmlns:a16="http://schemas.microsoft.com/office/drawing/2014/main" id="{61888E1A-AB0C-43A7-85C6-6118B2D72C81}"/>
+              </a:ext>
+            </a:extLst>
+          </p:cNvPr>
+          <p:cNvSpPr txBox="1"/>
+          <p:nvPr/>
+        </p:nvSpPr>
+        <p:spPr>
+          <a:xfrm>
+            <a:off x="1047257" y="4865969"/>
+            <a:ext cx="9828500" cy="1384995"/>
+          </a:xfrm>
+          <a:prstGeom prst="rect">
+            <a:avLst/>
+          </a:prstGeom>
+          <a:noFill/>
+        </p:spPr>
+        <p:txBody>
+          <a:bodyPr rot="0" spcFirstLastPara="0" vertOverflow="overflow" horzOverflow="overflow" vert="horz" wrap="square" lIns="91440" tIns="45720" rIns="91440" bIns="45720" numCol="1" spcCol="0" rtlCol="0" fromWordArt="0" anchor="t" anchorCtr="0" forceAA="0" compatLnSpc="1">
+            <a:prstTxWarp prst="textNoShape">
+              <a:avLst/>
+            </a:prstTxWarp>
+            <a:spAutoFit/>
+          </a:bodyPr>
+          <a:lstStyle/>
+          <a:p>
+            <a:r>
+              <a:rPr lang="ja-JP" altLang="en-US" sz="2800" dirty="0">
+                <a:ea typeface="ＭＳ Ｐゴシック"/>
+                <a:cs typeface="Calibri" panose="020F0502020204030204"/>
+              </a:rPr>
+              <a:t>図</a:t>
+            </a:r>
+            <a:r>
+              <a:rPr lang="en-US" altLang="ja-JP" sz="2800" dirty="0">
+                <a:ea typeface="ＭＳ Ｐゴシック"/>
+                <a:cs typeface="Calibri" panose="020F0502020204030204"/>
+              </a:rPr>
+              <a:t>1</a:t>
+            </a:r>
+            <a:r>
+              <a:rPr lang="ja-JP" altLang="en-US" sz="2800" dirty="0">
+                <a:ea typeface="ＭＳ Ｐゴシック"/>
+                <a:cs typeface="Calibri" panose="020F0502020204030204"/>
+              </a:rPr>
+              <a:t>のように汎化性能が最良となる点をスイートスポット呼これが我々が求めるモデルである</a:t>
+            </a:r>
+            <a:endParaRPr lang="en-US" altLang="ja-JP" sz="2800" dirty="0">
+              <a:ea typeface="ＭＳ Ｐゴシック"/>
+              <a:cs typeface="Calibri" panose="020F0502020204030204"/>
+            </a:endParaRPr>
+          </a:p>
+          <a:p>
+            <a:endParaRPr lang="en-US" altLang="ja-JP" sz="2800" dirty="0">
+              <a:ea typeface="ＭＳ Ｐゴシック"/>
+              <a:cs typeface="Calibri" panose="020F0502020204030204"/>
+            </a:endParaRPr>
+          </a:p>
+        </p:txBody>
+      </p:sp>
+    </p:spTree>
+    <p:extLst>
+      <p:ext uri="{BB962C8B-B14F-4D97-AF65-F5344CB8AC3E}">
+        <p14:creationId xmlns:p14="http://schemas.microsoft.com/office/powerpoint/2010/main" val="4032885386"/>
+      </p:ext>
+    </p:extLst>
+  </p:cSld>
+  <p:clrMapOvr>
+    <a:masterClrMapping/>
+  </p:clrMapOvr>
+</p:sld>
+</file>
+
+<file path=ppt/slides/slide8.xml><?xml version="1.0" encoding="utf-8"?>
+<p:sld xmlns:a="http://schemas.openxmlformats.org/drawingml/2006/main" xmlns:r="http://schemas.openxmlformats.org/officeDocument/2006/relationships" xmlns:p="http://schemas.openxmlformats.org/presentationml/2006/main">
+  <p:cSld>
+    <p:spTree>
+      <p:nvGrpSpPr>
+        <p:cNvPr id="1" name=""/>
+        <p:cNvGrpSpPr/>
+        <p:nvPr/>
+      </p:nvGrpSpPr>
+      <p:grpSpPr>
+        <a:xfrm>
+          <a:off x="0" y="0"/>
+          <a:ext cx="0" cy="0"/>
+          <a:chOff x="0" y="0"/>
+          <a:chExt cx="0" cy="0"/>
+        </a:xfrm>
+      </p:grpSpPr>
+      <p:sp>
+        <p:nvSpPr>
+          <p:cNvPr id="3" name="テキスト ボックス 2">
+            <a:extLst>
+              <a:ext uri="{FF2B5EF4-FFF2-40B4-BE49-F238E27FC236}">
+                <a16:creationId xmlns:a16="http://schemas.microsoft.com/office/drawing/2014/main" id="{4BA7D1DB-4D4F-4A3D-98E8-E26E641CA04F}"/>
+              </a:ext>
+            </a:extLst>
+          </p:cNvPr>
+          <p:cNvSpPr txBox="1"/>
+          <p:nvPr/>
+        </p:nvSpPr>
+        <p:spPr>
+          <a:xfrm>
+            <a:off x="455502" y="728622"/>
+            <a:ext cx="11524936" cy="3170099"/>
+          </a:xfrm>
+          <a:prstGeom prst="rect">
+            <a:avLst/>
+          </a:prstGeom>
+          <a:noFill/>
+        </p:spPr>
+        <p:txBody>
+          <a:bodyPr rot="0" spcFirstLastPara="0" vertOverflow="overflow" horzOverflow="overflow" vert="horz" wrap="square" lIns="91440" tIns="45720" rIns="91440" bIns="45720" numCol="1" spcCol="0" rtlCol="0" fromWordArt="0" anchor="t" anchorCtr="0" forceAA="0" compatLnSpc="1">
+            <a:prstTxWarp prst="textNoShape">
+              <a:avLst/>
+            </a:prstTxWarp>
+            <a:spAutoFit/>
+          </a:bodyPr>
+          <a:lstStyle/>
+          <a:p>
+            <a:pPr algn="ctr"/>
+            <a:r>
+              <a:rPr lang="ja-JP" altLang="en-US" sz="4000" b="1" dirty="0">
+                <a:ea typeface="ＭＳ Ｐゴシック"/>
+                <a:cs typeface="Calibri" panose="020F0502020204030204"/>
+              </a:rPr>
+              <a:t>モデルの複雑さとデータセットの大きさ</a:t>
+            </a:r>
+            <a:endParaRPr lang="en-US" altLang="ja-JP" sz="4000" b="1" dirty="0">
+              <a:ea typeface="ＭＳ Ｐゴシック"/>
+              <a:cs typeface="Calibri" panose="020F0502020204030204"/>
+            </a:endParaRPr>
+          </a:p>
+          <a:p>
+            <a:pPr algn="ctr"/>
+            <a:endParaRPr lang="en-US" altLang="ja-JP" sz="3200" b="1" dirty="0">
+              <a:ea typeface="ＭＳ Ｐゴシック"/>
+              <a:cs typeface="Calibri" panose="020F0502020204030204"/>
+            </a:endParaRPr>
+          </a:p>
+          <a:p>
+            <a:pPr algn="ctr"/>
+            <a:endParaRPr lang="en-US" altLang="ja-JP" sz="3200" b="1" dirty="0">
+              <a:ea typeface="ＭＳ Ｐゴシック"/>
+              <a:cs typeface="Calibri" panose="020F0502020204030204"/>
+            </a:endParaRPr>
+          </a:p>
+          <a:p>
+            <a:r>
+              <a:rPr lang="ja-JP" altLang="en-US" sz="3200" dirty="0">
+                <a:ea typeface="ＭＳ Ｐゴシック"/>
+                <a:cs typeface="Calibri" panose="020F0502020204030204"/>
+              </a:rPr>
+              <a:t>・データのバリエーション</a:t>
+            </a:r>
+            <a:endParaRPr lang="en-US" altLang="ja-JP" sz="3200" dirty="0">
+              <a:ea typeface="ＭＳ Ｐゴシック"/>
+              <a:cs typeface="Calibri" panose="020F0502020204030204"/>
+            </a:endParaRPr>
+          </a:p>
+          <a:p>
+            <a:endParaRPr lang="en-US" altLang="ja-JP" sz="3200" dirty="0">
+              <a:ea typeface="ＭＳ Ｐゴシック"/>
+              <a:cs typeface="Calibri" panose="020F0502020204030204"/>
+            </a:endParaRPr>
+          </a:p>
+          <a:p>
+            <a:r>
+              <a:rPr lang="ja-JP" altLang="en-US" sz="3200" dirty="0">
+                <a:ea typeface="ＭＳ Ｐゴシック"/>
+                <a:cs typeface="Calibri" panose="020F0502020204030204"/>
+              </a:rPr>
+              <a:t>・データ量とモデルの複雑さ</a:t>
+            </a:r>
+          </a:p>
+        </p:txBody>
+      </p:sp>
+    </p:spTree>
+    <p:extLst>
+      <p:ext uri="{BB962C8B-B14F-4D97-AF65-F5344CB8AC3E}">
+        <p14:creationId xmlns:p14="http://schemas.microsoft.com/office/powerpoint/2010/main" val="3033544880"/>
+      </p:ext>
+    </p:extLst>
+  </p:cSld>
+  <p:clrMapOvr>
+    <a:masterClrMapping/>
+  </p:clrMapOvr>
+</p:sld>
+</file>
+
+<file path=ppt/slides/slide9.xml><?xml version="1.0" encoding="utf-8"?>
+<p:sld xmlns:a="http://schemas.openxmlformats.org/drawingml/2006/main" xmlns:r="http://schemas.openxmlformats.org/officeDocument/2006/relationships" xmlns:p="http://schemas.openxmlformats.org/presentationml/2006/main">
+  <p:cSld>
+    <p:spTree>
+      <p:nvGrpSpPr>
+        <p:cNvPr id="1" name=""/>
+        <p:cNvGrpSpPr/>
+        <p:nvPr/>
+      </p:nvGrpSpPr>
+      <p:grpSpPr>
+        <a:xfrm>
+          <a:off x="0" y="0"/>
+          <a:ext cx="0" cy="0"/>
+          <a:chOff x="0" y="0"/>
+          <a:chExt cx="0" cy="0"/>
+        </a:xfrm>
+      </p:grpSpPr>
+    </p:spTree>
+    <p:extLst>
+      <p:ext uri="{BB962C8B-B14F-4D97-AF65-F5344CB8AC3E}">
+        <p14:creationId xmlns:p14="http://schemas.microsoft.com/office/powerpoint/2010/main" val="3814959968"/>
+      </p:ext>
+    </p:extLst>
+  </p:cSld>
+  <p:clrMapOvr>
+    <a:masterClrMapping/>
+  </p:clrMapOvr>
+</p:sld>
+</file>
+
 <file path=ppt/theme/theme1.xml><?xml version="1.0" encoding="utf-8"?>
-<a:theme xmlns:a="http://schemas.openxmlformats.org/drawingml/2006/main" name="Office テーマ">
+<a:theme xmlns:a="http://schemas.openxmlformats.org/drawingml/2006/main" name="しずく">
   <a:themeElements>
-    <a:clrScheme name="Office">
+    <a:clrScheme name="しずく">
       <a:dk1>
         <a:sysClr val="windowText" lastClr="000000"/>
       </a:dk1>
@@ -5722,44 +8807,44 @@
         <a:sysClr val="window" lastClr="FFFFFF"/>
       </a:lt1>
       <a:dk2>
-        <a:srgbClr val="44546A"/>
+        <a:srgbClr val="355071"/>
       </a:dk2>
       <a:lt2>
-        <a:srgbClr val="E7E6E6"/>
+        <a:srgbClr val="AABED7"/>
       </a:lt2>
       <a:accent1>
-        <a:srgbClr val="4472C4"/>
+        <a:srgbClr val="2FA3EE"/>
       </a:accent1>
       <a:accent2>
-        <a:srgbClr val="ED7D31"/>
+        <a:srgbClr val="4BCAAD"/>
       </a:accent2>
       <a:accent3>
-        <a:srgbClr val="A5A5A5"/>
+        <a:srgbClr val="86C157"/>
       </a:accent3>
       <a:accent4>
-        <a:srgbClr val="FFC000"/>
+        <a:srgbClr val="D99C3F"/>
       </a:accent4>
       <a:accent5>
-        <a:srgbClr val="5B9BD5"/>
+        <a:srgbClr val="CE6633"/>
       </a:accent5>
       <a:accent6>
-        <a:srgbClr val="70AD47"/>
+        <a:srgbClr val="A35DD1"/>
       </a:accent6>
       <a:hlink>
-        <a:srgbClr val="0563C1"/>
+        <a:srgbClr val="56BCFE"/>
       </a:hlink>
       <a:folHlink>
-        <a:srgbClr val="954F72"/>
+        <a:srgbClr val="97C5E3"/>
       </a:folHlink>
     </a:clrScheme>
-    <a:fontScheme name="Office">
+    <a:fontScheme name="しずく">
       <a:majorFont>
-        <a:latin typeface="游ゴシック Light" panose="020F0302020204030204"/>
+        <a:latin typeface="Tw Cen MT" panose="020B0602020104020603"/>
         <a:ea typeface=""/>
         <a:cs typeface=""/>
-        <a:font script="Jpan" typeface="游ゴシック Light"/>
+        <a:font script="Jpan" typeface="ＭＳ Ｐゴシック"/>
         <a:font script="Hang" typeface="맑은 고딕"/>
-        <a:font script="Hans" typeface="等线 Light"/>
+        <a:font script="Hans" typeface="宋体"/>
         <a:font script="Hant" typeface="新細明體"/>
         <a:font script="Arab" typeface="Times New Roman"/>
         <a:font script="Hebr" typeface="Times New Roman"/>
@@ -5787,31 +8872,14 @@
         <a:font script="Viet" typeface="Times New Roman"/>
         <a:font script="Uigh" typeface="Microsoft Uighur"/>
         <a:font script="Geor" typeface="Sylfaen"/>
-        <a:font script="Armn" typeface="Arial"/>
-        <a:font script="Bugi" typeface="Leelawadee UI"/>
-        <a:font script="Bopo" typeface="Microsoft JhengHei"/>
-        <a:font script="Java" typeface="Javanese Text"/>
-        <a:font script="Lisu" typeface="Segoe UI"/>
-        <a:font script="Mymr" typeface="Myanmar Text"/>
-        <a:font script="Nkoo" typeface="Ebrima"/>
-        <a:font script="Olck" typeface="Nirmala UI"/>
-        <a:font script="Osma" typeface="Ebrima"/>
-        <a:font script="Phag" typeface="Phagspa"/>
-        <a:font script="Syrn" typeface="Estrangelo Edessa"/>
-        <a:font script="Syrj" typeface="Estrangelo Edessa"/>
-        <a:font script="Syre" typeface="Estrangelo Edessa"/>
-        <a:font script="Sora" typeface="Nirmala UI"/>
-        <a:font script="Tale" typeface="Microsoft Tai Le"/>
-        <a:font script="Talu" typeface="Microsoft New Tai Lue"/>
-        <a:font script="Tfng" typeface="Ebrima"/>
       </a:majorFont>
       <a:minorFont>
-        <a:latin typeface="游ゴシック" panose="020F0502020204030204"/>
+        <a:latin typeface="Tw Cen MT" panose="020B0602020104020603"/>
         <a:ea typeface=""/>
         <a:cs typeface=""/>
-        <a:font script="Jpan" typeface="游ゴシック"/>
+        <a:font script="Jpan" typeface="ＭＳ Ｐゴシック"/>
         <a:font script="Hang" typeface="맑은 고딕"/>
-        <a:font script="Hans" typeface="等线"/>
+        <a:font script="Hans" typeface="宋体"/>
         <a:font script="Hant" typeface="新細明體"/>
         <a:font script="Arab" typeface="Arial"/>
         <a:font script="Hebr" typeface="Arial"/>
@@ -5839,27 +8907,105 @@
         <a:font script="Viet" typeface="Arial"/>
         <a:font script="Uigh" typeface="Microsoft Uighur"/>
         <a:font script="Geor" typeface="Sylfaen"/>
-        <a:font script="Armn" typeface="Arial"/>
-        <a:font script="Bugi" typeface="Leelawadee UI"/>
-        <a:font script="Bopo" typeface="Microsoft JhengHei"/>
-        <a:font script="Java" typeface="Javanese Text"/>
-        <a:font script="Lisu" typeface="Segoe UI"/>
-        <a:font script="Mymr" typeface="Myanmar Text"/>
-        <a:font script="Nkoo" typeface="Ebrima"/>
-        <a:font script="Olck" typeface="Nirmala UI"/>
-        <a:font script="Osma" typeface="Ebrima"/>
-        <a:font script="Phag" typeface="Phagspa"/>
-        <a:font script="Syrn" typeface="Estrangelo Edessa"/>
-        <a:font script="Syrj" typeface="Estrangelo Edessa"/>
-        <a:font script="Syre" typeface="Estrangelo Edessa"/>
-        <a:font script="Sora" typeface="Nirmala UI"/>
-        <a:font script="Tale" typeface="Microsoft Tai Le"/>
-        <a:font script="Talu" typeface="Microsoft New Tai Lue"/>
-        <a:font script="Tfng" typeface="Ebrima"/>
       </a:minorFont>
     </a:fontScheme>
-    <a:fmtScheme name="Office">
+    <a:fmtScheme name="しずく">
       <a:fillStyleLst>
+        <a:solidFill>
+          <a:schemeClr val="phClr"/>
+        </a:solidFill>
+        <a:solidFill>
+          <a:schemeClr val="phClr">
+            <a:tint val="69000"/>
+            <a:satMod val="105000"/>
+            <a:lumMod val="110000"/>
+          </a:schemeClr>
+        </a:solidFill>
+        <a:gradFill rotWithShape="1">
+          <a:gsLst>
+            <a:gs pos="0">
+              <a:schemeClr val="phClr">
+                <a:tint val="94000"/>
+                <a:satMod val="100000"/>
+                <a:lumMod val="108000"/>
+              </a:schemeClr>
+            </a:gs>
+            <a:gs pos="50000">
+              <a:schemeClr val="phClr">
+                <a:tint val="98000"/>
+                <a:shade val="100000"/>
+                <a:satMod val="100000"/>
+                <a:lumMod val="100000"/>
+              </a:schemeClr>
+            </a:gs>
+            <a:gs pos="100000">
+              <a:schemeClr val="phClr">
+                <a:shade val="72000"/>
+                <a:satMod val="120000"/>
+                <a:lumMod val="100000"/>
+              </a:schemeClr>
+            </a:gs>
+          </a:gsLst>
+          <a:lin ang="5400000" scaled="0"/>
+        </a:gradFill>
+      </a:fillStyleLst>
+      <a:lnStyleLst>
+        <a:ln w="9525" cap="flat" cmpd="sng" algn="ctr">
+          <a:solidFill>
+            <a:schemeClr val="phClr">
+              <a:shade val="60000"/>
+            </a:schemeClr>
+          </a:solidFill>
+          <a:prstDash val="solid"/>
+        </a:ln>
+        <a:ln w="15875" cap="flat" cmpd="sng" algn="ctr">
+          <a:solidFill>
+            <a:schemeClr val="phClr"/>
+          </a:solidFill>
+          <a:prstDash val="solid"/>
+        </a:ln>
+        <a:ln w="22225" cap="flat" cmpd="sng" algn="ctr">
+          <a:solidFill>
+            <a:schemeClr val="phClr"/>
+          </a:solidFill>
+          <a:prstDash val="solid"/>
+        </a:ln>
+      </a:lnStyleLst>
+      <a:effectStyleLst>
+        <a:effectStyle>
+          <a:effectLst/>
+        </a:effectStyle>
+        <a:effectStyle>
+          <a:effectLst>
+            <a:outerShdw blurRad="50800" dist="25400" dir="5400000" rotWithShape="0">
+              <a:srgbClr val="000000">
+                <a:alpha val="28000"/>
+              </a:srgbClr>
+            </a:outerShdw>
+          </a:effectLst>
+        </a:effectStyle>
+        <a:effectStyle>
+          <a:effectLst>
+            <a:outerShdw blurRad="63500" dist="25400" dir="5400000" algn="ctr" rotWithShape="0">
+              <a:srgbClr val="000000">
+                <a:alpha val="69000"/>
+              </a:srgbClr>
+            </a:outerShdw>
+          </a:effectLst>
+          <a:scene3d>
+            <a:camera prst="orthographicFront">
+              <a:rot lat="0" lon="0" rev="0"/>
+            </a:camera>
+            <a:lightRig rig="balanced" dir="t">
+              <a:rot lat="0" lon="0" rev="1200000"/>
+            </a:lightRig>
+          </a:scene3d>
+          <a:sp3d prstMaterial="plastic">
+            <a:bevelT w="25400" h="25400"/>
+          </a:sp3d>
+        </a:effectStyle>
+      </a:effectStyleLst>
+      <a:bgFillStyleLst>
         <a:solidFill>
           <a:schemeClr val="phClr"/>
         </a:solidFill>
@@ -5867,23 +9013,14 @@
           <a:gsLst>
             <a:gs pos="0">
               <a:schemeClr val="phClr">
+                <a:tint val="90000"/>
                 <a:lumMod val="110000"/>
-                <a:satMod val="105000"/>
-                <a:tint val="67000"/>
-              </a:schemeClr>
-            </a:gs>
-            <a:gs pos="50000">
-              <a:schemeClr val="phClr">
-                <a:lumMod val="105000"/>
-                <a:satMod val="103000"/>
-                <a:tint val="73000"/>
               </a:schemeClr>
             </a:gs>
             <a:gs pos="100000">
               <a:schemeClr val="phClr">
-                <a:lumMod val="105000"/>
-                <a:satMod val="109000"/>
-                <a:tint val="81000"/>
+                <a:shade val="64000"/>
+                <a:lumMod val="88000"/>
               </a:schemeClr>
             </a:gs>
           </a:gsLst>
@@ -5893,101 +9030,18 @@
           <a:gsLst>
             <a:gs pos="0">
               <a:schemeClr val="phClr">
-                <a:satMod val="103000"/>
-                <a:lumMod val="102000"/>
-                <a:tint val="94000"/>
-              </a:schemeClr>
-            </a:gs>
-            <a:gs pos="50000">
-              <a:schemeClr val="phClr">
-                <a:satMod val="110000"/>
-                <a:lumMod val="100000"/>
+                <a:tint val="84000"/>
                 <a:shade val="100000"/>
+                <a:hueMod val="130000"/>
+                <a:satMod val="150000"/>
+                <a:lumMod val="112000"/>
               </a:schemeClr>
             </a:gs>
             <a:gs pos="100000">
               <a:schemeClr val="phClr">
-                <a:lumMod val="99000"/>
-                <a:satMod val="120000"/>
-                <a:shade val="78000"/>
-              </a:schemeClr>
-            </a:gs>
-          </a:gsLst>
-          <a:lin ang="5400000" scaled="0"/>
-        </a:gradFill>
-      </a:fillStyleLst>
-      <a:lnStyleLst>
-        <a:ln w="6350" cap="flat" cmpd="sng" algn="ctr">
-          <a:solidFill>
-            <a:schemeClr val="phClr"/>
-          </a:solidFill>
-          <a:prstDash val="solid"/>
-          <a:miter lim="800000"/>
-        </a:ln>
-        <a:ln w="12700" cap="flat" cmpd="sng" algn="ctr">
-          <a:solidFill>
-            <a:schemeClr val="phClr"/>
-          </a:solidFill>
-          <a:prstDash val="solid"/>
-          <a:miter lim="800000"/>
-        </a:ln>
-        <a:ln w="19050" cap="flat" cmpd="sng" algn="ctr">
-          <a:solidFill>
-            <a:schemeClr val="phClr"/>
-          </a:solidFill>
-          <a:prstDash val="solid"/>
-          <a:miter lim="800000"/>
-        </a:ln>
-      </a:lnStyleLst>
-      <a:effectStyleLst>
-        <a:effectStyle>
-          <a:effectLst/>
-        </a:effectStyle>
-        <a:effectStyle>
-          <a:effectLst/>
-        </a:effectStyle>
-        <a:effectStyle>
-          <a:effectLst>
-            <a:outerShdw blurRad="57150" dist="19050" dir="5400000" algn="ctr" rotWithShape="0">
-              <a:srgbClr val="000000">
-                <a:alpha val="63000"/>
-              </a:srgbClr>
-            </a:outerShdw>
-          </a:effectLst>
-        </a:effectStyle>
-      </a:effectStyleLst>
-      <a:bgFillStyleLst>
-        <a:solidFill>
-          <a:schemeClr val="phClr"/>
-        </a:solidFill>
-        <a:solidFill>
-          <a:schemeClr val="phClr">
-            <a:tint val="95000"/>
-            <a:satMod val="170000"/>
-          </a:schemeClr>
-        </a:solidFill>
-        <a:gradFill rotWithShape="1">
-          <a:gsLst>
-            <a:gs pos="0">
-              <a:schemeClr val="phClr">
-                <a:tint val="93000"/>
-                <a:satMod val="150000"/>
-                <a:shade val="98000"/>
-                <a:lumMod val="102000"/>
-              </a:schemeClr>
-            </a:gs>
-            <a:gs pos="50000">
-              <a:schemeClr val="phClr">
-                <a:tint val="98000"/>
-                <a:satMod val="130000"/>
-                <a:shade val="90000"/>
-                <a:lumMod val="103000"/>
-              </a:schemeClr>
-            </a:gs>
-            <a:gs pos="100000">
-              <a:schemeClr val="phClr">
-                <a:shade val="63000"/>
-                <a:satMod val="120000"/>
+                <a:shade val="92000"/>
+                <a:satMod val="140000"/>
+                <a:lumMod val="110000"/>
               </a:schemeClr>
             </a:gs>
           </a:gsLst>
@@ -6000,7 +9054,7 @@
   <a:extraClrSchemeLst/>
   <a:extLst>
     <a:ext uri="{05A4C25C-085E-4340-85A3-A5531E510DB2}">
-      <thm15:themeFamily xmlns:thm15="http://schemas.microsoft.com/office/thememl/2012/main" name="Office Theme" id="{62F939B6-93AF-4DB8-9C6B-D6C7DFDC589F}" vid="{4A3C46E8-61CC-4603-A589-7422A47A8E4A}"/>
+      <thm15:themeFamily xmlns:thm15="http://schemas.microsoft.com/office/thememl/2012/main" name="Droplet" id="{8984A317-299A-4E50-B45D-BFC9EDE2337A}" vid="{A633B6A3-9E7F-4C10-9C98-2517A3134361}"/>
     </a:ext>
   </a:extLst>
 </a:theme>
